--- a/textbook/파이썬3-2교시.pptx
+++ b/textbook/파이썬3-2교시.pptx
@@ -9,7 +9,10 @@
     <p:sldId id="257" r:id="rId3"/>
     <p:sldId id="267" r:id="rId4"/>
     <p:sldId id="268" r:id="rId5"/>
-    <p:sldId id="266" r:id="rId6"/>
+    <p:sldId id="269" r:id="rId6"/>
+    <p:sldId id="270" r:id="rId7"/>
+    <p:sldId id="271" r:id="rId8"/>
+    <p:sldId id="266" r:id="rId9"/>
   </p:sldIdLst>
   <p:sldSz cx="9144000" cy="6858000" type="screen4x3"/>
   <p:notesSz cx="6858000" cy="9144000"/>
@@ -266,7 +269,7 @@
           <a:p>
             <a:fld id="{3575F28B-E03B-4F00-AA56-A8AF97DAF43F}" type="datetimeFigureOut">
               <a:rPr lang="ko-KR" altLang="en-US" smtClean="0"/>
-              <a:t>2021-05-09</a:t>
+              <a:t>2021-05-12</a:t>
             </a:fld>
             <a:endParaRPr lang="ko-KR" altLang="en-US"/>
           </a:p>
@@ -508,7 +511,7 @@
           <a:p>
             <a:fld id="{3575F28B-E03B-4F00-AA56-A8AF97DAF43F}" type="datetimeFigureOut">
               <a:rPr lang="ko-KR" altLang="en-US" smtClean="0"/>
-              <a:t>2021-05-09</a:t>
+              <a:t>2021-05-12</a:t>
             </a:fld>
             <a:endParaRPr lang="ko-KR" altLang="en-US"/>
           </a:p>
@@ -692,7 +695,7 @@
           <a:p>
             <a:fld id="{3575F28B-E03B-4F00-AA56-A8AF97DAF43F}" type="datetimeFigureOut">
               <a:rPr lang="ko-KR" altLang="en-US" smtClean="0"/>
-              <a:t>2021-05-09</a:t>
+              <a:t>2021-05-12</a:t>
             </a:fld>
             <a:endParaRPr lang="ko-KR" altLang="en-US"/>
           </a:p>
@@ -893,7 +896,7 @@
           <a:p>
             <a:fld id="{3575F28B-E03B-4F00-AA56-A8AF97DAF43F}" type="datetimeFigureOut">
               <a:rPr lang="ko-KR" altLang="en-US" smtClean="0"/>
-              <a:t>2021-05-09</a:t>
+              <a:t>2021-05-12</a:t>
             </a:fld>
             <a:endParaRPr lang="ko-KR" altLang="en-US"/>
           </a:p>
@@ -1172,7 +1175,7 @@
           <a:p>
             <a:fld id="{3575F28B-E03B-4F00-AA56-A8AF97DAF43F}" type="datetimeFigureOut">
               <a:rPr lang="ko-KR" altLang="en-US" smtClean="0"/>
-              <a:t>2021-05-09</a:t>
+              <a:t>2021-05-12</a:t>
             </a:fld>
             <a:endParaRPr lang="ko-KR" altLang="en-US"/>
           </a:p>
@@ -1440,7 +1443,7 @@
           <a:p>
             <a:fld id="{3575F28B-E03B-4F00-AA56-A8AF97DAF43F}" type="datetimeFigureOut">
               <a:rPr lang="ko-KR" altLang="en-US" smtClean="0"/>
-              <a:t>2021-05-09</a:t>
+              <a:t>2021-05-12</a:t>
             </a:fld>
             <a:endParaRPr lang="ko-KR" altLang="en-US"/>
           </a:p>
@@ -1887,7 +1890,7 @@
           <a:p>
             <a:fld id="{3575F28B-E03B-4F00-AA56-A8AF97DAF43F}" type="datetimeFigureOut">
               <a:rPr lang="ko-KR" altLang="en-US" smtClean="0"/>
-              <a:t>2021-05-09</a:t>
+              <a:t>2021-05-12</a:t>
             </a:fld>
             <a:endParaRPr lang="ko-KR" altLang="en-US"/>
           </a:p>
@@ -2036,7 +2039,7 @@
           <a:p>
             <a:fld id="{3575F28B-E03B-4F00-AA56-A8AF97DAF43F}" type="datetimeFigureOut">
               <a:rPr lang="ko-KR" altLang="en-US" smtClean="0"/>
-              <a:t>2021-05-09</a:t>
+              <a:t>2021-05-12</a:t>
             </a:fld>
             <a:endParaRPr lang="ko-KR" altLang="en-US"/>
           </a:p>
@@ -2131,7 +2134,7 @@
           <a:p>
             <a:fld id="{3575F28B-E03B-4F00-AA56-A8AF97DAF43F}" type="datetimeFigureOut">
               <a:rPr lang="ko-KR" altLang="en-US" smtClean="0"/>
-              <a:t>2021-05-09</a:t>
+              <a:t>2021-05-12</a:t>
             </a:fld>
             <a:endParaRPr lang="ko-KR" altLang="en-US"/>
           </a:p>
@@ -2384,7 +2387,7 @@
           <a:p>
             <a:fld id="{3575F28B-E03B-4F00-AA56-A8AF97DAF43F}" type="datetimeFigureOut">
               <a:rPr lang="ko-KR" altLang="en-US" smtClean="0"/>
-              <a:t>2021-05-09</a:t>
+              <a:t>2021-05-12</a:t>
             </a:fld>
             <a:endParaRPr lang="ko-KR" altLang="en-US"/>
           </a:p>
@@ -2829,7 +2832,7 @@
           <a:p>
             <a:fld id="{3575F28B-E03B-4F00-AA56-A8AF97DAF43F}" type="datetimeFigureOut">
               <a:rPr lang="ko-KR" altLang="en-US" smtClean="0"/>
-              <a:t>2021-05-09</a:t>
+              <a:t>2021-05-12</a:t>
             </a:fld>
             <a:endParaRPr lang="ko-KR" altLang="en-US"/>
           </a:p>
@@ -3193,7 +3196,7 @@
           <a:p>
             <a:fld id="{3575F28B-E03B-4F00-AA56-A8AF97DAF43F}" type="datetimeFigureOut">
               <a:rPr lang="ko-KR" altLang="en-US" smtClean="0"/>
-              <a:t>2021-05-09</a:t>
+              <a:t>2021-05-12</a:t>
             </a:fld>
             <a:endParaRPr lang="ko-KR" altLang="en-US"/>
           </a:p>
@@ -3730,7 +3733,7 @@
     <mc:Choice Requires="p14">
       <p:transition/>
     </mc:Choice>
-    <mc:Fallback xmlns="" xmlns:c="http://schemas.openxmlformats.org/drawingml/2006/chart" xmlns:dgm="http://schemas.openxmlformats.org/drawingml/2006/diagram" xmlns:dsp="http://schemas.microsoft.com/office/drawing/2008/diagram">
+    <mc:Fallback xmlns:dsp="http://schemas.microsoft.com/office/drawing/2008/diagram" xmlns:dgm="http://schemas.openxmlformats.org/drawingml/2006/diagram" xmlns:c="http://schemas.openxmlformats.org/drawingml/2006/chart" xmlns="">
       <p:transition/>
     </mc:Fallback>
   </mc:AlternateContent>
@@ -3845,7 +3848,7 @@
     <mc:Choice Requires="p14">
       <p:transition/>
     </mc:Choice>
-    <mc:Fallback xmlns="" xmlns:c="http://schemas.openxmlformats.org/drawingml/2006/chart" xmlns:dgm="http://schemas.openxmlformats.org/drawingml/2006/diagram" xmlns:dsp="http://schemas.microsoft.com/office/drawing/2008/diagram">
+    <mc:Fallback xmlns:dsp="http://schemas.microsoft.com/office/drawing/2008/diagram" xmlns:dgm="http://schemas.openxmlformats.org/drawingml/2006/diagram" xmlns:c="http://schemas.openxmlformats.org/drawingml/2006/chart" xmlns="">
       <p:transition/>
     </mc:Fallback>
   </mc:AlternateContent>
@@ -5870,6 +5873,3487 @@
           <a:bodyPr/>
           <a:lstStyle/>
           <a:p>
+            <a:r>
+              <a:rPr lang="ko-KR" altLang="en-US" dirty="0" smtClean="0"/>
+              <a:t>레인지 함수</a:t>
+            </a:r>
+            <a:endParaRPr lang="ko-KR" altLang="en-US" dirty="0"/>
+          </a:p>
+        </p:txBody>
+      </p:sp>
+      <p:sp>
+        <p:nvSpPr>
+          <p:cNvPr id="3" name="내용 개체 틀 2"/>
+          <p:cNvSpPr>
+            <a:spLocks noGrp="1"/>
+          </p:cNvSpPr>
+          <p:nvPr>
+            <p:ph idx="1"/>
+          </p:nvPr>
+        </p:nvSpPr>
+        <p:spPr/>
+        <p:txBody>
+          <a:bodyPr/>
+          <a:lstStyle/>
+          <a:p>
+            <a:r>
+              <a:rPr lang="en-US" altLang="ko-KR" dirty="0" smtClean="0"/>
+              <a:t> range(</a:t>
+            </a:r>
+            <a:r>
+              <a:rPr lang="ko-KR" altLang="en-US" dirty="0" smtClean="0"/>
+              <a:t>시작</a:t>
+            </a:r>
+            <a:r>
+              <a:rPr lang="en-US" altLang="ko-KR" dirty="0" smtClean="0"/>
+              <a:t>, </a:t>
+            </a:r>
+            <a:r>
+              <a:rPr lang="ko-KR" altLang="en-US" dirty="0" smtClean="0"/>
+              <a:t>끝</a:t>
+            </a:r>
+            <a:r>
+              <a:rPr lang="en-US" altLang="ko-KR" dirty="0" smtClean="0"/>
+              <a:t>, </a:t>
+            </a:r>
+            <a:r>
+              <a:rPr lang="ko-KR" altLang="en-US" dirty="0" smtClean="0"/>
+              <a:t>스텝</a:t>
+            </a:r>
+            <a:r>
+              <a:rPr lang="en-US" altLang="ko-KR" dirty="0" smtClean="0"/>
+              <a:t>)</a:t>
+            </a:r>
+            <a:r>
+              <a:rPr lang="ko-KR" altLang="en-US" dirty="0" smtClean="0"/>
+              <a:t> 형식으로 사용한다</a:t>
+            </a:r>
+            <a:r>
+              <a:rPr lang="en-US" altLang="ko-KR" dirty="0" smtClean="0"/>
+              <a:t>.</a:t>
+            </a:r>
+          </a:p>
+          <a:p>
+            <a:pPr marL="0" indent="0">
+              <a:buNone/>
+            </a:pPr>
+            <a:r>
+              <a:rPr lang="en-US" altLang="ko-KR" dirty="0"/>
+              <a:t> </a:t>
+            </a:r>
+            <a:r>
+              <a:rPr lang="en-US" altLang="ko-KR" dirty="0" smtClean="0"/>
+              <a:t>   </a:t>
+            </a:r>
+            <a:r>
+              <a:rPr lang="ko-KR" altLang="en-US" dirty="0" smtClean="0"/>
+              <a:t>숫자가 시작 부터 끝까지 시퀀스의 형태로 객체를 </a:t>
+            </a:r>
+            <a:r>
+              <a:rPr lang="ko-KR" altLang="en-US" dirty="0" err="1" smtClean="0"/>
+              <a:t>만듬</a:t>
+            </a:r>
+            <a:r>
+              <a:rPr lang="en-US" altLang="ko-KR" dirty="0" smtClean="0"/>
+              <a:t>.</a:t>
+            </a:r>
+          </a:p>
+          <a:p>
+            <a:pPr marL="0" indent="0">
+              <a:buNone/>
+            </a:pPr>
+            <a:endParaRPr lang="en-US" altLang="ko-KR" dirty="0"/>
+          </a:p>
+          <a:p>
+            <a:endParaRPr lang="en-US" altLang="ko-KR" dirty="0" smtClean="0"/>
+          </a:p>
+          <a:p>
+            <a:endParaRPr lang="ko-KR" altLang="en-US" dirty="0"/>
+          </a:p>
+        </p:txBody>
+      </p:sp>
+      <p:sp>
+        <p:nvSpPr>
+          <p:cNvPr id="4" name="Rectangle 1"/>
+          <p:cNvSpPr>
+            <a:spLocks noChangeArrowheads="1"/>
+          </p:cNvSpPr>
+          <p:nvPr/>
+        </p:nvSpPr>
+        <p:spPr bwMode="auto">
+          <a:xfrm>
+            <a:off x="6588224" y="3140968"/>
+            <a:ext cx="2051720" cy="2631490"/>
+          </a:xfrm>
+          <a:prstGeom prst="rect">
+            <a:avLst/>
+          </a:prstGeom>
+          <a:solidFill>
+            <a:srgbClr val="2B2B2B"/>
+          </a:solidFill>
+          <a:ln>
+            <a:noFill/>
+          </a:ln>
+          <a:effectLst/>
+          <a:extLst>
+            <a:ext uri="{91240B29-F687-4F45-9708-019B960494DF}">
+              <a14:hiddenLine xmlns:a14="http://schemas.microsoft.com/office/drawing/2010/main" w="9525">
+                <a:solidFill>
+                  <a:schemeClr val="tx1"/>
+                </a:solidFill>
+                <a:miter lim="800000"/>
+                <a:headEnd/>
+                <a:tailEnd/>
+              </a14:hiddenLine>
+            </a:ext>
+            <a:ext uri="{AF507438-7753-43E0-B8FC-AC1667EBCBE1}">
+              <a14:hiddenEffects xmlns:a14="http://schemas.microsoft.com/office/drawing/2010/main">
+                <a:effectLst>
+                  <a:outerShdw dist="35921" dir="2700000" algn="ctr" rotWithShape="0">
+                    <a:schemeClr val="bg2"/>
+                  </a:outerShdw>
+                </a:effectLst>
+              </a14:hiddenEffects>
+            </a:ext>
+          </a:extLst>
+        </p:spPr>
+        <p:txBody>
+          <a:bodyPr vert="horz" wrap="square" lIns="91440" tIns="45720" rIns="91440" bIns="45720" numCol="1" anchor="ctr" anchorCtr="0" compatLnSpc="1">
+            <a:prstTxWarp prst="textNoShape">
+              <a:avLst/>
+            </a:prstTxWarp>
+            <a:spAutoFit/>
+          </a:bodyPr>
+          <a:lstStyle/>
+          <a:p>
+            <a:pPr marL="0" marR="0" lvl="0" indent="0" algn="l" defTabSz="914400" rtl="0" eaLnBrk="0" fontAlgn="base" latinLnBrk="0" hangingPunct="0">
+              <a:lnSpc>
+                <a:spcPct val="100000"/>
+              </a:lnSpc>
+              <a:spcBef>
+                <a:spcPct val="0"/>
+              </a:spcBef>
+              <a:spcAft>
+                <a:spcPct val="0"/>
+              </a:spcAft>
+              <a:buClrTx/>
+              <a:buSzTx/>
+              <a:buFontTx/>
+              <a:buNone/>
+              <a:tabLst/>
+            </a:pPr>
+            <a:r>
+              <a:rPr kumimoji="0" lang="ko-KR" altLang="ko-KR" sz="1500" b="0" i="0" u="none" strike="noStrike" cap="none" normalizeH="0" baseline="0" dirty="0" err="1" smtClean="0">
+                <a:ln>
+                  <a:noFill/>
+                </a:ln>
+                <a:solidFill>
+                  <a:srgbClr val="A9B7C6"/>
+                </a:solidFill>
+                <a:effectLst/>
+                <a:latin typeface="Arial Unicode MS"/>
+                <a:ea typeface="JetBrains Mono"/>
+              </a:rPr>
+              <a:t>a</a:t>
+            </a:r>
+            <a:r>
+              <a:rPr kumimoji="0" lang="ko-KR" altLang="ko-KR" sz="1500" b="0" i="0" u="none" strike="noStrike" cap="none" normalizeH="0" baseline="0" dirty="0" smtClean="0">
+                <a:ln>
+                  <a:noFill/>
+                </a:ln>
+                <a:solidFill>
+                  <a:srgbClr val="A9B7C6"/>
+                </a:solidFill>
+                <a:effectLst/>
+                <a:latin typeface="Arial Unicode MS"/>
+                <a:ea typeface="JetBrains Mono"/>
+              </a:rPr>
+              <a:t> = </a:t>
+            </a:r>
+            <a:r>
+              <a:rPr kumimoji="0" lang="ko-KR" altLang="ko-KR" sz="1500" b="0" i="0" u="none" strike="noStrike" cap="none" normalizeH="0" baseline="0" dirty="0" err="1" smtClean="0">
+                <a:ln>
+                  <a:noFill/>
+                </a:ln>
+                <a:solidFill>
+                  <a:srgbClr val="8888C6"/>
+                </a:solidFill>
+                <a:effectLst/>
+                <a:latin typeface="Arial Unicode MS"/>
+                <a:ea typeface="JetBrains Mono"/>
+              </a:rPr>
+              <a:t>range</a:t>
+            </a:r>
+            <a:r>
+              <a:rPr kumimoji="0" lang="ko-KR" altLang="ko-KR" sz="1500" b="0" i="0" u="none" strike="noStrike" cap="none" normalizeH="0" baseline="0" dirty="0" smtClean="0">
+                <a:ln>
+                  <a:noFill/>
+                </a:ln>
+                <a:solidFill>
+                  <a:srgbClr val="A9B7C6"/>
+                </a:solidFill>
+                <a:effectLst/>
+                <a:latin typeface="Arial Unicode MS"/>
+                <a:ea typeface="JetBrains Mono"/>
+              </a:rPr>
+              <a:t>(</a:t>
+            </a:r>
+            <a:r>
+              <a:rPr kumimoji="0" lang="ko-KR" altLang="ko-KR" sz="1500" b="0" i="0" u="none" strike="noStrike" cap="none" normalizeH="0" baseline="0" dirty="0" smtClean="0">
+                <a:ln>
+                  <a:noFill/>
+                </a:ln>
+                <a:solidFill>
+                  <a:srgbClr val="6897BB"/>
+                </a:solidFill>
+                <a:effectLst/>
+                <a:latin typeface="Arial Unicode MS"/>
+                <a:ea typeface="JetBrains Mono"/>
+              </a:rPr>
+              <a:t>5</a:t>
+            </a:r>
+            <a:r>
+              <a:rPr kumimoji="0" lang="ko-KR" altLang="ko-KR" sz="1500" b="0" i="0" u="none" strike="noStrike" cap="none" normalizeH="0" baseline="0" dirty="0" smtClean="0">
+                <a:ln>
+                  <a:noFill/>
+                </a:ln>
+                <a:solidFill>
+                  <a:srgbClr val="A9B7C6"/>
+                </a:solidFill>
+                <a:effectLst/>
+                <a:latin typeface="Arial Unicode MS"/>
+                <a:ea typeface="JetBrains Mono"/>
+              </a:rPr>
+              <a:t>)</a:t>
+            </a:r>
+            <a:br>
+              <a:rPr kumimoji="0" lang="ko-KR" altLang="ko-KR" sz="1500" b="0" i="0" u="none" strike="noStrike" cap="none" normalizeH="0" baseline="0" dirty="0" smtClean="0">
+                <a:ln>
+                  <a:noFill/>
+                </a:ln>
+                <a:solidFill>
+                  <a:srgbClr val="A9B7C6"/>
+                </a:solidFill>
+                <a:effectLst/>
+                <a:latin typeface="Arial Unicode MS"/>
+                <a:ea typeface="JetBrains Mono"/>
+              </a:rPr>
+            </a:br>
+            <a:r>
+              <a:rPr kumimoji="0" lang="ko-KR" altLang="ko-KR" sz="1500" b="0" i="0" u="none" strike="noStrike" cap="none" normalizeH="0" baseline="0" dirty="0" err="1" smtClean="0">
+                <a:ln>
+                  <a:noFill/>
+                </a:ln>
+                <a:solidFill>
+                  <a:srgbClr val="CC7832"/>
+                </a:solidFill>
+                <a:effectLst/>
+                <a:latin typeface="Arial Unicode MS"/>
+                <a:ea typeface="JetBrains Mono"/>
+              </a:rPr>
+              <a:t>for</a:t>
+            </a:r>
+            <a:r>
+              <a:rPr kumimoji="0" lang="ko-KR" altLang="ko-KR" sz="1500" b="0" i="0" u="none" strike="noStrike" cap="none" normalizeH="0" baseline="0" dirty="0" smtClean="0">
+                <a:ln>
+                  <a:noFill/>
+                </a:ln>
+                <a:solidFill>
+                  <a:srgbClr val="CC7832"/>
+                </a:solidFill>
+                <a:effectLst/>
+                <a:latin typeface="Arial Unicode MS"/>
+                <a:ea typeface="JetBrains Mono"/>
+              </a:rPr>
+              <a:t> </a:t>
+            </a:r>
+            <a:r>
+              <a:rPr kumimoji="0" lang="ko-KR" altLang="ko-KR" sz="1500" b="0" i="0" u="none" strike="noStrike" cap="none" normalizeH="0" baseline="0" dirty="0" err="1" smtClean="0">
+                <a:ln>
+                  <a:noFill/>
+                </a:ln>
+                <a:solidFill>
+                  <a:srgbClr val="A9B7C6"/>
+                </a:solidFill>
+                <a:effectLst/>
+                <a:latin typeface="Arial Unicode MS"/>
+                <a:ea typeface="JetBrains Mono"/>
+              </a:rPr>
+              <a:t>i</a:t>
+            </a:r>
+            <a:r>
+              <a:rPr kumimoji="0" lang="ko-KR" altLang="ko-KR" sz="1500" b="0" i="0" u="none" strike="noStrike" cap="none" normalizeH="0" baseline="0" dirty="0" smtClean="0">
+                <a:ln>
+                  <a:noFill/>
+                </a:ln>
+                <a:solidFill>
+                  <a:srgbClr val="A9B7C6"/>
+                </a:solidFill>
+                <a:effectLst/>
+                <a:latin typeface="Arial Unicode MS"/>
+                <a:ea typeface="JetBrains Mono"/>
+              </a:rPr>
+              <a:t> </a:t>
+            </a:r>
+            <a:r>
+              <a:rPr kumimoji="0" lang="ko-KR" altLang="ko-KR" sz="1500" b="0" i="0" u="none" strike="noStrike" cap="none" normalizeH="0" baseline="0" dirty="0" err="1" smtClean="0">
+                <a:ln>
+                  <a:noFill/>
+                </a:ln>
+                <a:solidFill>
+                  <a:srgbClr val="CC7832"/>
+                </a:solidFill>
+                <a:effectLst/>
+                <a:latin typeface="Arial Unicode MS"/>
+                <a:ea typeface="JetBrains Mono"/>
+              </a:rPr>
+              <a:t>in</a:t>
+            </a:r>
+            <a:r>
+              <a:rPr kumimoji="0" lang="ko-KR" altLang="ko-KR" sz="1500" b="0" i="0" u="none" strike="noStrike" cap="none" normalizeH="0" baseline="0" dirty="0" smtClean="0">
+                <a:ln>
+                  <a:noFill/>
+                </a:ln>
+                <a:solidFill>
+                  <a:srgbClr val="CC7832"/>
+                </a:solidFill>
+                <a:effectLst/>
+                <a:latin typeface="Arial Unicode MS"/>
+                <a:ea typeface="JetBrains Mono"/>
+              </a:rPr>
+              <a:t> </a:t>
+            </a:r>
+            <a:r>
+              <a:rPr kumimoji="0" lang="ko-KR" altLang="ko-KR" sz="1500" b="0" i="0" u="none" strike="noStrike" cap="none" normalizeH="0" baseline="0" dirty="0" smtClean="0">
+                <a:ln>
+                  <a:noFill/>
+                </a:ln>
+                <a:solidFill>
+                  <a:srgbClr val="A9B7C6"/>
+                </a:solidFill>
+                <a:effectLst/>
+                <a:latin typeface="Arial Unicode MS"/>
+                <a:ea typeface="JetBrains Mono"/>
+              </a:rPr>
+              <a:t>a:</a:t>
+            </a:r>
+            <a:br>
+              <a:rPr kumimoji="0" lang="ko-KR" altLang="ko-KR" sz="1500" b="0" i="0" u="none" strike="noStrike" cap="none" normalizeH="0" baseline="0" dirty="0" smtClean="0">
+                <a:ln>
+                  <a:noFill/>
+                </a:ln>
+                <a:solidFill>
+                  <a:srgbClr val="A9B7C6"/>
+                </a:solidFill>
+                <a:effectLst/>
+                <a:latin typeface="Arial Unicode MS"/>
+                <a:ea typeface="JetBrains Mono"/>
+              </a:rPr>
+            </a:br>
+            <a:r>
+              <a:rPr kumimoji="0" lang="ko-KR" altLang="ko-KR" sz="1500" b="0" i="0" u="none" strike="noStrike" cap="none" normalizeH="0" baseline="0" dirty="0" smtClean="0">
+                <a:ln>
+                  <a:noFill/>
+                </a:ln>
+                <a:solidFill>
+                  <a:srgbClr val="A9B7C6"/>
+                </a:solidFill>
+                <a:effectLst/>
+                <a:latin typeface="Arial Unicode MS"/>
+                <a:ea typeface="JetBrains Mono"/>
+              </a:rPr>
+              <a:t>    </a:t>
+            </a:r>
+            <a:r>
+              <a:rPr kumimoji="0" lang="ko-KR" altLang="ko-KR" sz="1500" b="0" i="0" u="none" strike="noStrike" cap="none" normalizeH="0" baseline="0" dirty="0" err="1" smtClean="0">
+                <a:ln>
+                  <a:noFill/>
+                </a:ln>
+                <a:solidFill>
+                  <a:srgbClr val="8888C6"/>
+                </a:solidFill>
+                <a:effectLst/>
+                <a:latin typeface="Arial Unicode MS"/>
+                <a:ea typeface="JetBrains Mono"/>
+              </a:rPr>
+              <a:t>print</a:t>
+            </a:r>
+            <a:r>
+              <a:rPr kumimoji="0" lang="ko-KR" altLang="ko-KR" sz="1500" b="0" i="0" u="none" strike="noStrike" cap="none" normalizeH="0" baseline="0" dirty="0" smtClean="0">
+                <a:ln>
+                  <a:noFill/>
+                </a:ln>
+                <a:solidFill>
+                  <a:srgbClr val="A9B7C6"/>
+                </a:solidFill>
+                <a:effectLst/>
+                <a:latin typeface="Arial Unicode MS"/>
+                <a:ea typeface="JetBrains Mono"/>
+              </a:rPr>
+              <a:t>(</a:t>
+            </a:r>
+            <a:r>
+              <a:rPr kumimoji="0" lang="ko-KR" altLang="ko-KR" sz="1500" b="0" i="0" u="none" strike="noStrike" cap="none" normalizeH="0" baseline="0" dirty="0" err="1" smtClean="0">
+                <a:ln>
+                  <a:noFill/>
+                </a:ln>
+                <a:solidFill>
+                  <a:srgbClr val="A9B7C6"/>
+                </a:solidFill>
+                <a:effectLst/>
+                <a:latin typeface="Arial Unicode MS"/>
+                <a:ea typeface="JetBrains Mono"/>
+              </a:rPr>
+              <a:t>i</a:t>
+            </a:r>
+            <a:r>
+              <a:rPr kumimoji="0" lang="ko-KR" altLang="ko-KR" sz="1500" b="0" i="0" u="none" strike="noStrike" cap="none" normalizeH="0" baseline="0" dirty="0" smtClean="0">
+                <a:ln>
+                  <a:noFill/>
+                </a:ln>
+                <a:solidFill>
+                  <a:srgbClr val="A9B7C6"/>
+                </a:solidFill>
+                <a:effectLst/>
+                <a:latin typeface="Arial Unicode MS"/>
+                <a:ea typeface="JetBrains Mono"/>
+              </a:rPr>
+              <a:t>)</a:t>
+            </a:r>
+            <a:br>
+              <a:rPr kumimoji="0" lang="ko-KR" altLang="ko-KR" sz="1500" b="0" i="0" u="none" strike="noStrike" cap="none" normalizeH="0" baseline="0" dirty="0" smtClean="0">
+                <a:ln>
+                  <a:noFill/>
+                </a:ln>
+                <a:solidFill>
+                  <a:srgbClr val="A9B7C6"/>
+                </a:solidFill>
+                <a:effectLst/>
+                <a:latin typeface="Arial Unicode MS"/>
+                <a:ea typeface="JetBrains Mono"/>
+              </a:rPr>
+            </a:br>
+            <a:r>
+              <a:rPr kumimoji="0" lang="ko-KR" altLang="ko-KR" sz="1500" b="0" i="0" u="none" strike="noStrike" cap="none" normalizeH="0" baseline="0" dirty="0" smtClean="0">
+                <a:ln>
+                  <a:noFill/>
+                </a:ln>
+                <a:solidFill>
+                  <a:srgbClr val="A9B7C6"/>
+                </a:solidFill>
+                <a:effectLst/>
+                <a:latin typeface="Arial Unicode MS"/>
+                <a:ea typeface="JetBrains Mono"/>
+              </a:rPr>
+              <a:t/>
+            </a:r>
+            <a:br>
+              <a:rPr kumimoji="0" lang="ko-KR" altLang="ko-KR" sz="1500" b="0" i="0" u="none" strike="noStrike" cap="none" normalizeH="0" baseline="0" dirty="0" smtClean="0">
+                <a:ln>
+                  <a:noFill/>
+                </a:ln>
+                <a:solidFill>
+                  <a:srgbClr val="A9B7C6"/>
+                </a:solidFill>
+                <a:effectLst/>
+                <a:latin typeface="Arial Unicode MS"/>
+                <a:ea typeface="JetBrains Mono"/>
+              </a:rPr>
+            </a:br>
+            <a:r>
+              <a:rPr kumimoji="0" lang="ko-KR" altLang="ko-KR" sz="1500" b="0" i="0" u="none" strike="noStrike" cap="none" normalizeH="0" baseline="0" dirty="0" err="1" smtClean="0">
+                <a:ln>
+                  <a:noFill/>
+                </a:ln>
+                <a:solidFill>
+                  <a:srgbClr val="A9B7C6"/>
+                </a:solidFill>
+                <a:effectLst/>
+                <a:latin typeface="Arial Unicode MS"/>
+                <a:ea typeface="JetBrains Mono"/>
+              </a:rPr>
+              <a:t>a</a:t>
+            </a:r>
+            <a:r>
+              <a:rPr kumimoji="0" lang="ko-KR" altLang="ko-KR" sz="1500" b="0" i="0" u="none" strike="noStrike" cap="none" normalizeH="0" baseline="0" dirty="0" smtClean="0">
+                <a:ln>
+                  <a:noFill/>
+                </a:ln>
+                <a:solidFill>
+                  <a:srgbClr val="A9B7C6"/>
+                </a:solidFill>
+                <a:effectLst/>
+                <a:latin typeface="Arial Unicode MS"/>
+                <a:ea typeface="JetBrains Mono"/>
+              </a:rPr>
+              <a:t> = </a:t>
+            </a:r>
+            <a:r>
+              <a:rPr kumimoji="0" lang="ko-KR" altLang="ko-KR" sz="1500" b="0" i="0" u="none" strike="noStrike" cap="none" normalizeH="0" baseline="0" dirty="0" err="1" smtClean="0">
+                <a:ln>
+                  <a:noFill/>
+                </a:ln>
+                <a:solidFill>
+                  <a:srgbClr val="8888C6"/>
+                </a:solidFill>
+                <a:effectLst/>
+                <a:latin typeface="Arial Unicode MS"/>
+                <a:ea typeface="JetBrains Mono"/>
+              </a:rPr>
+              <a:t>range</a:t>
+            </a:r>
+            <a:r>
+              <a:rPr kumimoji="0" lang="ko-KR" altLang="ko-KR" sz="1500" b="0" i="0" u="none" strike="noStrike" cap="none" normalizeH="0" baseline="0" dirty="0" smtClean="0">
+                <a:ln>
+                  <a:noFill/>
+                </a:ln>
+                <a:solidFill>
+                  <a:srgbClr val="A9B7C6"/>
+                </a:solidFill>
+                <a:effectLst/>
+                <a:latin typeface="Arial Unicode MS"/>
+                <a:ea typeface="JetBrains Mono"/>
+              </a:rPr>
+              <a:t>(</a:t>
+            </a:r>
+            <a:r>
+              <a:rPr kumimoji="0" lang="ko-KR" altLang="ko-KR" sz="1500" b="0" i="0" u="none" strike="noStrike" cap="none" normalizeH="0" baseline="0" dirty="0" smtClean="0">
+                <a:ln>
+                  <a:noFill/>
+                </a:ln>
+                <a:solidFill>
+                  <a:srgbClr val="6897BB"/>
+                </a:solidFill>
+                <a:effectLst/>
+                <a:latin typeface="Arial Unicode MS"/>
+                <a:ea typeface="JetBrains Mono"/>
+              </a:rPr>
+              <a:t>1</a:t>
+            </a:r>
+            <a:r>
+              <a:rPr kumimoji="0" lang="ko-KR" altLang="ko-KR" sz="1500" b="0" i="0" u="none" strike="noStrike" cap="none" normalizeH="0" baseline="0" dirty="0" smtClean="0">
+                <a:ln>
+                  <a:noFill/>
+                </a:ln>
+                <a:solidFill>
+                  <a:srgbClr val="CC7832"/>
+                </a:solidFill>
+                <a:effectLst/>
+                <a:latin typeface="Arial Unicode MS"/>
+                <a:ea typeface="JetBrains Mono"/>
+              </a:rPr>
+              <a:t>, </a:t>
+            </a:r>
+            <a:r>
+              <a:rPr kumimoji="0" lang="ko-KR" altLang="ko-KR" sz="1500" b="0" i="0" u="none" strike="noStrike" cap="none" normalizeH="0" baseline="0" dirty="0" smtClean="0">
+                <a:ln>
+                  <a:noFill/>
+                </a:ln>
+                <a:solidFill>
+                  <a:srgbClr val="6897BB"/>
+                </a:solidFill>
+                <a:effectLst/>
+                <a:latin typeface="Arial Unicode MS"/>
+                <a:ea typeface="JetBrains Mono"/>
+              </a:rPr>
+              <a:t>5</a:t>
+            </a:r>
+            <a:r>
+              <a:rPr kumimoji="0" lang="ko-KR" altLang="ko-KR" sz="1500" b="0" i="0" u="none" strike="noStrike" cap="none" normalizeH="0" baseline="0" dirty="0" smtClean="0">
+                <a:ln>
+                  <a:noFill/>
+                </a:ln>
+                <a:solidFill>
+                  <a:srgbClr val="A9B7C6"/>
+                </a:solidFill>
+                <a:effectLst/>
+                <a:latin typeface="Arial Unicode MS"/>
+                <a:ea typeface="JetBrains Mono"/>
+              </a:rPr>
+              <a:t>)</a:t>
+            </a:r>
+            <a:br>
+              <a:rPr kumimoji="0" lang="ko-KR" altLang="ko-KR" sz="1500" b="0" i="0" u="none" strike="noStrike" cap="none" normalizeH="0" baseline="0" dirty="0" smtClean="0">
+                <a:ln>
+                  <a:noFill/>
+                </a:ln>
+                <a:solidFill>
+                  <a:srgbClr val="A9B7C6"/>
+                </a:solidFill>
+                <a:effectLst/>
+                <a:latin typeface="Arial Unicode MS"/>
+                <a:ea typeface="JetBrains Mono"/>
+              </a:rPr>
+            </a:br>
+            <a:r>
+              <a:rPr kumimoji="0" lang="ko-KR" altLang="ko-KR" sz="1500" b="0" i="0" u="none" strike="noStrike" cap="none" normalizeH="0" baseline="0" dirty="0" err="1" smtClean="0">
+                <a:ln>
+                  <a:noFill/>
+                </a:ln>
+                <a:solidFill>
+                  <a:srgbClr val="CC7832"/>
+                </a:solidFill>
+                <a:effectLst/>
+                <a:latin typeface="Arial Unicode MS"/>
+                <a:ea typeface="JetBrains Mono"/>
+              </a:rPr>
+              <a:t>for</a:t>
+            </a:r>
+            <a:r>
+              <a:rPr kumimoji="0" lang="ko-KR" altLang="ko-KR" sz="1500" b="0" i="0" u="none" strike="noStrike" cap="none" normalizeH="0" baseline="0" dirty="0" smtClean="0">
+                <a:ln>
+                  <a:noFill/>
+                </a:ln>
+                <a:solidFill>
+                  <a:srgbClr val="CC7832"/>
+                </a:solidFill>
+                <a:effectLst/>
+                <a:latin typeface="Arial Unicode MS"/>
+                <a:ea typeface="JetBrains Mono"/>
+              </a:rPr>
+              <a:t> </a:t>
+            </a:r>
+            <a:r>
+              <a:rPr kumimoji="0" lang="ko-KR" altLang="ko-KR" sz="1500" b="0" i="0" u="none" strike="noStrike" cap="none" normalizeH="0" baseline="0" dirty="0" err="1" smtClean="0">
+                <a:ln>
+                  <a:noFill/>
+                </a:ln>
+                <a:solidFill>
+                  <a:srgbClr val="A9B7C6"/>
+                </a:solidFill>
+                <a:effectLst/>
+                <a:latin typeface="Arial Unicode MS"/>
+                <a:ea typeface="JetBrains Mono"/>
+              </a:rPr>
+              <a:t>i</a:t>
+            </a:r>
+            <a:r>
+              <a:rPr kumimoji="0" lang="ko-KR" altLang="ko-KR" sz="1500" b="0" i="0" u="none" strike="noStrike" cap="none" normalizeH="0" baseline="0" dirty="0" smtClean="0">
+                <a:ln>
+                  <a:noFill/>
+                </a:ln>
+                <a:solidFill>
+                  <a:srgbClr val="A9B7C6"/>
+                </a:solidFill>
+                <a:effectLst/>
+                <a:latin typeface="Arial Unicode MS"/>
+                <a:ea typeface="JetBrains Mono"/>
+              </a:rPr>
+              <a:t> </a:t>
+            </a:r>
+            <a:r>
+              <a:rPr kumimoji="0" lang="ko-KR" altLang="ko-KR" sz="1500" b="0" i="0" u="none" strike="noStrike" cap="none" normalizeH="0" baseline="0" dirty="0" err="1" smtClean="0">
+                <a:ln>
+                  <a:noFill/>
+                </a:ln>
+                <a:solidFill>
+                  <a:srgbClr val="CC7832"/>
+                </a:solidFill>
+                <a:effectLst/>
+                <a:latin typeface="Arial Unicode MS"/>
+                <a:ea typeface="JetBrains Mono"/>
+              </a:rPr>
+              <a:t>in</a:t>
+            </a:r>
+            <a:r>
+              <a:rPr kumimoji="0" lang="ko-KR" altLang="ko-KR" sz="1500" b="0" i="0" u="none" strike="noStrike" cap="none" normalizeH="0" baseline="0" dirty="0" smtClean="0">
+                <a:ln>
+                  <a:noFill/>
+                </a:ln>
+                <a:solidFill>
+                  <a:srgbClr val="CC7832"/>
+                </a:solidFill>
+                <a:effectLst/>
+                <a:latin typeface="Arial Unicode MS"/>
+                <a:ea typeface="JetBrains Mono"/>
+              </a:rPr>
+              <a:t> </a:t>
+            </a:r>
+            <a:r>
+              <a:rPr kumimoji="0" lang="ko-KR" altLang="ko-KR" sz="1500" b="0" i="0" u="none" strike="noStrike" cap="none" normalizeH="0" baseline="0" dirty="0" smtClean="0">
+                <a:ln>
+                  <a:noFill/>
+                </a:ln>
+                <a:solidFill>
+                  <a:srgbClr val="A9B7C6"/>
+                </a:solidFill>
+                <a:effectLst/>
+                <a:latin typeface="Arial Unicode MS"/>
+                <a:ea typeface="JetBrains Mono"/>
+              </a:rPr>
+              <a:t>a:</a:t>
+            </a:r>
+            <a:br>
+              <a:rPr kumimoji="0" lang="ko-KR" altLang="ko-KR" sz="1500" b="0" i="0" u="none" strike="noStrike" cap="none" normalizeH="0" baseline="0" dirty="0" smtClean="0">
+                <a:ln>
+                  <a:noFill/>
+                </a:ln>
+                <a:solidFill>
+                  <a:srgbClr val="A9B7C6"/>
+                </a:solidFill>
+                <a:effectLst/>
+                <a:latin typeface="Arial Unicode MS"/>
+                <a:ea typeface="JetBrains Mono"/>
+              </a:rPr>
+            </a:br>
+            <a:r>
+              <a:rPr kumimoji="0" lang="ko-KR" altLang="ko-KR" sz="1500" b="0" i="0" u="none" strike="noStrike" cap="none" normalizeH="0" baseline="0" dirty="0" smtClean="0">
+                <a:ln>
+                  <a:noFill/>
+                </a:ln>
+                <a:solidFill>
+                  <a:srgbClr val="A9B7C6"/>
+                </a:solidFill>
+                <a:effectLst/>
+                <a:latin typeface="Arial Unicode MS"/>
+                <a:ea typeface="JetBrains Mono"/>
+              </a:rPr>
+              <a:t>    </a:t>
+            </a:r>
+            <a:r>
+              <a:rPr kumimoji="0" lang="ko-KR" altLang="ko-KR" sz="1500" b="0" i="0" u="none" strike="noStrike" cap="none" normalizeH="0" baseline="0" dirty="0" err="1" smtClean="0">
+                <a:ln>
+                  <a:noFill/>
+                </a:ln>
+                <a:solidFill>
+                  <a:srgbClr val="8888C6"/>
+                </a:solidFill>
+                <a:effectLst/>
+                <a:latin typeface="Arial Unicode MS"/>
+                <a:ea typeface="JetBrains Mono"/>
+              </a:rPr>
+              <a:t>print</a:t>
+            </a:r>
+            <a:r>
+              <a:rPr kumimoji="0" lang="ko-KR" altLang="ko-KR" sz="1500" b="0" i="0" u="none" strike="noStrike" cap="none" normalizeH="0" baseline="0" dirty="0" smtClean="0">
+                <a:ln>
+                  <a:noFill/>
+                </a:ln>
+                <a:solidFill>
+                  <a:srgbClr val="A9B7C6"/>
+                </a:solidFill>
+                <a:effectLst/>
+                <a:latin typeface="Arial Unicode MS"/>
+                <a:ea typeface="JetBrains Mono"/>
+              </a:rPr>
+              <a:t>(</a:t>
+            </a:r>
+            <a:r>
+              <a:rPr kumimoji="0" lang="ko-KR" altLang="ko-KR" sz="1500" b="0" i="0" u="none" strike="noStrike" cap="none" normalizeH="0" baseline="0" dirty="0" err="1" smtClean="0">
+                <a:ln>
+                  <a:noFill/>
+                </a:ln>
+                <a:solidFill>
+                  <a:srgbClr val="A9B7C6"/>
+                </a:solidFill>
+                <a:effectLst/>
+                <a:latin typeface="Arial Unicode MS"/>
+                <a:ea typeface="JetBrains Mono"/>
+              </a:rPr>
+              <a:t>i</a:t>
+            </a:r>
+            <a:r>
+              <a:rPr kumimoji="0" lang="ko-KR" altLang="ko-KR" sz="1500" b="0" i="0" u="none" strike="noStrike" cap="none" normalizeH="0" baseline="0" dirty="0" smtClean="0">
+                <a:ln>
+                  <a:noFill/>
+                </a:ln>
+                <a:solidFill>
+                  <a:srgbClr val="A9B7C6"/>
+                </a:solidFill>
+                <a:effectLst/>
+                <a:latin typeface="Arial Unicode MS"/>
+                <a:ea typeface="JetBrains Mono"/>
+              </a:rPr>
+              <a:t>)</a:t>
+            </a:r>
+            <a:br>
+              <a:rPr kumimoji="0" lang="ko-KR" altLang="ko-KR" sz="1500" b="0" i="0" u="none" strike="noStrike" cap="none" normalizeH="0" baseline="0" dirty="0" smtClean="0">
+                <a:ln>
+                  <a:noFill/>
+                </a:ln>
+                <a:solidFill>
+                  <a:srgbClr val="A9B7C6"/>
+                </a:solidFill>
+                <a:effectLst/>
+                <a:latin typeface="Arial Unicode MS"/>
+                <a:ea typeface="JetBrains Mono"/>
+              </a:rPr>
+            </a:br>
+            <a:r>
+              <a:rPr kumimoji="0" lang="ko-KR" altLang="ko-KR" sz="1500" b="0" i="0" u="none" strike="noStrike" cap="none" normalizeH="0" baseline="0" dirty="0" smtClean="0">
+                <a:ln>
+                  <a:noFill/>
+                </a:ln>
+                <a:solidFill>
+                  <a:srgbClr val="A9B7C6"/>
+                </a:solidFill>
+                <a:effectLst/>
+                <a:latin typeface="Arial Unicode MS"/>
+                <a:ea typeface="JetBrains Mono"/>
+              </a:rPr>
+              <a:t/>
+            </a:r>
+            <a:br>
+              <a:rPr kumimoji="0" lang="ko-KR" altLang="ko-KR" sz="1500" b="0" i="0" u="none" strike="noStrike" cap="none" normalizeH="0" baseline="0" dirty="0" smtClean="0">
+                <a:ln>
+                  <a:noFill/>
+                </a:ln>
+                <a:solidFill>
+                  <a:srgbClr val="A9B7C6"/>
+                </a:solidFill>
+                <a:effectLst/>
+                <a:latin typeface="Arial Unicode MS"/>
+                <a:ea typeface="JetBrains Mono"/>
+              </a:rPr>
+            </a:br>
+            <a:r>
+              <a:rPr kumimoji="0" lang="ko-KR" altLang="ko-KR" sz="1500" b="0" i="0" u="none" strike="noStrike" cap="none" normalizeH="0" baseline="0" dirty="0" err="1" smtClean="0">
+                <a:ln>
+                  <a:noFill/>
+                </a:ln>
+                <a:solidFill>
+                  <a:srgbClr val="A9B7C6"/>
+                </a:solidFill>
+                <a:effectLst/>
+                <a:latin typeface="Arial Unicode MS"/>
+                <a:ea typeface="JetBrains Mono"/>
+              </a:rPr>
+              <a:t>a</a:t>
+            </a:r>
+            <a:r>
+              <a:rPr kumimoji="0" lang="ko-KR" altLang="ko-KR" sz="1500" b="0" i="0" u="none" strike="noStrike" cap="none" normalizeH="0" baseline="0" dirty="0" smtClean="0">
+                <a:ln>
+                  <a:noFill/>
+                </a:ln>
+                <a:solidFill>
+                  <a:srgbClr val="A9B7C6"/>
+                </a:solidFill>
+                <a:effectLst/>
+                <a:latin typeface="Arial Unicode MS"/>
+                <a:ea typeface="JetBrains Mono"/>
+              </a:rPr>
+              <a:t> = </a:t>
+            </a:r>
+            <a:r>
+              <a:rPr kumimoji="0" lang="ko-KR" altLang="ko-KR" sz="1500" b="0" i="0" u="none" strike="noStrike" cap="none" normalizeH="0" baseline="0" dirty="0" err="1" smtClean="0">
+                <a:ln>
+                  <a:noFill/>
+                </a:ln>
+                <a:solidFill>
+                  <a:srgbClr val="8888C6"/>
+                </a:solidFill>
+                <a:effectLst/>
+                <a:latin typeface="Arial Unicode MS"/>
+                <a:ea typeface="JetBrains Mono"/>
+              </a:rPr>
+              <a:t>range</a:t>
+            </a:r>
+            <a:r>
+              <a:rPr kumimoji="0" lang="ko-KR" altLang="ko-KR" sz="1500" b="0" i="0" u="none" strike="noStrike" cap="none" normalizeH="0" baseline="0" dirty="0" smtClean="0">
+                <a:ln>
+                  <a:noFill/>
+                </a:ln>
+                <a:solidFill>
+                  <a:srgbClr val="A9B7C6"/>
+                </a:solidFill>
+                <a:effectLst/>
+                <a:latin typeface="Arial Unicode MS"/>
+                <a:ea typeface="JetBrains Mono"/>
+              </a:rPr>
+              <a:t>(</a:t>
+            </a:r>
+            <a:r>
+              <a:rPr kumimoji="0" lang="ko-KR" altLang="ko-KR" sz="1500" b="0" i="0" u="none" strike="noStrike" cap="none" normalizeH="0" baseline="0" dirty="0" smtClean="0">
+                <a:ln>
+                  <a:noFill/>
+                </a:ln>
+                <a:solidFill>
+                  <a:srgbClr val="6897BB"/>
+                </a:solidFill>
+                <a:effectLst/>
+                <a:latin typeface="Arial Unicode MS"/>
+                <a:ea typeface="JetBrains Mono"/>
+              </a:rPr>
+              <a:t>1</a:t>
+            </a:r>
+            <a:r>
+              <a:rPr kumimoji="0" lang="ko-KR" altLang="ko-KR" sz="1500" b="0" i="0" u="none" strike="noStrike" cap="none" normalizeH="0" baseline="0" dirty="0" smtClean="0">
+                <a:ln>
+                  <a:noFill/>
+                </a:ln>
+                <a:solidFill>
+                  <a:srgbClr val="CC7832"/>
+                </a:solidFill>
+                <a:effectLst/>
+                <a:latin typeface="Arial Unicode MS"/>
+                <a:ea typeface="JetBrains Mono"/>
+              </a:rPr>
+              <a:t>, </a:t>
+            </a:r>
+            <a:r>
+              <a:rPr kumimoji="0" lang="ko-KR" altLang="ko-KR" sz="1500" b="0" i="0" u="none" strike="noStrike" cap="none" normalizeH="0" baseline="0" dirty="0" smtClean="0">
+                <a:ln>
+                  <a:noFill/>
+                </a:ln>
+                <a:solidFill>
+                  <a:srgbClr val="6897BB"/>
+                </a:solidFill>
+                <a:effectLst/>
+                <a:latin typeface="Arial Unicode MS"/>
+                <a:ea typeface="JetBrains Mono"/>
+              </a:rPr>
+              <a:t>15</a:t>
+            </a:r>
+            <a:r>
+              <a:rPr kumimoji="0" lang="ko-KR" altLang="ko-KR" sz="1500" b="0" i="0" u="none" strike="noStrike" cap="none" normalizeH="0" baseline="0" dirty="0" smtClean="0">
+                <a:ln>
+                  <a:noFill/>
+                </a:ln>
+                <a:solidFill>
+                  <a:srgbClr val="CC7832"/>
+                </a:solidFill>
+                <a:effectLst/>
+                <a:latin typeface="Arial Unicode MS"/>
+                <a:ea typeface="JetBrains Mono"/>
+              </a:rPr>
+              <a:t>, </a:t>
+            </a:r>
+            <a:r>
+              <a:rPr kumimoji="0" lang="ko-KR" altLang="ko-KR" sz="1500" b="0" i="0" u="none" strike="noStrike" cap="none" normalizeH="0" baseline="0" dirty="0" smtClean="0">
+                <a:ln>
+                  <a:noFill/>
+                </a:ln>
+                <a:solidFill>
+                  <a:srgbClr val="6897BB"/>
+                </a:solidFill>
+                <a:effectLst/>
+                <a:latin typeface="Arial Unicode MS"/>
+                <a:ea typeface="JetBrains Mono"/>
+              </a:rPr>
+              <a:t>3</a:t>
+            </a:r>
+            <a:r>
+              <a:rPr kumimoji="0" lang="ko-KR" altLang="ko-KR" sz="1500" b="0" i="0" u="none" strike="noStrike" cap="none" normalizeH="0" baseline="0" dirty="0" smtClean="0">
+                <a:ln>
+                  <a:noFill/>
+                </a:ln>
+                <a:solidFill>
+                  <a:srgbClr val="A9B7C6"/>
+                </a:solidFill>
+                <a:effectLst/>
+                <a:latin typeface="Arial Unicode MS"/>
+                <a:ea typeface="JetBrains Mono"/>
+              </a:rPr>
+              <a:t>)</a:t>
+            </a:r>
+            <a:br>
+              <a:rPr kumimoji="0" lang="ko-KR" altLang="ko-KR" sz="1500" b="0" i="0" u="none" strike="noStrike" cap="none" normalizeH="0" baseline="0" dirty="0" smtClean="0">
+                <a:ln>
+                  <a:noFill/>
+                </a:ln>
+                <a:solidFill>
+                  <a:srgbClr val="A9B7C6"/>
+                </a:solidFill>
+                <a:effectLst/>
+                <a:latin typeface="Arial Unicode MS"/>
+                <a:ea typeface="JetBrains Mono"/>
+              </a:rPr>
+            </a:br>
+            <a:r>
+              <a:rPr kumimoji="0" lang="ko-KR" altLang="ko-KR" sz="1500" b="0" i="0" u="none" strike="noStrike" cap="none" normalizeH="0" baseline="0" dirty="0" err="1" smtClean="0">
+                <a:ln>
+                  <a:noFill/>
+                </a:ln>
+                <a:solidFill>
+                  <a:srgbClr val="CC7832"/>
+                </a:solidFill>
+                <a:effectLst/>
+                <a:latin typeface="Arial Unicode MS"/>
+                <a:ea typeface="JetBrains Mono"/>
+              </a:rPr>
+              <a:t>for</a:t>
+            </a:r>
+            <a:r>
+              <a:rPr kumimoji="0" lang="ko-KR" altLang="ko-KR" sz="1500" b="0" i="0" u="none" strike="noStrike" cap="none" normalizeH="0" baseline="0" dirty="0" smtClean="0">
+                <a:ln>
+                  <a:noFill/>
+                </a:ln>
+                <a:solidFill>
+                  <a:srgbClr val="CC7832"/>
+                </a:solidFill>
+                <a:effectLst/>
+                <a:latin typeface="Arial Unicode MS"/>
+                <a:ea typeface="JetBrains Mono"/>
+              </a:rPr>
+              <a:t> </a:t>
+            </a:r>
+            <a:r>
+              <a:rPr kumimoji="0" lang="ko-KR" altLang="ko-KR" sz="1500" b="0" i="0" u="none" strike="noStrike" cap="none" normalizeH="0" baseline="0" dirty="0" err="1" smtClean="0">
+                <a:ln>
+                  <a:noFill/>
+                </a:ln>
+                <a:solidFill>
+                  <a:srgbClr val="A9B7C6"/>
+                </a:solidFill>
+                <a:effectLst/>
+                <a:latin typeface="Arial Unicode MS"/>
+                <a:ea typeface="JetBrains Mono"/>
+              </a:rPr>
+              <a:t>i</a:t>
+            </a:r>
+            <a:r>
+              <a:rPr kumimoji="0" lang="ko-KR" altLang="ko-KR" sz="1500" b="0" i="0" u="none" strike="noStrike" cap="none" normalizeH="0" baseline="0" dirty="0" smtClean="0">
+                <a:ln>
+                  <a:noFill/>
+                </a:ln>
+                <a:solidFill>
+                  <a:srgbClr val="A9B7C6"/>
+                </a:solidFill>
+                <a:effectLst/>
+                <a:latin typeface="Arial Unicode MS"/>
+                <a:ea typeface="JetBrains Mono"/>
+              </a:rPr>
+              <a:t> </a:t>
+            </a:r>
+            <a:r>
+              <a:rPr kumimoji="0" lang="ko-KR" altLang="ko-KR" sz="1500" b="0" i="0" u="none" strike="noStrike" cap="none" normalizeH="0" baseline="0" dirty="0" err="1" smtClean="0">
+                <a:ln>
+                  <a:noFill/>
+                </a:ln>
+                <a:solidFill>
+                  <a:srgbClr val="CC7832"/>
+                </a:solidFill>
+                <a:effectLst/>
+                <a:latin typeface="Arial Unicode MS"/>
+                <a:ea typeface="JetBrains Mono"/>
+              </a:rPr>
+              <a:t>in</a:t>
+            </a:r>
+            <a:r>
+              <a:rPr kumimoji="0" lang="ko-KR" altLang="ko-KR" sz="1500" b="0" i="0" u="none" strike="noStrike" cap="none" normalizeH="0" baseline="0" dirty="0" smtClean="0">
+                <a:ln>
+                  <a:noFill/>
+                </a:ln>
+                <a:solidFill>
+                  <a:srgbClr val="CC7832"/>
+                </a:solidFill>
+                <a:effectLst/>
+                <a:latin typeface="Arial Unicode MS"/>
+                <a:ea typeface="JetBrains Mono"/>
+              </a:rPr>
+              <a:t> </a:t>
+            </a:r>
+            <a:r>
+              <a:rPr kumimoji="0" lang="ko-KR" altLang="ko-KR" sz="1500" b="0" i="0" u="none" strike="noStrike" cap="none" normalizeH="0" baseline="0" dirty="0" smtClean="0">
+                <a:ln>
+                  <a:noFill/>
+                </a:ln>
+                <a:solidFill>
+                  <a:srgbClr val="A9B7C6"/>
+                </a:solidFill>
+                <a:effectLst/>
+                <a:latin typeface="Arial Unicode MS"/>
+                <a:ea typeface="JetBrains Mono"/>
+              </a:rPr>
+              <a:t>a:</a:t>
+            </a:r>
+            <a:br>
+              <a:rPr kumimoji="0" lang="ko-KR" altLang="ko-KR" sz="1500" b="0" i="0" u="none" strike="noStrike" cap="none" normalizeH="0" baseline="0" dirty="0" smtClean="0">
+                <a:ln>
+                  <a:noFill/>
+                </a:ln>
+                <a:solidFill>
+                  <a:srgbClr val="A9B7C6"/>
+                </a:solidFill>
+                <a:effectLst/>
+                <a:latin typeface="Arial Unicode MS"/>
+                <a:ea typeface="JetBrains Mono"/>
+              </a:rPr>
+            </a:br>
+            <a:r>
+              <a:rPr kumimoji="0" lang="ko-KR" altLang="ko-KR" sz="1500" b="0" i="0" u="none" strike="noStrike" cap="none" normalizeH="0" baseline="0" dirty="0" smtClean="0">
+                <a:ln>
+                  <a:noFill/>
+                </a:ln>
+                <a:solidFill>
+                  <a:srgbClr val="A9B7C6"/>
+                </a:solidFill>
+                <a:effectLst/>
+                <a:latin typeface="Arial Unicode MS"/>
+                <a:ea typeface="JetBrains Mono"/>
+              </a:rPr>
+              <a:t>    </a:t>
+            </a:r>
+            <a:r>
+              <a:rPr kumimoji="0" lang="ko-KR" altLang="ko-KR" sz="1500" b="0" i="0" u="none" strike="noStrike" cap="none" normalizeH="0" baseline="0" dirty="0" err="1" smtClean="0">
+                <a:ln>
+                  <a:noFill/>
+                </a:ln>
+                <a:solidFill>
+                  <a:srgbClr val="8888C6"/>
+                </a:solidFill>
+                <a:effectLst/>
+                <a:latin typeface="Arial Unicode MS"/>
+                <a:ea typeface="JetBrains Mono"/>
+              </a:rPr>
+              <a:t>print</a:t>
+            </a:r>
+            <a:r>
+              <a:rPr kumimoji="0" lang="ko-KR" altLang="ko-KR" sz="1500" b="0" i="0" u="none" strike="noStrike" cap="none" normalizeH="0" baseline="0" dirty="0" smtClean="0">
+                <a:ln>
+                  <a:noFill/>
+                </a:ln>
+                <a:solidFill>
+                  <a:srgbClr val="A9B7C6"/>
+                </a:solidFill>
+                <a:effectLst/>
+                <a:latin typeface="Arial Unicode MS"/>
+                <a:ea typeface="JetBrains Mono"/>
+              </a:rPr>
+              <a:t>(</a:t>
+            </a:r>
+            <a:r>
+              <a:rPr kumimoji="0" lang="ko-KR" altLang="ko-KR" sz="1500" b="0" i="0" u="none" strike="noStrike" cap="none" normalizeH="0" baseline="0" dirty="0" err="1" smtClean="0">
+                <a:ln>
+                  <a:noFill/>
+                </a:ln>
+                <a:solidFill>
+                  <a:srgbClr val="A9B7C6"/>
+                </a:solidFill>
+                <a:effectLst/>
+                <a:latin typeface="Arial Unicode MS"/>
+                <a:ea typeface="JetBrains Mono"/>
+              </a:rPr>
+              <a:t>i</a:t>
+            </a:r>
+            <a:r>
+              <a:rPr kumimoji="0" lang="ko-KR" altLang="ko-KR" sz="1500" b="0" i="0" u="none" strike="noStrike" cap="none" normalizeH="0" baseline="0" dirty="0" smtClean="0">
+                <a:ln>
+                  <a:noFill/>
+                </a:ln>
+                <a:solidFill>
+                  <a:srgbClr val="A9B7C6"/>
+                </a:solidFill>
+                <a:effectLst/>
+                <a:latin typeface="Arial Unicode MS"/>
+                <a:ea typeface="JetBrains Mono"/>
+              </a:rPr>
+              <a:t>)</a:t>
+            </a:r>
+            <a:endParaRPr kumimoji="0" lang="ko-KR" altLang="ko-KR" sz="1800" b="0" i="0" u="none" strike="noStrike" cap="none" normalizeH="0" baseline="0" dirty="0" smtClean="0">
+              <a:ln>
+                <a:noFill/>
+              </a:ln>
+              <a:solidFill>
+                <a:schemeClr val="tx1"/>
+              </a:solidFill>
+              <a:effectLst/>
+              <a:latin typeface="Arial" panose="020B0604020202020204" pitchFamily="34" charset="0"/>
+            </a:endParaRPr>
+          </a:p>
+        </p:txBody>
+      </p:sp>
+    </p:spTree>
+    <p:extLst>
+      <p:ext uri="{BB962C8B-B14F-4D97-AF65-F5344CB8AC3E}">
+        <p14:creationId xmlns:p14="http://schemas.microsoft.com/office/powerpoint/2010/main" val="2497274494"/>
+      </p:ext>
+    </p:extLst>
+  </p:cSld>
+  <p:clrMapOvr>
+    <a:masterClrMapping/>
+  </p:clrMapOvr>
+</p:sld>
+</file>
+
+<file path=ppt/slides/slide6.xml><?xml version="1.0" encoding="utf-8"?>
+<p:sld xmlns:a="http://schemas.openxmlformats.org/drawingml/2006/main" xmlns:r="http://schemas.openxmlformats.org/officeDocument/2006/relationships" xmlns:p="http://schemas.openxmlformats.org/presentationml/2006/main">
+  <p:cSld>
+    <p:spTree>
+      <p:nvGrpSpPr>
+        <p:cNvPr id="1" name=""/>
+        <p:cNvGrpSpPr/>
+        <p:nvPr/>
+      </p:nvGrpSpPr>
+      <p:grpSpPr>
+        <a:xfrm>
+          <a:off x="0" y="0"/>
+          <a:ext cx="0" cy="0"/>
+          <a:chOff x="0" y="0"/>
+          <a:chExt cx="0" cy="0"/>
+        </a:xfrm>
+      </p:grpSpPr>
+      <p:sp>
+        <p:nvSpPr>
+          <p:cNvPr id="2" name="제목 1"/>
+          <p:cNvSpPr>
+            <a:spLocks noGrp="1"/>
+          </p:cNvSpPr>
+          <p:nvPr>
+            <p:ph type="title"/>
+          </p:nvPr>
+        </p:nvSpPr>
+        <p:spPr/>
+        <p:txBody>
+          <a:bodyPr/>
+          <a:lstStyle/>
+          <a:p>
+            <a:r>
+              <a:rPr lang="en-US" altLang="ko-KR" dirty="0" smtClean="0"/>
+              <a:t>Break </a:t>
+            </a:r>
+            <a:r>
+              <a:rPr lang="ko-KR" altLang="en-US" dirty="0" smtClean="0"/>
+              <a:t>와 </a:t>
+            </a:r>
+            <a:r>
+              <a:rPr lang="en-US" altLang="ko-KR" dirty="0" smtClean="0"/>
+              <a:t>continue</a:t>
+            </a:r>
+            <a:endParaRPr lang="ko-KR" altLang="en-US" dirty="0"/>
+          </a:p>
+        </p:txBody>
+      </p:sp>
+      <p:sp>
+        <p:nvSpPr>
+          <p:cNvPr id="3" name="내용 개체 틀 2"/>
+          <p:cNvSpPr>
+            <a:spLocks noGrp="1"/>
+          </p:cNvSpPr>
+          <p:nvPr>
+            <p:ph idx="1"/>
+          </p:nvPr>
+        </p:nvSpPr>
+        <p:spPr/>
+        <p:txBody>
+          <a:bodyPr/>
+          <a:lstStyle/>
+          <a:p>
+            <a:r>
+              <a:rPr lang="en-US" altLang="ko-KR" dirty="0" smtClean="0"/>
+              <a:t>Break: Loop</a:t>
+            </a:r>
+            <a:r>
+              <a:rPr lang="ko-KR" altLang="en-US" dirty="0" smtClean="0"/>
+              <a:t>가 실행되는 도중에 </a:t>
+            </a:r>
+            <a:r>
+              <a:rPr lang="en-US" altLang="ko-KR" dirty="0" smtClean="0"/>
+              <a:t>loop </a:t>
+            </a:r>
+            <a:r>
+              <a:rPr lang="ko-KR" altLang="en-US" dirty="0" smtClean="0"/>
+              <a:t>를 빠져나가는 키워드이다</a:t>
+            </a:r>
+            <a:r>
+              <a:rPr lang="en-US" altLang="ko-KR" dirty="0" smtClean="0"/>
+              <a:t>.</a:t>
+            </a:r>
+          </a:p>
+          <a:p>
+            <a:r>
+              <a:rPr lang="en-US" altLang="ko-KR" dirty="0" smtClean="0"/>
+              <a:t>Continue: loop</a:t>
+            </a:r>
+            <a:r>
+              <a:rPr lang="ko-KR" altLang="en-US" dirty="0" smtClean="0"/>
+              <a:t>가 실행되는 </a:t>
+            </a:r>
+            <a:r>
+              <a:rPr lang="en-US" altLang="ko-KR" dirty="0" smtClean="0"/>
+              <a:t/>
+            </a:r>
+            <a:br>
+              <a:rPr lang="en-US" altLang="ko-KR" dirty="0" smtClean="0"/>
+            </a:br>
+            <a:r>
+              <a:rPr lang="ko-KR" altLang="en-US" dirty="0" smtClean="0"/>
+              <a:t>도중에 다음 순서의 </a:t>
+            </a:r>
+            <a:r>
+              <a:rPr lang="ko-KR" altLang="en-US" dirty="0" err="1" smtClean="0"/>
+              <a:t>시퀸스</a:t>
+            </a:r>
+            <a:r>
+              <a:rPr lang="en-US" altLang="ko-KR" dirty="0" smtClean="0"/>
+              <a:t/>
+            </a:r>
+            <a:br>
+              <a:rPr lang="en-US" altLang="ko-KR" dirty="0" smtClean="0"/>
+            </a:br>
+            <a:r>
+              <a:rPr lang="ko-KR" altLang="en-US" dirty="0" smtClean="0"/>
+              <a:t>를 실행하게 하는 키워드 이다</a:t>
+            </a:r>
+            <a:r>
+              <a:rPr lang="en-US" altLang="ko-KR" dirty="0" smtClean="0"/>
+              <a:t>.</a:t>
+            </a:r>
+            <a:endParaRPr lang="ko-KR" altLang="en-US" dirty="0"/>
+          </a:p>
+        </p:txBody>
+      </p:sp>
+      <p:sp>
+        <p:nvSpPr>
+          <p:cNvPr id="4" name="Rectangle 1"/>
+          <p:cNvSpPr>
+            <a:spLocks noChangeArrowheads="1"/>
+          </p:cNvSpPr>
+          <p:nvPr/>
+        </p:nvSpPr>
+        <p:spPr bwMode="auto">
+          <a:xfrm>
+            <a:off x="5868144" y="2492896"/>
+            <a:ext cx="3059832" cy="3554819"/>
+          </a:xfrm>
+          <a:prstGeom prst="rect">
+            <a:avLst/>
+          </a:prstGeom>
+          <a:solidFill>
+            <a:srgbClr val="2B2B2B"/>
+          </a:solidFill>
+          <a:ln>
+            <a:noFill/>
+          </a:ln>
+          <a:effectLst/>
+          <a:extLst>
+            <a:ext uri="{91240B29-F687-4F45-9708-019B960494DF}">
+              <a14:hiddenLine xmlns:a14="http://schemas.microsoft.com/office/drawing/2010/main" w="9525">
+                <a:solidFill>
+                  <a:schemeClr val="tx1"/>
+                </a:solidFill>
+                <a:miter lim="800000"/>
+                <a:headEnd/>
+                <a:tailEnd/>
+              </a14:hiddenLine>
+            </a:ext>
+            <a:ext uri="{AF507438-7753-43E0-B8FC-AC1667EBCBE1}">
+              <a14:hiddenEffects xmlns:a14="http://schemas.microsoft.com/office/drawing/2010/main">
+                <a:effectLst>
+                  <a:outerShdw dist="35921" dir="2700000" algn="ctr" rotWithShape="0">
+                    <a:schemeClr val="bg2"/>
+                  </a:outerShdw>
+                </a:effectLst>
+              </a14:hiddenEffects>
+            </a:ext>
+          </a:extLst>
+        </p:spPr>
+        <p:txBody>
+          <a:bodyPr vert="horz" wrap="square" lIns="91440" tIns="45720" rIns="91440" bIns="45720" numCol="1" anchor="ctr" anchorCtr="0" compatLnSpc="1">
+            <a:prstTxWarp prst="textNoShape">
+              <a:avLst/>
+            </a:prstTxWarp>
+            <a:spAutoFit/>
+          </a:bodyPr>
+          <a:lstStyle/>
+          <a:p>
+            <a:pPr marL="0" marR="0" lvl="0" indent="0" algn="l" defTabSz="914400" rtl="0" eaLnBrk="0" fontAlgn="base" latinLnBrk="0" hangingPunct="0">
+              <a:lnSpc>
+                <a:spcPct val="100000"/>
+              </a:lnSpc>
+              <a:spcBef>
+                <a:spcPct val="0"/>
+              </a:spcBef>
+              <a:spcAft>
+                <a:spcPct val="0"/>
+              </a:spcAft>
+              <a:buClrTx/>
+              <a:buSzTx/>
+              <a:buFontTx/>
+              <a:buNone/>
+              <a:tabLst/>
+            </a:pPr>
+            <a:r>
+              <a:rPr kumimoji="0" lang="ko-KR" altLang="ko-KR" sz="1500" b="0" i="0" u="none" strike="noStrike" cap="none" normalizeH="0" baseline="0" smtClean="0">
+                <a:ln>
+                  <a:noFill/>
+                </a:ln>
+                <a:solidFill>
+                  <a:srgbClr val="A9B7C6"/>
+                </a:solidFill>
+                <a:effectLst/>
+                <a:latin typeface="Arial Unicode MS"/>
+                <a:ea typeface="JetBrains Mono"/>
+              </a:rPr>
+              <a:t>a = </a:t>
+            </a:r>
+            <a:r>
+              <a:rPr kumimoji="0" lang="ko-KR" altLang="ko-KR" sz="1500" b="0" i="0" u="none" strike="noStrike" cap="none" normalizeH="0" baseline="0" smtClean="0">
+                <a:ln>
+                  <a:noFill/>
+                </a:ln>
+                <a:solidFill>
+                  <a:srgbClr val="6897BB"/>
+                </a:solidFill>
+                <a:effectLst/>
+                <a:latin typeface="Arial Unicode MS"/>
+                <a:ea typeface="JetBrains Mono"/>
+              </a:rPr>
+              <a:t>0</a:t>
+            </a:r>
+            <a:br>
+              <a:rPr kumimoji="0" lang="ko-KR" altLang="ko-KR" sz="1500" b="0" i="0" u="none" strike="noStrike" cap="none" normalizeH="0" baseline="0" smtClean="0">
+                <a:ln>
+                  <a:noFill/>
+                </a:ln>
+                <a:solidFill>
+                  <a:srgbClr val="6897BB"/>
+                </a:solidFill>
+                <a:effectLst/>
+                <a:latin typeface="Arial Unicode MS"/>
+                <a:ea typeface="JetBrains Mono"/>
+              </a:rPr>
+            </a:br>
+            <a:r>
+              <a:rPr kumimoji="0" lang="ko-KR" altLang="ko-KR" sz="1500" b="0" i="0" u="none" strike="noStrike" cap="none" normalizeH="0" baseline="0" smtClean="0">
+                <a:ln>
+                  <a:noFill/>
+                </a:ln>
+                <a:solidFill>
+                  <a:srgbClr val="CC7832"/>
+                </a:solidFill>
+                <a:effectLst/>
+                <a:latin typeface="Arial Unicode MS"/>
+                <a:ea typeface="JetBrains Mono"/>
+              </a:rPr>
+              <a:t>for </a:t>
+            </a:r>
+            <a:r>
+              <a:rPr kumimoji="0" lang="ko-KR" altLang="ko-KR" sz="1500" b="0" i="0" u="none" strike="noStrike" cap="none" normalizeH="0" baseline="0" smtClean="0">
+                <a:ln>
+                  <a:noFill/>
+                </a:ln>
+                <a:solidFill>
+                  <a:srgbClr val="A9B7C6"/>
+                </a:solidFill>
+                <a:effectLst/>
+                <a:latin typeface="Arial Unicode MS"/>
+                <a:ea typeface="JetBrains Mono"/>
+              </a:rPr>
+              <a:t>i </a:t>
+            </a:r>
+            <a:r>
+              <a:rPr kumimoji="0" lang="ko-KR" altLang="ko-KR" sz="1500" b="0" i="0" u="none" strike="noStrike" cap="none" normalizeH="0" baseline="0" smtClean="0">
+                <a:ln>
+                  <a:noFill/>
+                </a:ln>
+                <a:solidFill>
+                  <a:srgbClr val="CC7832"/>
+                </a:solidFill>
+                <a:effectLst/>
+                <a:latin typeface="Arial Unicode MS"/>
+                <a:ea typeface="JetBrains Mono"/>
+              </a:rPr>
+              <a:t>in </a:t>
+            </a:r>
+            <a:r>
+              <a:rPr kumimoji="0" lang="ko-KR" altLang="ko-KR" sz="1500" b="0" i="0" u="none" strike="noStrike" cap="none" normalizeH="0" baseline="0" smtClean="0">
+                <a:ln>
+                  <a:noFill/>
+                </a:ln>
+                <a:solidFill>
+                  <a:srgbClr val="8888C6"/>
+                </a:solidFill>
+                <a:effectLst/>
+                <a:latin typeface="Arial Unicode MS"/>
+                <a:ea typeface="JetBrains Mono"/>
+              </a:rPr>
+              <a:t>range</a:t>
+            </a:r>
+            <a:r>
+              <a:rPr kumimoji="0" lang="ko-KR" altLang="ko-KR" sz="1500" b="0" i="0" u="none" strike="noStrike" cap="none" normalizeH="0" baseline="0" smtClean="0">
+                <a:ln>
+                  <a:noFill/>
+                </a:ln>
+                <a:solidFill>
+                  <a:srgbClr val="A9B7C6"/>
+                </a:solidFill>
+                <a:effectLst/>
+                <a:latin typeface="Arial Unicode MS"/>
+                <a:ea typeface="JetBrains Mono"/>
+              </a:rPr>
+              <a:t>(</a:t>
+            </a:r>
+            <a:r>
+              <a:rPr kumimoji="0" lang="ko-KR" altLang="ko-KR" sz="1500" b="0" i="0" u="none" strike="noStrike" cap="none" normalizeH="0" baseline="0" smtClean="0">
+                <a:ln>
+                  <a:noFill/>
+                </a:ln>
+                <a:solidFill>
+                  <a:srgbClr val="6897BB"/>
+                </a:solidFill>
+                <a:effectLst/>
+                <a:latin typeface="Arial Unicode MS"/>
+                <a:ea typeface="JetBrains Mono"/>
+              </a:rPr>
+              <a:t>15</a:t>
+            </a:r>
+            <a:r>
+              <a:rPr kumimoji="0" lang="ko-KR" altLang="ko-KR" sz="1500" b="0" i="0" u="none" strike="noStrike" cap="none" normalizeH="0" baseline="0" smtClean="0">
+                <a:ln>
+                  <a:noFill/>
+                </a:ln>
+                <a:solidFill>
+                  <a:srgbClr val="A9B7C6"/>
+                </a:solidFill>
+                <a:effectLst/>
+                <a:latin typeface="Arial Unicode MS"/>
+                <a:ea typeface="JetBrains Mono"/>
+              </a:rPr>
+              <a:t>):</a:t>
+            </a:r>
+            <a:br>
+              <a:rPr kumimoji="0" lang="ko-KR" altLang="ko-KR" sz="1500" b="0" i="0" u="none" strike="noStrike" cap="none" normalizeH="0" baseline="0" smtClean="0">
+                <a:ln>
+                  <a:noFill/>
+                </a:ln>
+                <a:solidFill>
+                  <a:srgbClr val="A9B7C6"/>
+                </a:solidFill>
+                <a:effectLst/>
+                <a:latin typeface="Arial Unicode MS"/>
+                <a:ea typeface="JetBrains Mono"/>
+              </a:rPr>
+            </a:br>
+            <a:r>
+              <a:rPr kumimoji="0" lang="ko-KR" altLang="ko-KR" sz="1500" b="0" i="0" u="none" strike="noStrike" cap="none" normalizeH="0" baseline="0" smtClean="0">
+                <a:ln>
+                  <a:noFill/>
+                </a:ln>
+                <a:solidFill>
+                  <a:srgbClr val="A9B7C6"/>
+                </a:solidFill>
+                <a:effectLst/>
+                <a:latin typeface="Arial Unicode MS"/>
+                <a:ea typeface="JetBrains Mono"/>
+              </a:rPr>
+              <a:t>    a += </a:t>
+            </a:r>
+            <a:r>
+              <a:rPr kumimoji="0" lang="ko-KR" altLang="ko-KR" sz="1500" b="0" i="0" u="none" strike="noStrike" cap="none" normalizeH="0" baseline="0" smtClean="0">
+                <a:ln>
+                  <a:noFill/>
+                </a:ln>
+                <a:solidFill>
+                  <a:srgbClr val="6897BB"/>
+                </a:solidFill>
+                <a:effectLst/>
+                <a:latin typeface="Arial Unicode MS"/>
+                <a:ea typeface="JetBrains Mono"/>
+              </a:rPr>
+              <a:t>1</a:t>
+            </a:r>
+            <a:br>
+              <a:rPr kumimoji="0" lang="ko-KR" altLang="ko-KR" sz="1500" b="0" i="0" u="none" strike="noStrike" cap="none" normalizeH="0" baseline="0" smtClean="0">
+                <a:ln>
+                  <a:noFill/>
+                </a:ln>
+                <a:solidFill>
+                  <a:srgbClr val="6897BB"/>
+                </a:solidFill>
+                <a:effectLst/>
+                <a:latin typeface="Arial Unicode MS"/>
+                <a:ea typeface="JetBrains Mono"/>
+              </a:rPr>
+            </a:br>
+            <a:r>
+              <a:rPr kumimoji="0" lang="ko-KR" altLang="ko-KR" sz="1500" b="0" i="0" u="none" strike="noStrike" cap="none" normalizeH="0" baseline="0" smtClean="0">
+                <a:ln>
+                  <a:noFill/>
+                </a:ln>
+                <a:solidFill>
+                  <a:srgbClr val="6897BB"/>
+                </a:solidFill>
+                <a:effectLst/>
+                <a:latin typeface="Arial Unicode MS"/>
+                <a:ea typeface="JetBrains Mono"/>
+              </a:rPr>
+              <a:t>    </a:t>
+            </a:r>
+            <a:r>
+              <a:rPr kumimoji="0" lang="ko-KR" altLang="ko-KR" sz="1500" b="0" i="0" u="none" strike="noStrike" cap="none" normalizeH="0" baseline="0" smtClean="0">
+                <a:ln>
+                  <a:noFill/>
+                </a:ln>
+                <a:solidFill>
+                  <a:srgbClr val="CC7832"/>
+                </a:solidFill>
+                <a:effectLst/>
+                <a:latin typeface="Arial Unicode MS"/>
+                <a:ea typeface="JetBrains Mono"/>
+              </a:rPr>
+              <a:t>if </a:t>
+            </a:r>
+            <a:r>
+              <a:rPr kumimoji="0" lang="ko-KR" altLang="ko-KR" sz="1500" b="0" i="0" u="none" strike="noStrike" cap="none" normalizeH="0" baseline="0" smtClean="0">
+                <a:ln>
+                  <a:noFill/>
+                </a:ln>
+                <a:solidFill>
+                  <a:srgbClr val="A9B7C6"/>
+                </a:solidFill>
+                <a:effectLst/>
+                <a:latin typeface="Arial Unicode MS"/>
+                <a:ea typeface="JetBrains Mono"/>
+              </a:rPr>
+              <a:t>a == </a:t>
+            </a:r>
+            <a:r>
+              <a:rPr kumimoji="0" lang="ko-KR" altLang="ko-KR" sz="1500" b="0" i="0" u="none" strike="noStrike" cap="none" normalizeH="0" baseline="0" smtClean="0">
+                <a:ln>
+                  <a:noFill/>
+                </a:ln>
+                <a:solidFill>
+                  <a:srgbClr val="6897BB"/>
+                </a:solidFill>
+                <a:effectLst/>
+                <a:latin typeface="Arial Unicode MS"/>
+                <a:ea typeface="JetBrains Mono"/>
+              </a:rPr>
+              <a:t>10</a:t>
+            </a:r>
+            <a:r>
+              <a:rPr kumimoji="0" lang="ko-KR" altLang="ko-KR" sz="1500" b="0" i="0" u="none" strike="noStrike" cap="none" normalizeH="0" baseline="0" smtClean="0">
+                <a:ln>
+                  <a:noFill/>
+                </a:ln>
+                <a:solidFill>
+                  <a:srgbClr val="A9B7C6"/>
+                </a:solidFill>
+                <a:effectLst/>
+                <a:latin typeface="Arial Unicode MS"/>
+                <a:ea typeface="JetBrains Mono"/>
+              </a:rPr>
+              <a:t>:</a:t>
+            </a:r>
+            <a:br>
+              <a:rPr kumimoji="0" lang="ko-KR" altLang="ko-KR" sz="1500" b="0" i="0" u="none" strike="noStrike" cap="none" normalizeH="0" baseline="0" smtClean="0">
+                <a:ln>
+                  <a:noFill/>
+                </a:ln>
+                <a:solidFill>
+                  <a:srgbClr val="A9B7C6"/>
+                </a:solidFill>
+                <a:effectLst/>
+                <a:latin typeface="Arial Unicode MS"/>
+                <a:ea typeface="JetBrains Mono"/>
+              </a:rPr>
+            </a:br>
+            <a:r>
+              <a:rPr kumimoji="0" lang="ko-KR" altLang="ko-KR" sz="1500" b="0" i="0" u="none" strike="noStrike" cap="none" normalizeH="0" baseline="0" smtClean="0">
+                <a:ln>
+                  <a:noFill/>
+                </a:ln>
+                <a:solidFill>
+                  <a:srgbClr val="A9B7C6"/>
+                </a:solidFill>
+                <a:effectLst/>
+                <a:latin typeface="Arial Unicode MS"/>
+                <a:ea typeface="JetBrains Mono"/>
+              </a:rPr>
+              <a:t>        </a:t>
+            </a:r>
+            <a:r>
+              <a:rPr kumimoji="0" lang="ko-KR" altLang="ko-KR" sz="1500" b="0" i="0" u="none" strike="noStrike" cap="none" normalizeH="0" baseline="0" smtClean="0">
+                <a:ln>
+                  <a:noFill/>
+                </a:ln>
+                <a:solidFill>
+                  <a:srgbClr val="CC7832"/>
+                </a:solidFill>
+                <a:effectLst/>
+                <a:latin typeface="Arial Unicode MS"/>
+                <a:ea typeface="JetBrains Mono"/>
+              </a:rPr>
+              <a:t>break</a:t>
+            </a:r>
+            <a:br>
+              <a:rPr kumimoji="0" lang="ko-KR" altLang="ko-KR" sz="1500" b="0" i="0" u="none" strike="noStrike" cap="none" normalizeH="0" baseline="0" smtClean="0">
+                <a:ln>
+                  <a:noFill/>
+                </a:ln>
+                <a:solidFill>
+                  <a:srgbClr val="CC7832"/>
+                </a:solidFill>
+                <a:effectLst/>
+                <a:latin typeface="Arial Unicode MS"/>
+                <a:ea typeface="JetBrains Mono"/>
+              </a:rPr>
+            </a:br>
+            <a:r>
+              <a:rPr kumimoji="0" lang="ko-KR" altLang="ko-KR" sz="1500" b="0" i="0" u="none" strike="noStrike" cap="none" normalizeH="0" baseline="0" smtClean="0">
+                <a:ln>
+                  <a:noFill/>
+                </a:ln>
+                <a:solidFill>
+                  <a:srgbClr val="CC7832"/>
+                </a:solidFill>
+                <a:effectLst/>
+                <a:latin typeface="Arial Unicode MS"/>
+                <a:ea typeface="JetBrains Mono"/>
+              </a:rPr>
+              <a:t>    </a:t>
+            </a:r>
+            <a:r>
+              <a:rPr kumimoji="0" lang="ko-KR" altLang="ko-KR" sz="1500" b="0" i="0" u="none" strike="noStrike" cap="none" normalizeH="0" baseline="0" smtClean="0">
+                <a:ln>
+                  <a:noFill/>
+                </a:ln>
+                <a:solidFill>
+                  <a:srgbClr val="8888C6"/>
+                </a:solidFill>
+                <a:effectLst/>
+                <a:latin typeface="Arial Unicode MS"/>
+                <a:ea typeface="JetBrains Mono"/>
+              </a:rPr>
+              <a:t>print</a:t>
+            </a:r>
+            <a:r>
+              <a:rPr kumimoji="0" lang="ko-KR" altLang="ko-KR" sz="1500" b="0" i="0" u="none" strike="noStrike" cap="none" normalizeH="0" baseline="0" smtClean="0">
+                <a:ln>
+                  <a:noFill/>
+                </a:ln>
+                <a:solidFill>
+                  <a:srgbClr val="A9B7C6"/>
+                </a:solidFill>
+                <a:effectLst/>
+                <a:latin typeface="Arial Unicode MS"/>
+                <a:ea typeface="JetBrains Mono"/>
+              </a:rPr>
+              <a:t>(a</a:t>
+            </a:r>
+            <a:r>
+              <a:rPr kumimoji="0" lang="ko-KR" altLang="ko-KR" sz="1500" b="0" i="0" u="none" strike="noStrike" cap="none" normalizeH="0" baseline="0" smtClean="0">
+                <a:ln>
+                  <a:noFill/>
+                </a:ln>
+                <a:solidFill>
+                  <a:srgbClr val="CC7832"/>
+                </a:solidFill>
+                <a:effectLst/>
+                <a:latin typeface="Arial Unicode MS"/>
+                <a:ea typeface="JetBrains Mono"/>
+              </a:rPr>
+              <a:t>, </a:t>
+            </a:r>
+            <a:r>
+              <a:rPr kumimoji="0" lang="ko-KR" altLang="ko-KR" sz="1500" b="0" i="0" u="none" strike="noStrike" cap="none" normalizeH="0" baseline="0" smtClean="0">
+                <a:ln>
+                  <a:noFill/>
+                </a:ln>
+                <a:solidFill>
+                  <a:srgbClr val="6A8759"/>
+                </a:solidFill>
+                <a:effectLst/>
+                <a:latin typeface="Arial Unicode MS"/>
+                <a:ea typeface="JetBrains Mono"/>
+              </a:rPr>
+              <a:t>'</a:t>
+            </a:r>
+            <a:r>
+              <a:rPr kumimoji="0" lang="ko-KR" altLang="ko-KR" sz="1500" b="0" i="0" u="none" strike="noStrike" cap="none" normalizeH="0" baseline="0" smtClean="0">
+                <a:ln>
+                  <a:noFill/>
+                </a:ln>
+                <a:solidFill>
+                  <a:srgbClr val="6A8759"/>
+                </a:solidFill>
+                <a:effectLst/>
+                <a:latin typeface="맑은 고딕" panose="020B0503020000020004" pitchFamily="50" charset="-127"/>
+                <a:ea typeface="맑은 고딕" panose="020B0503020000020004" pitchFamily="50" charset="-127"/>
+              </a:rPr>
+              <a:t>번째 코드 실행</a:t>
+            </a:r>
+            <a:r>
+              <a:rPr kumimoji="0" lang="ko-KR" altLang="ko-KR" sz="1500" b="0" i="0" u="none" strike="noStrike" cap="none" normalizeH="0" baseline="0" smtClean="0">
+                <a:ln>
+                  <a:noFill/>
+                </a:ln>
+                <a:solidFill>
+                  <a:srgbClr val="6A8759"/>
+                </a:solidFill>
+                <a:effectLst/>
+                <a:latin typeface="Arial Unicode MS"/>
+                <a:ea typeface="JetBrains Mono"/>
+              </a:rPr>
+              <a:t>'</a:t>
+            </a:r>
+            <a:r>
+              <a:rPr kumimoji="0" lang="ko-KR" altLang="ko-KR" sz="1500" b="0" i="0" u="none" strike="noStrike" cap="none" normalizeH="0" baseline="0" smtClean="0">
+                <a:ln>
+                  <a:noFill/>
+                </a:ln>
+                <a:solidFill>
+                  <a:srgbClr val="A9B7C6"/>
+                </a:solidFill>
+                <a:effectLst/>
+                <a:latin typeface="Arial Unicode MS"/>
+                <a:ea typeface="JetBrains Mono"/>
+              </a:rPr>
+              <a:t>)</a:t>
+            </a:r>
+            <a:br>
+              <a:rPr kumimoji="0" lang="ko-KR" altLang="ko-KR" sz="1500" b="0" i="0" u="none" strike="noStrike" cap="none" normalizeH="0" baseline="0" smtClean="0">
+                <a:ln>
+                  <a:noFill/>
+                </a:ln>
+                <a:solidFill>
+                  <a:srgbClr val="A9B7C6"/>
+                </a:solidFill>
+                <a:effectLst/>
+                <a:latin typeface="Arial Unicode MS"/>
+                <a:ea typeface="JetBrains Mono"/>
+              </a:rPr>
+            </a:br>
+            <a:r>
+              <a:rPr kumimoji="0" lang="ko-KR" altLang="ko-KR" sz="1500" b="0" i="0" u="none" strike="noStrike" cap="none" normalizeH="0" baseline="0" smtClean="0">
+                <a:ln>
+                  <a:noFill/>
+                </a:ln>
+                <a:solidFill>
+                  <a:srgbClr val="8888C6"/>
+                </a:solidFill>
+                <a:effectLst/>
+                <a:latin typeface="Arial Unicode MS"/>
+                <a:ea typeface="JetBrains Mono"/>
+              </a:rPr>
+              <a:t>print</a:t>
+            </a:r>
+            <a:r>
+              <a:rPr kumimoji="0" lang="ko-KR" altLang="ko-KR" sz="1500" b="0" i="0" u="none" strike="noStrike" cap="none" normalizeH="0" baseline="0" smtClean="0">
+                <a:ln>
+                  <a:noFill/>
+                </a:ln>
+                <a:solidFill>
+                  <a:srgbClr val="A9B7C6"/>
+                </a:solidFill>
+                <a:effectLst/>
+                <a:latin typeface="Arial Unicode MS"/>
+                <a:ea typeface="JetBrains Mono"/>
+              </a:rPr>
+              <a:t>(</a:t>
+            </a:r>
+            <a:r>
+              <a:rPr kumimoji="0" lang="ko-KR" altLang="ko-KR" sz="1500" b="0" i="0" u="none" strike="noStrike" cap="none" normalizeH="0" baseline="0" smtClean="0">
+                <a:ln>
+                  <a:noFill/>
+                </a:ln>
+                <a:solidFill>
+                  <a:srgbClr val="6A8759"/>
+                </a:solidFill>
+                <a:effectLst/>
+                <a:latin typeface="Arial Unicode MS"/>
+                <a:ea typeface="JetBrains Mono"/>
+              </a:rPr>
+              <a:t>'</a:t>
+            </a:r>
+            <a:r>
+              <a:rPr kumimoji="0" lang="ko-KR" altLang="ko-KR" sz="1500" b="0" i="0" u="none" strike="noStrike" cap="none" normalizeH="0" baseline="0" smtClean="0">
+                <a:ln>
+                  <a:noFill/>
+                </a:ln>
+                <a:solidFill>
+                  <a:srgbClr val="6A8759"/>
+                </a:solidFill>
+                <a:effectLst/>
+                <a:latin typeface="맑은 고딕" panose="020B0503020000020004" pitchFamily="50" charset="-127"/>
+                <a:ea typeface="맑은 고딕" panose="020B0503020000020004" pitchFamily="50" charset="-127"/>
+              </a:rPr>
+              <a:t>종료</a:t>
+            </a:r>
+            <a:r>
+              <a:rPr kumimoji="0" lang="ko-KR" altLang="ko-KR" sz="1500" b="0" i="0" u="none" strike="noStrike" cap="none" normalizeH="0" baseline="0" smtClean="0">
+                <a:ln>
+                  <a:noFill/>
+                </a:ln>
+                <a:solidFill>
+                  <a:srgbClr val="6A8759"/>
+                </a:solidFill>
+                <a:effectLst/>
+                <a:latin typeface="Arial Unicode MS"/>
+                <a:ea typeface="JetBrains Mono"/>
+              </a:rPr>
+              <a:t>'</a:t>
+            </a:r>
+            <a:r>
+              <a:rPr kumimoji="0" lang="ko-KR" altLang="ko-KR" sz="1500" b="0" i="0" u="none" strike="noStrike" cap="none" normalizeH="0" baseline="0" smtClean="0">
+                <a:ln>
+                  <a:noFill/>
+                </a:ln>
+                <a:solidFill>
+                  <a:srgbClr val="A9B7C6"/>
+                </a:solidFill>
+                <a:effectLst/>
+                <a:latin typeface="Arial Unicode MS"/>
+                <a:ea typeface="JetBrains Mono"/>
+              </a:rPr>
+              <a:t>)</a:t>
+            </a:r>
+            <a:br>
+              <a:rPr kumimoji="0" lang="ko-KR" altLang="ko-KR" sz="1500" b="0" i="0" u="none" strike="noStrike" cap="none" normalizeH="0" baseline="0" smtClean="0">
+                <a:ln>
+                  <a:noFill/>
+                </a:ln>
+                <a:solidFill>
+                  <a:srgbClr val="A9B7C6"/>
+                </a:solidFill>
+                <a:effectLst/>
+                <a:latin typeface="Arial Unicode MS"/>
+                <a:ea typeface="JetBrains Mono"/>
+              </a:rPr>
+            </a:br>
+            <a:r>
+              <a:rPr kumimoji="0" lang="ko-KR" altLang="ko-KR" sz="1500" b="0" i="0" u="none" strike="noStrike" cap="none" normalizeH="0" baseline="0" smtClean="0">
+                <a:ln>
+                  <a:noFill/>
+                </a:ln>
+                <a:solidFill>
+                  <a:srgbClr val="A9B7C6"/>
+                </a:solidFill>
+                <a:effectLst/>
+                <a:latin typeface="Arial Unicode MS"/>
+                <a:ea typeface="JetBrains Mono"/>
+              </a:rPr>
+              <a:t/>
+            </a:r>
+            <a:br>
+              <a:rPr kumimoji="0" lang="ko-KR" altLang="ko-KR" sz="1500" b="0" i="0" u="none" strike="noStrike" cap="none" normalizeH="0" baseline="0" smtClean="0">
+                <a:ln>
+                  <a:noFill/>
+                </a:ln>
+                <a:solidFill>
+                  <a:srgbClr val="A9B7C6"/>
+                </a:solidFill>
+                <a:effectLst/>
+                <a:latin typeface="Arial Unicode MS"/>
+                <a:ea typeface="JetBrains Mono"/>
+              </a:rPr>
+            </a:br>
+            <a:r>
+              <a:rPr kumimoji="0" lang="ko-KR" altLang="ko-KR" sz="1500" b="0" i="0" u="none" strike="noStrike" cap="none" normalizeH="0" baseline="0" smtClean="0">
+                <a:ln>
+                  <a:noFill/>
+                </a:ln>
+                <a:solidFill>
+                  <a:srgbClr val="A9B7C6"/>
+                </a:solidFill>
+                <a:effectLst/>
+                <a:latin typeface="Arial Unicode MS"/>
+                <a:ea typeface="JetBrains Mono"/>
+              </a:rPr>
+              <a:t>a = </a:t>
+            </a:r>
+            <a:r>
+              <a:rPr kumimoji="0" lang="ko-KR" altLang="ko-KR" sz="1500" b="0" i="0" u="none" strike="noStrike" cap="none" normalizeH="0" baseline="0" smtClean="0">
+                <a:ln>
+                  <a:noFill/>
+                </a:ln>
+                <a:solidFill>
+                  <a:srgbClr val="6897BB"/>
+                </a:solidFill>
+                <a:effectLst/>
+                <a:latin typeface="Arial Unicode MS"/>
+                <a:ea typeface="JetBrains Mono"/>
+              </a:rPr>
+              <a:t>0</a:t>
+            </a:r>
+            <a:br>
+              <a:rPr kumimoji="0" lang="ko-KR" altLang="ko-KR" sz="1500" b="0" i="0" u="none" strike="noStrike" cap="none" normalizeH="0" baseline="0" smtClean="0">
+                <a:ln>
+                  <a:noFill/>
+                </a:ln>
+                <a:solidFill>
+                  <a:srgbClr val="6897BB"/>
+                </a:solidFill>
+                <a:effectLst/>
+                <a:latin typeface="Arial Unicode MS"/>
+                <a:ea typeface="JetBrains Mono"/>
+              </a:rPr>
+            </a:br>
+            <a:r>
+              <a:rPr kumimoji="0" lang="ko-KR" altLang="ko-KR" sz="1500" b="0" i="0" u="none" strike="noStrike" cap="none" normalizeH="0" baseline="0" smtClean="0">
+                <a:ln>
+                  <a:noFill/>
+                </a:ln>
+                <a:solidFill>
+                  <a:srgbClr val="CC7832"/>
+                </a:solidFill>
+                <a:effectLst/>
+                <a:latin typeface="Arial Unicode MS"/>
+                <a:ea typeface="JetBrains Mono"/>
+              </a:rPr>
+              <a:t>for </a:t>
+            </a:r>
+            <a:r>
+              <a:rPr kumimoji="0" lang="ko-KR" altLang="ko-KR" sz="1500" b="0" i="0" u="none" strike="noStrike" cap="none" normalizeH="0" baseline="0" smtClean="0">
+                <a:ln>
+                  <a:noFill/>
+                </a:ln>
+                <a:solidFill>
+                  <a:srgbClr val="A9B7C6"/>
+                </a:solidFill>
+                <a:effectLst/>
+                <a:latin typeface="Arial Unicode MS"/>
+                <a:ea typeface="JetBrains Mono"/>
+              </a:rPr>
+              <a:t>i </a:t>
+            </a:r>
+            <a:r>
+              <a:rPr kumimoji="0" lang="ko-KR" altLang="ko-KR" sz="1500" b="0" i="0" u="none" strike="noStrike" cap="none" normalizeH="0" baseline="0" smtClean="0">
+                <a:ln>
+                  <a:noFill/>
+                </a:ln>
+                <a:solidFill>
+                  <a:srgbClr val="CC7832"/>
+                </a:solidFill>
+                <a:effectLst/>
+                <a:latin typeface="Arial Unicode MS"/>
+                <a:ea typeface="JetBrains Mono"/>
+              </a:rPr>
+              <a:t>in </a:t>
+            </a:r>
+            <a:r>
+              <a:rPr kumimoji="0" lang="ko-KR" altLang="ko-KR" sz="1500" b="0" i="0" u="none" strike="noStrike" cap="none" normalizeH="0" baseline="0" smtClean="0">
+                <a:ln>
+                  <a:noFill/>
+                </a:ln>
+                <a:solidFill>
+                  <a:srgbClr val="8888C6"/>
+                </a:solidFill>
+                <a:effectLst/>
+                <a:latin typeface="Arial Unicode MS"/>
+                <a:ea typeface="JetBrains Mono"/>
+              </a:rPr>
+              <a:t>range</a:t>
+            </a:r>
+            <a:r>
+              <a:rPr kumimoji="0" lang="ko-KR" altLang="ko-KR" sz="1500" b="0" i="0" u="none" strike="noStrike" cap="none" normalizeH="0" baseline="0" smtClean="0">
+                <a:ln>
+                  <a:noFill/>
+                </a:ln>
+                <a:solidFill>
+                  <a:srgbClr val="A9B7C6"/>
+                </a:solidFill>
+                <a:effectLst/>
+                <a:latin typeface="Arial Unicode MS"/>
+                <a:ea typeface="JetBrains Mono"/>
+              </a:rPr>
+              <a:t>(</a:t>
+            </a:r>
+            <a:r>
+              <a:rPr kumimoji="0" lang="ko-KR" altLang="ko-KR" sz="1500" b="0" i="0" u="none" strike="noStrike" cap="none" normalizeH="0" baseline="0" smtClean="0">
+                <a:ln>
+                  <a:noFill/>
+                </a:ln>
+                <a:solidFill>
+                  <a:srgbClr val="6897BB"/>
+                </a:solidFill>
+                <a:effectLst/>
+                <a:latin typeface="Arial Unicode MS"/>
+                <a:ea typeface="JetBrains Mono"/>
+              </a:rPr>
+              <a:t>15</a:t>
+            </a:r>
+            <a:r>
+              <a:rPr kumimoji="0" lang="ko-KR" altLang="ko-KR" sz="1500" b="0" i="0" u="none" strike="noStrike" cap="none" normalizeH="0" baseline="0" smtClean="0">
+                <a:ln>
+                  <a:noFill/>
+                </a:ln>
+                <a:solidFill>
+                  <a:srgbClr val="A9B7C6"/>
+                </a:solidFill>
+                <a:effectLst/>
+                <a:latin typeface="Arial Unicode MS"/>
+                <a:ea typeface="JetBrains Mono"/>
+              </a:rPr>
+              <a:t>):</a:t>
+            </a:r>
+            <a:br>
+              <a:rPr kumimoji="0" lang="ko-KR" altLang="ko-KR" sz="1500" b="0" i="0" u="none" strike="noStrike" cap="none" normalizeH="0" baseline="0" smtClean="0">
+                <a:ln>
+                  <a:noFill/>
+                </a:ln>
+                <a:solidFill>
+                  <a:srgbClr val="A9B7C6"/>
+                </a:solidFill>
+                <a:effectLst/>
+                <a:latin typeface="Arial Unicode MS"/>
+                <a:ea typeface="JetBrains Mono"/>
+              </a:rPr>
+            </a:br>
+            <a:r>
+              <a:rPr kumimoji="0" lang="ko-KR" altLang="ko-KR" sz="1500" b="0" i="0" u="none" strike="noStrike" cap="none" normalizeH="0" baseline="0" smtClean="0">
+                <a:ln>
+                  <a:noFill/>
+                </a:ln>
+                <a:solidFill>
+                  <a:srgbClr val="A9B7C6"/>
+                </a:solidFill>
+                <a:effectLst/>
+                <a:latin typeface="Arial Unicode MS"/>
+                <a:ea typeface="JetBrains Mono"/>
+              </a:rPr>
+              <a:t>    a += </a:t>
+            </a:r>
+            <a:r>
+              <a:rPr kumimoji="0" lang="ko-KR" altLang="ko-KR" sz="1500" b="0" i="0" u="none" strike="noStrike" cap="none" normalizeH="0" baseline="0" smtClean="0">
+                <a:ln>
+                  <a:noFill/>
+                </a:ln>
+                <a:solidFill>
+                  <a:srgbClr val="6897BB"/>
+                </a:solidFill>
+                <a:effectLst/>
+                <a:latin typeface="Arial Unicode MS"/>
+                <a:ea typeface="JetBrains Mono"/>
+              </a:rPr>
+              <a:t>1</a:t>
+            </a:r>
+            <a:br>
+              <a:rPr kumimoji="0" lang="ko-KR" altLang="ko-KR" sz="1500" b="0" i="0" u="none" strike="noStrike" cap="none" normalizeH="0" baseline="0" smtClean="0">
+                <a:ln>
+                  <a:noFill/>
+                </a:ln>
+                <a:solidFill>
+                  <a:srgbClr val="6897BB"/>
+                </a:solidFill>
+                <a:effectLst/>
+                <a:latin typeface="Arial Unicode MS"/>
+                <a:ea typeface="JetBrains Mono"/>
+              </a:rPr>
+            </a:br>
+            <a:r>
+              <a:rPr kumimoji="0" lang="ko-KR" altLang="ko-KR" sz="1500" b="0" i="0" u="none" strike="noStrike" cap="none" normalizeH="0" baseline="0" smtClean="0">
+                <a:ln>
+                  <a:noFill/>
+                </a:ln>
+                <a:solidFill>
+                  <a:srgbClr val="6897BB"/>
+                </a:solidFill>
+                <a:effectLst/>
+                <a:latin typeface="Arial Unicode MS"/>
+                <a:ea typeface="JetBrains Mono"/>
+              </a:rPr>
+              <a:t>    </a:t>
+            </a:r>
+            <a:r>
+              <a:rPr kumimoji="0" lang="ko-KR" altLang="ko-KR" sz="1500" b="0" i="0" u="none" strike="noStrike" cap="none" normalizeH="0" baseline="0" smtClean="0">
+                <a:ln>
+                  <a:noFill/>
+                </a:ln>
+                <a:solidFill>
+                  <a:srgbClr val="CC7832"/>
+                </a:solidFill>
+                <a:effectLst/>
+                <a:latin typeface="Arial Unicode MS"/>
+                <a:ea typeface="JetBrains Mono"/>
+              </a:rPr>
+              <a:t>if </a:t>
+            </a:r>
+            <a:r>
+              <a:rPr kumimoji="0" lang="ko-KR" altLang="ko-KR" sz="1500" b="0" i="0" u="none" strike="noStrike" cap="none" normalizeH="0" baseline="0" smtClean="0">
+                <a:ln>
+                  <a:noFill/>
+                </a:ln>
+                <a:solidFill>
+                  <a:srgbClr val="A9B7C6"/>
+                </a:solidFill>
+                <a:effectLst/>
+                <a:latin typeface="Arial Unicode MS"/>
+                <a:ea typeface="JetBrains Mono"/>
+              </a:rPr>
+              <a:t>a == </a:t>
+            </a:r>
+            <a:r>
+              <a:rPr kumimoji="0" lang="ko-KR" altLang="ko-KR" sz="1500" b="0" i="0" u="none" strike="noStrike" cap="none" normalizeH="0" baseline="0" smtClean="0">
+                <a:ln>
+                  <a:noFill/>
+                </a:ln>
+                <a:solidFill>
+                  <a:srgbClr val="6897BB"/>
+                </a:solidFill>
+                <a:effectLst/>
+                <a:latin typeface="Arial Unicode MS"/>
+                <a:ea typeface="JetBrains Mono"/>
+              </a:rPr>
+              <a:t>10</a:t>
+            </a:r>
+            <a:r>
+              <a:rPr kumimoji="0" lang="ko-KR" altLang="ko-KR" sz="1500" b="0" i="0" u="none" strike="noStrike" cap="none" normalizeH="0" baseline="0" smtClean="0">
+                <a:ln>
+                  <a:noFill/>
+                </a:ln>
+                <a:solidFill>
+                  <a:srgbClr val="A9B7C6"/>
+                </a:solidFill>
+                <a:effectLst/>
+                <a:latin typeface="Arial Unicode MS"/>
+                <a:ea typeface="JetBrains Mono"/>
+              </a:rPr>
+              <a:t>:</a:t>
+            </a:r>
+            <a:br>
+              <a:rPr kumimoji="0" lang="ko-KR" altLang="ko-KR" sz="1500" b="0" i="0" u="none" strike="noStrike" cap="none" normalizeH="0" baseline="0" smtClean="0">
+                <a:ln>
+                  <a:noFill/>
+                </a:ln>
+                <a:solidFill>
+                  <a:srgbClr val="A9B7C6"/>
+                </a:solidFill>
+                <a:effectLst/>
+                <a:latin typeface="Arial Unicode MS"/>
+                <a:ea typeface="JetBrains Mono"/>
+              </a:rPr>
+            </a:br>
+            <a:r>
+              <a:rPr kumimoji="0" lang="ko-KR" altLang="ko-KR" sz="1500" b="0" i="0" u="none" strike="noStrike" cap="none" normalizeH="0" baseline="0" smtClean="0">
+                <a:ln>
+                  <a:noFill/>
+                </a:ln>
+                <a:solidFill>
+                  <a:srgbClr val="A9B7C6"/>
+                </a:solidFill>
+                <a:effectLst/>
+                <a:latin typeface="Arial Unicode MS"/>
+                <a:ea typeface="JetBrains Mono"/>
+              </a:rPr>
+              <a:t>        </a:t>
+            </a:r>
+            <a:r>
+              <a:rPr kumimoji="0" lang="ko-KR" altLang="ko-KR" sz="1500" b="0" i="0" u="none" strike="noStrike" cap="none" normalizeH="0" baseline="0" smtClean="0">
+                <a:ln>
+                  <a:noFill/>
+                </a:ln>
+                <a:solidFill>
+                  <a:srgbClr val="CC7832"/>
+                </a:solidFill>
+                <a:effectLst/>
+                <a:latin typeface="Arial Unicode MS"/>
+                <a:ea typeface="JetBrains Mono"/>
+              </a:rPr>
+              <a:t>continue</a:t>
+            </a:r>
+            <a:br>
+              <a:rPr kumimoji="0" lang="ko-KR" altLang="ko-KR" sz="1500" b="0" i="0" u="none" strike="noStrike" cap="none" normalizeH="0" baseline="0" smtClean="0">
+                <a:ln>
+                  <a:noFill/>
+                </a:ln>
+                <a:solidFill>
+                  <a:srgbClr val="CC7832"/>
+                </a:solidFill>
+                <a:effectLst/>
+                <a:latin typeface="Arial Unicode MS"/>
+                <a:ea typeface="JetBrains Mono"/>
+              </a:rPr>
+            </a:br>
+            <a:r>
+              <a:rPr kumimoji="0" lang="ko-KR" altLang="ko-KR" sz="1500" b="0" i="0" u="none" strike="noStrike" cap="none" normalizeH="0" baseline="0" smtClean="0">
+                <a:ln>
+                  <a:noFill/>
+                </a:ln>
+                <a:solidFill>
+                  <a:srgbClr val="CC7832"/>
+                </a:solidFill>
+                <a:effectLst/>
+                <a:latin typeface="Arial Unicode MS"/>
+                <a:ea typeface="JetBrains Mono"/>
+              </a:rPr>
+              <a:t>    </a:t>
+            </a:r>
+            <a:r>
+              <a:rPr kumimoji="0" lang="ko-KR" altLang="ko-KR" sz="1500" b="0" i="0" u="none" strike="noStrike" cap="none" normalizeH="0" baseline="0" smtClean="0">
+                <a:ln>
+                  <a:noFill/>
+                </a:ln>
+                <a:solidFill>
+                  <a:srgbClr val="8888C6"/>
+                </a:solidFill>
+                <a:effectLst/>
+                <a:latin typeface="Arial Unicode MS"/>
+                <a:ea typeface="JetBrains Mono"/>
+              </a:rPr>
+              <a:t>print</a:t>
+            </a:r>
+            <a:r>
+              <a:rPr kumimoji="0" lang="ko-KR" altLang="ko-KR" sz="1500" b="0" i="0" u="none" strike="noStrike" cap="none" normalizeH="0" baseline="0" smtClean="0">
+                <a:ln>
+                  <a:noFill/>
+                </a:ln>
+                <a:solidFill>
+                  <a:srgbClr val="A9B7C6"/>
+                </a:solidFill>
+                <a:effectLst/>
+                <a:latin typeface="Arial Unicode MS"/>
+                <a:ea typeface="JetBrains Mono"/>
+              </a:rPr>
+              <a:t>(a</a:t>
+            </a:r>
+            <a:r>
+              <a:rPr kumimoji="0" lang="ko-KR" altLang="ko-KR" sz="1500" b="0" i="0" u="none" strike="noStrike" cap="none" normalizeH="0" baseline="0" smtClean="0">
+                <a:ln>
+                  <a:noFill/>
+                </a:ln>
+                <a:solidFill>
+                  <a:srgbClr val="CC7832"/>
+                </a:solidFill>
+                <a:effectLst/>
+                <a:latin typeface="Arial Unicode MS"/>
+                <a:ea typeface="JetBrains Mono"/>
+              </a:rPr>
+              <a:t>, </a:t>
+            </a:r>
+            <a:r>
+              <a:rPr kumimoji="0" lang="ko-KR" altLang="ko-KR" sz="1500" b="0" i="0" u="none" strike="noStrike" cap="none" normalizeH="0" baseline="0" smtClean="0">
+                <a:ln>
+                  <a:noFill/>
+                </a:ln>
+                <a:solidFill>
+                  <a:srgbClr val="6A8759"/>
+                </a:solidFill>
+                <a:effectLst/>
+                <a:latin typeface="Arial Unicode MS"/>
+                <a:ea typeface="JetBrains Mono"/>
+              </a:rPr>
+              <a:t>'</a:t>
+            </a:r>
+            <a:r>
+              <a:rPr kumimoji="0" lang="ko-KR" altLang="ko-KR" sz="1500" b="0" i="0" u="none" strike="noStrike" cap="none" normalizeH="0" baseline="0" smtClean="0">
+                <a:ln>
+                  <a:noFill/>
+                </a:ln>
+                <a:solidFill>
+                  <a:srgbClr val="6A8759"/>
+                </a:solidFill>
+                <a:effectLst/>
+                <a:latin typeface="맑은 고딕" panose="020B0503020000020004" pitchFamily="50" charset="-127"/>
+                <a:ea typeface="맑은 고딕" panose="020B0503020000020004" pitchFamily="50" charset="-127"/>
+              </a:rPr>
+              <a:t>번째 코드 실행</a:t>
+            </a:r>
+            <a:r>
+              <a:rPr kumimoji="0" lang="ko-KR" altLang="ko-KR" sz="1500" b="0" i="0" u="none" strike="noStrike" cap="none" normalizeH="0" baseline="0" smtClean="0">
+                <a:ln>
+                  <a:noFill/>
+                </a:ln>
+                <a:solidFill>
+                  <a:srgbClr val="6A8759"/>
+                </a:solidFill>
+                <a:effectLst/>
+                <a:latin typeface="Arial Unicode MS"/>
+                <a:ea typeface="JetBrains Mono"/>
+              </a:rPr>
+              <a:t>'</a:t>
+            </a:r>
+            <a:r>
+              <a:rPr kumimoji="0" lang="ko-KR" altLang="ko-KR" sz="1500" b="0" i="0" u="none" strike="noStrike" cap="none" normalizeH="0" baseline="0" smtClean="0">
+                <a:ln>
+                  <a:noFill/>
+                </a:ln>
+                <a:solidFill>
+                  <a:srgbClr val="A9B7C6"/>
+                </a:solidFill>
+                <a:effectLst/>
+                <a:latin typeface="Arial Unicode MS"/>
+                <a:ea typeface="JetBrains Mono"/>
+              </a:rPr>
+              <a:t>)</a:t>
+            </a:r>
+            <a:br>
+              <a:rPr kumimoji="0" lang="ko-KR" altLang="ko-KR" sz="1500" b="0" i="0" u="none" strike="noStrike" cap="none" normalizeH="0" baseline="0" smtClean="0">
+                <a:ln>
+                  <a:noFill/>
+                </a:ln>
+                <a:solidFill>
+                  <a:srgbClr val="A9B7C6"/>
+                </a:solidFill>
+                <a:effectLst/>
+                <a:latin typeface="Arial Unicode MS"/>
+                <a:ea typeface="JetBrains Mono"/>
+              </a:rPr>
+            </a:br>
+            <a:r>
+              <a:rPr kumimoji="0" lang="ko-KR" altLang="ko-KR" sz="1500" b="0" i="0" u="none" strike="noStrike" cap="none" normalizeH="0" baseline="0" smtClean="0">
+                <a:ln>
+                  <a:noFill/>
+                </a:ln>
+                <a:solidFill>
+                  <a:srgbClr val="8888C6"/>
+                </a:solidFill>
+                <a:effectLst/>
+                <a:latin typeface="Arial Unicode MS"/>
+                <a:ea typeface="JetBrains Mono"/>
+              </a:rPr>
+              <a:t>print</a:t>
+            </a:r>
+            <a:r>
+              <a:rPr kumimoji="0" lang="ko-KR" altLang="ko-KR" sz="1500" b="0" i="0" u="none" strike="noStrike" cap="none" normalizeH="0" baseline="0" smtClean="0">
+                <a:ln>
+                  <a:noFill/>
+                </a:ln>
+                <a:solidFill>
+                  <a:srgbClr val="A9B7C6"/>
+                </a:solidFill>
+                <a:effectLst/>
+                <a:latin typeface="Arial Unicode MS"/>
+                <a:ea typeface="JetBrains Mono"/>
+              </a:rPr>
+              <a:t>(</a:t>
+            </a:r>
+            <a:r>
+              <a:rPr kumimoji="0" lang="ko-KR" altLang="ko-KR" sz="1500" b="0" i="0" u="none" strike="noStrike" cap="none" normalizeH="0" baseline="0" smtClean="0">
+                <a:ln>
+                  <a:noFill/>
+                </a:ln>
+                <a:solidFill>
+                  <a:srgbClr val="6A8759"/>
+                </a:solidFill>
+                <a:effectLst/>
+                <a:latin typeface="Arial Unicode MS"/>
+                <a:ea typeface="JetBrains Mono"/>
+              </a:rPr>
+              <a:t>'</a:t>
+            </a:r>
+            <a:r>
+              <a:rPr kumimoji="0" lang="ko-KR" altLang="ko-KR" sz="1500" b="0" i="0" u="none" strike="noStrike" cap="none" normalizeH="0" baseline="0" smtClean="0">
+                <a:ln>
+                  <a:noFill/>
+                </a:ln>
+                <a:solidFill>
+                  <a:srgbClr val="6A8759"/>
+                </a:solidFill>
+                <a:effectLst/>
+                <a:latin typeface="맑은 고딕" panose="020B0503020000020004" pitchFamily="50" charset="-127"/>
+                <a:ea typeface="맑은 고딕" panose="020B0503020000020004" pitchFamily="50" charset="-127"/>
+              </a:rPr>
+              <a:t>종료</a:t>
+            </a:r>
+            <a:r>
+              <a:rPr kumimoji="0" lang="ko-KR" altLang="ko-KR" sz="1500" b="0" i="0" u="none" strike="noStrike" cap="none" normalizeH="0" baseline="0" smtClean="0">
+                <a:ln>
+                  <a:noFill/>
+                </a:ln>
+                <a:solidFill>
+                  <a:srgbClr val="6A8759"/>
+                </a:solidFill>
+                <a:effectLst/>
+                <a:latin typeface="Arial Unicode MS"/>
+                <a:ea typeface="JetBrains Mono"/>
+              </a:rPr>
+              <a:t>'</a:t>
+            </a:r>
+            <a:r>
+              <a:rPr kumimoji="0" lang="ko-KR" altLang="ko-KR" sz="1500" b="0" i="0" u="none" strike="noStrike" cap="none" normalizeH="0" baseline="0" smtClean="0">
+                <a:ln>
+                  <a:noFill/>
+                </a:ln>
+                <a:solidFill>
+                  <a:srgbClr val="A9B7C6"/>
+                </a:solidFill>
+                <a:effectLst/>
+                <a:latin typeface="Arial Unicode MS"/>
+                <a:ea typeface="JetBrains Mono"/>
+              </a:rPr>
+              <a:t>)</a:t>
+            </a:r>
+            <a:endParaRPr kumimoji="0" lang="ko-KR" altLang="ko-KR" sz="1800" b="0" i="0" u="none" strike="noStrike" cap="none" normalizeH="0" baseline="0" smtClean="0">
+              <a:ln>
+                <a:noFill/>
+              </a:ln>
+              <a:solidFill>
+                <a:schemeClr val="tx1"/>
+              </a:solidFill>
+              <a:effectLst/>
+              <a:latin typeface="Arial" panose="020B0604020202020204" pitchFamily="34" charset="0"/>
+            </a:endParaRPr>
+          </a:p>
+        </p:txBody>
+      </p:sp>
+    </p:spTree>
+    <p:extLst>
+      <p:ext uri="{BB962C8B-B14F-4D97-AF65-F5344CB8AC3E}">
+        <p14:creationId xmlns:p14="http://schemas.microsoft.com/office/powerpoint/2010/main" val="273357655"/>
+      </p:ext>
+    </p:extLst>
+  </p:cSld>
+  <p:clrMapOvr>
+    <a:masterClrMapping/>
+  </p:clrMapOvr>
+</p:sld>
+</file>
+
+<file path=ppt/slides/slide7.xml><?xml version="1.0" encoding="utf-8"?>
+<p:sld xmlns:a="http://schemas.openxmlformats.org/drawingml/2006/main" xmlns:r="http://schemas.openxmlformats.org/officeDocument/2006/relationships" xmlns:p="http://schemas.openxmlformats.org/presentationml/2006/main">
+  <p:cSld>
+    <p:spTree>
+      <p:nvGrpSpPr>
+        <p:cNvPr id="1" name=""/>
+        <p:cNvGrpSpPr/>
+        <p:nvPr/>
+      </p:nvGrpSpPr>
+      <p:grpSpPr>
+        <a:xfrm>
+          <a:off x="0" y="0"/>
+          <a:ext cx="0" cy="0"/>
+          <a:chOff x="0" y="0"/>
+          <a:chExt cx="0" cy="0"/>
+        </a:xfrm>
+      </p:grpSpPr>
+      <p:sp>
+        <p:nvSpPr>
+          <p:cNvPr id="2" name="제목 1"/>
+          <p:cNvSpPr>
+            <a:spLocks noGrp="1"/>
+          </p:cNvSpPr>
+          <p:nvPr>
+            <p:ph type="title"/>
+          </p:nvPr>
+        </p:nvSpPr>
+        <p:spPr/>
+        <p:txBody>
+          <a:bodyPr/>
+          <a:lstStyle/>
+          <a:p>
+            <a:r>
+              <a:rPr lang="en-US" altLang="ko-KR" dirty="0" smtClean="0"/>
+              <a:t>While </a:t>
+            </a:r>
+            <a:r>
+              <a:rPr lang="ko-KR" altLang="en-US" dirty="0" smtClean="0"/>
+              <a:t>문</a:t>
+            </a:r>
+            <a:endParaRPr lang="ko-KR" altLang="en-US" dirty="0"/>
+          </a:p>
+        </p:txBody>
+      </p:sp>
+      <p:sp>
+        <p:nvSpPr>
+          <p:cNvPr id="3" name="내용 개체 틀 2"/>
+          <p:cNvSpPr>
+            <a:spLocks noGrp="1"/>
+          </p:cNvSpPr>
+          <p:nvPr>
+            <p:ph idx="1"/>
+          </p:nvPr>
+        </p:nvSpPr>
+        <p:spPr/>
+        <p:txBody>
+          <a:bodyPr/>
+          <a:lstStyle/>
+          <a:p>
+            <a:r>
+              <a:rPr lang="en-US" altLang="ko-KR" dirty="0" smtClean="0"/>
+              <a:t> </a:t>
+            </a:r>
+            <a:r>
+              <a:rPr lang="ko-KR" altLang="en-US" dirty="0" smtClean="0"/>
+              <a:t>조건을 만족할 때까지 계속 실행하라는 키워드</a:t>
+            </a:r>
+            <a:endParaRPr lang="en-US" altLang="ko-KR" dirty="0" smtClean="0"/>
+          </a:p>
+          <a:p>
+            <a:pPr marL="0" indent="0">
+              <a:buNone/>
+            </a:pPr>
+            <a:r>
+              <a:rPr lang="en-US" altLang="ko-KR" dirty="0" smtClean="0"/>
+              <a:t> while </a:t>
+            </a:r>
+            <a:r>
+              <a:rPr lang="ko-KR" altLang="en-US" dirty="0" err="1" smtClean="0"/>
+              <a:t>조건문</a:t>
+            </a:r>
+            <a:r>
+              <a:rPr lang="ko-KR" altLang="en-US" dirty="0" smtClean="0"/>
+              <a:t> </a:t>
+            </a:r>
+            <a:r>
+              <a:rPr lang="en-US" altLang="ko-KR" dirty="0" smtClean="0"/>
+              <a:t>:</a:t>
+            </a:r>
+          </a:p>
+          <a:p>
+            <a:pPr marL="0" indent="0">
+              <a:buNone/>
+            </a:pPr>
+            <a:r>
+              <a:rPr lang="en-US" altLang="ko-KR" dirty="0"/>
+              <a:t> </a:t>
+            </a:r>
+            <a:r>
+              <a:rPr lang="en-US" altLang="ko-KR" dirty="0" smtClean="0"/>
+              <a:t>       </a:t>
+            </a:r>
+            <a:r>
+              <a:rPr lang="ko-KR" altLang="en-US" dirty="0" err="1" smtClean="0"/>
+              <a:t>실행코드</a:t>
+            </a:r>
+            <a:endParaRPr lang="en-US" altLang="ko-KR" dirty="0" smtClean="0"/>
+          </a:p>
+          <a:p>
+            <a:pPr marL="0" indent="0">
+              <a:buNone/>
+            </a:pPr>
+            <a:r>
+              <a:rPr lang="en-US" altLang="ko-KR" dirty="0"/>
+              <a:t> </a:t>
+            </a:r>
+            <a:r>
+              <a:rPr lang="en-US" altLang="ko-KR" dirty="0" smtClean="0"/>
+              <a:t>       </a:t>
+            </a:r>
+            <a:r>
+              <a:rPr lang="ko-KR" altLang="en-US" dirty="0" err="1" smtClean="0"/>
+              <a:t>실행코드</a:t>
+            </a:r>
+            <a:endParaRPr lang="en-US" altLang="ko-KR" dirty="0" smtClean="0"/>
+          </a:p>
+        </p:txBody>
+      </p:sp>
+      <p:sp>
+        <p:nvSpPr>
+          <p:cNvPr id="4" name="Rectangle 1"/>
+          <p:cNvSpPr>
+            <a:spLocks noChangeArrowheads="1"/>
+          </p:cNvSpPr>
+          <p:nvPr/>
+        </p:nvSpPr>
+        <p:spPr bwMode="auto">
+          <a:xfrm>
+            <a:off x="4067944" y="2757943"/>
+            <a:ext cx="4283968" cy="2862322"/>
+          </a:xfrm>
+          <a:prstGeom prst="rect">
+            <a:avLst/>
+          </a:prstGeom>
+          <a:solidFill>
+            <a:srgbClr val="2B2B2B"/>
+          </a:solidFill>
+          <a:ln>
+            <a:noFill/>
+          </a:ln>
+          <a:effectLst/>
+          <a:extLst>
+            <a:ext uri="{91240B29-F687-4F45-9708-019B960494DF}">
+              <a14:hiddenLine xmlns:a14="http://schemas.microsoft.com/office/drawing/2010/main" w="9525">
+                <a:solidFill>
+                  <a:schemeClr val="tx1"/>
+                </a:solidFill>
+                <a:miter lim="800000"/>
+                <a:headEnd/>
+                <a:tailEnd/>
+              </a14:hiddenLine>
+            </a:ext>
+            <a:ext uri="{AF507438-7753-43E0-B8FC-AC1667EBCBE1}">
+              <a14:hiddenEffects xmlns:a14="http://schemas.microsoft.com/office/drawing/2010/main">
+                <a:effectLst>
+                  <a:outerShdw dist="35921" dir="2700000" algn="ctr" rotWithShape="0">
+                    <a:schemeClr val="bg2"/>
+                  </a:outerShdw>
+                </a:effectLst>
+              </a14:hiddenEffects>
+            </a:ext>
+          </a:extLst>
+        </p:spPr>
+        <p:txBody>
+          <a:bodyPr vert="horz" wrap="square" lIns="91440" tIns="45720" rIns="91440" bIns="45720" numCol="1" anchor="ctr" anchorCtr="0" compatLnSpc="1">
+            <a:prstTxWarp prst="textNoShape">
+              <a:avLst/>
+            </a:prstTxWarp>
+            <a:spAutoFit/>
+          </a:bodyPr>
+          <a:lstStyle/>
+          <a:p>
+            <a:pPr marL="0" marR="0" lvl="0" indent="0" algn="l" defTabSz="914400" rtl="0" eaLnBrk="0" fontAlgn="base" latinLnBrk="0" hangingPunct="0">
+              <a:lnSpc>
+                <a:spcPct val="100000"/>
+              </a:lnSpc>
+              <a:spcBef>
+                <a:spcPct val="0"/>
+              </a:spcBef>
+              <a:spcAft>
+                <a:spcPct val="0"/>
+              </a:spcAft>
+              <a:buClrTx/>
+              <a:buSzTx/>
+              <a:buFontTx/>
+              <a:buNone/>
+              <a:tabLst/>
+            </a:pPr>
+            <a:r>
+              <a:rPr kumimoji="0" lang="ko-KR" altLang="ko-KR" sz="1500" b="0" i="0" u="none" strike="noStrike" cap="none" normalizeH="0" baseline="0" smtClean="0">
+                <a:ln>
+                  <a:noFill/>
+                </a:ln>
+                <a:solidFill>
+                  <a:srgbClr val="CC7832"/>
+                </a:solidFill>
+                <a:effectLst/>
+                <a:latin typeface="Arial Unicode MS"/>
+                <a:ea typeface="JetBrains Mono"/>
+              </a:rPr>
+              <a:t>import </a:t>
+            </a:r>
+            <a:r>
+              <a:rPr kumimoji="0" lang="ko-KR" altLang="ko-KR" sz="1500" b="0" i="0" u="none" strike="noStrike" cap="none" normalizeH="0" baseline="0" smtClean="0">
+                <a:ln>
+                  <a:noFill/>
+                </a:ln>
+                <a:solidFill>
+                  <a:srgbClr val="A9B7C6"/>
+                </a:solidFill>
+                <a:effectLst/>
+                <a:latin typeface="Arial Unicode MS"/>
+                <a:ea typeface="JetBrains Mono"/>
+              </a:rPr>
+              <a:t>time</a:t>
+            </a:r>
+            <a:br>
+              <a:rPr kumimoji="0" lang="ko-KR" altLang="ko-KR" sz="1500" b="0" i="0" u="none" strike="noStrike" cap="none" normalizeH="0" baseline="0" smtClean="0">
+                <a:ln>
+                  <a:noFill/>
+                </a:ln>
+                <a:solidFill>
+                  <a:srgbClr val="A9B7C6"/>
+                </a:solidFill>
+                <a:effectLst/>
+                <a:latin typeface="Arial Unicode MS"/>
+                <a:ea typeface="JetBrains Mono"/>
+              </a:rPr>
+            </a:br>
+            <a:r>
+              <a:rPr kumimoji="0" lang="ko-KR" altLang="ko-KR" sz="1500" b="0" i="0" u="none" strike="noStrike" cap="none" normalizeH="0" baseline="0" smtClean="0">
+                <a:ln>
+                  <a:noFill/>
+                </a:ln>
+                <a:solidFill>
+                  <a:srgbClr val="A9B7C6"/>
+                </a:solidFill>
+                <a:effectLst/>
+                <a:latin typeface="Arial Unicode MS"/>
+                <a:ea typeface="JetBrains Mono"/>
+              </a:rPr>
+              <a:t/>
+            </a:r>
+            <a:br>
+              <a:rPr kumimoji="0" lang="ko-KR" altLang="ko-KR" sz="1500" b="0" i="0" u="none" strike="noStrike" cap="none" normalizeH="0" baseline="0" smtClean="0">
+                <a:ln>
+                  <a:noFill/>
+                </a:ln>
+                <a:solidFill>
+                  <a:srgbClr val="A9B7C6"/>
+                </a:solidFill>
+                <a:effectLst/>
+                <a:latin typeface="Arial Unicode MS"/>
+                <a:ea typeface="JetBrains Mono"/>
+              </a:rPr>
+            </a:br>
+            <a:r>
+              <a:rPr kumimoji="0" lang="ko-KR" altLang="ko-KR" sz="1500" b="0" i="0" u="none" strike="noStrike" cap="none" normalizeH="0" baseline="0" smtClean="0">
+                <a:ln>
+                  <a:noFill/>
+                </a:ln>
+                <a:solidFill>
+                  <a:srgbClr val="A9B7C6"/>
+                </a:solidFill>
+                <a:effectLst/>
+                <a:latin typeface="Arial Unicode MS"/>
+                <a:ea typeface="JetBrains Mono"/>
+              </a:rPr>
+              <a:t>playing = </a:t>
+            </a:r>
+            <a:r>
+              <a:rPr kumimoji="0" lang="ko-KR" altLang="ko-KR" sz="1500" b="0" i="0" u="none" strike="noStrike" cap="none" normalizeH="0" baseline="0" smtClean="0">
+                <a:ln>
+                  <a:noFill/>
+                </a:ln>
+                <a:solidFill>
+                  <a:srgbClr val="CC7832"/>
+                </a:solidFill>
+                <a:effectLst/>
+                <a:latin typeface="Arial Unicode MS"/>
+                <a:ea typeface="JetBrains Mono"/>
+              </a:rPr>
+              <a:t>True</a:t>
+            </a:r>
+            <a:br>
+              <a:rPr kumimoji="0" lang="ko-KR" altLang="ko-KR" sz="1500" b="0" i="0" u="none" strike="noStrike" cap="none" normalizeH="0" baseline="0" smtClean="0">
+                <a:ln>
+                  <a:noFill/>
+                </a:ln>
+                <a:solidFill>
+                  <a:srgbClr val="CC7832"/>
+                </a:solidFill>
+                <a:effectLst/>
+                <a:latin typeface="Arial Unicode MS"/>
+                <a:ea typeface="JetBrains Mono"/>
+              </a:rPr>
+            </a:br>
+            <a:r>
+              <a:rPr kumimoji="0" lang="ko-KR" altLang="ko-KR" sz="1500" b="0" i="0" u="none" strike="noStrike" cap="none" normalizeH="0" baseline="0" smtClean="0">
+                <a:ln>
+                  <a:noFill/>
+                </a:ln>
+                <a:solidFill>
+                  <a:srgbClr val="CC7832"/>
+                </a:solidFill>
+                <a:effectLst/>
+                <a:latin typeface="Arial Unicode MS"/>
+                <a:ea typeface="JetBrains Mono"/>
+              </a:rPr>
+              <a:t>while </a:t>
+            </a:r>
+            <a:r>
+              <a:rPr kumimoji="0" lang="ko-KR" altLang="ko-KR" sz="1500" b="0" i="0" u="none" strike="noStrike" cap="none" normalizeH="0" baseline="0" smtClean="0">
+                <a:ln>
+                  <a:noFill/>
+                </a:ln>
+                <a:solidFill>
+                  <a:srgbClr val="A9B7C6"/>
+                </a:solidFill>
+                <a:effectLst/>
+                <a:latin typeface="Arial Unicode MS"/>
+                <a:ea typeface="JetBrains Mono"/>
+              </a:rPr>
+              <a:t>playing:</a:t>
+            </a:r>
+            <a:br>
+              <a:rPr kumimoji="0" lang="ko-KR" altLang="ko-KR" sz="1500" b="0" i="0" u="none" strike="noStrike" cap="none" normalizeH="0" baseline="0" smtClean="0">
+                <a:ln>
+                  <a:noFill/>
+                </a:ln>
+                <a:solidFill>
+                  <a:srgbClr val="A9B7C6"/>
+                </a:solidFill>
+                <a:effectLst/>
+                <a:latin typeface="Arial Unicode MS"/>
+                <a:ea typeface="JetBrains Mono"/>
+              </a:rPr>
+            </a:br>
+            <a:r>
+              <a:rPr kumimoji="0" lang="ko-KR" altLang="ko-KR" sz="1500" b="0" i="0" u="none" strike="noStrike" cap="none" normalizeH="0" baseline="0" smtClean="0">
+                <a:ln>
+                  <a:noFill/>
+                </a:ln>
+                <a:solidFill>
+                  <a:srgbClr val="A9B7C6"/>
+                </a:solidFill>
+                <a:effectLst/>
+                <a:latin typeface="Arial Unicode MS"/>
+                <a:ea typeface="JetBrains Mono"/>
+              </a:rPr>
+              <a:t>    </a:t>
+            </a:r>
+            <a:r>
+              <a:rPr kumimoji="0" lang="ko-KR" altLang="ko-KR" sz="1500" b="0" i="0" u="none" strike="noStrike" cap="none" normalizeH="0" baseline="0" smtClean="0">
+                <a:ln>
+                  <a:noFill/>
+                </a:ln>
+                <a:solidFill>
+                  <a:srgbClr val="8888C6"/>
+                </a:solidFill>
+                <a:effectLst/>
+                <a:latin typeface="Arial Unicode MS"/>
+                <a:ea typeface="JetBrains Mono"/>
+              </a:rPr>
+              <a:t>print</a:t>
+            </a:r>
+            <a:r>
+              <a:rPr kumimoji="0" lang="ko-KR" altLang="ko-KR" sz="1500" b="0" i="0" u="none" strike="noStrike" cap="none" normalizeH="0" baseline="0" smtClean="0">
+                <a:ln>
+                  <a:noFill/>
+                </a:ln>
+                <a:solidFill>
+                  <a:srgbClr val="A9B7C6"/>
+                </a:solidFill>
+                <a:effectLst/>
+                <a:latin typeface="Arial Unicode MS"/>
+                <a:ea typeface="JetBrains Mono"/>
+              </a:rPr>
+              <a:t>(</a:t>
+            </a:r>
+            <a:r>
+              <a:rPr kumimoji="0" lang="ko-KR" altLang="ko-KR" sz="1500" b="0" i="0" u="none" strike="noStrike" cap="none" normalizeH="0" baseline="0" smtClean="0">
+                <a:ln>
+                  <a:noFill/>
+                </a:ln>
+                <a:solidFill>
+                  <a:srgbClr val="6A8759"/>
+                </a:solidFill>
+                <a:effectLst/>
+                <a:latin typeface="Arial Unicode MS"/>
+                <a:ea typeface="JetBrains Mono"/>
+              </a:rPr>
+              <a:t>'</a:t>
+            </a:r>
+            <a:r>
+              <a:rPr kumimoji="0" lang="ko-KR" altLang="ko-KR" sz="1500" b="0" i="0" u="none" strike="noStrike" cap="none" normalizeH="0" baseline="0" smtClean="0">
+                <a:ln>
+                  <a:noFill/>
+                </a:ln>
+                <a:solidFill>
+                  <a:srgbClr val="6A8759"/>
+                </a:solidFill>
+                <a:effectLst/>
+                <a:latin typeface="맑은 고딕" panose="020B0503020000020004" pitchFamily="50" charset="-127"/>
+                <a:ea typeface="맑은 고딕" panose="020B0503020000020004" pitchFamily="50" charset="-127"/>
+              </a:rPr>
+              <a:t>프로그램이 실행중이다</a:t>
+            </a:r>
+            <a:r>
+              <a:rPr kumimoji="0" lang="ko-KR" altLang="ko-KR" sz="1500" b="0" i="0" u="none" strike="noStrike" cap="none" normalizeH="0" baseline="0" smtClean="0">
+                <a:ln>
+                  <a:noFill/>
+                </a:ln>
+                <a:solidFill>
+                  <a:srgbClr val="6A8759"/>
+                </a:solidFill>
+                <a:effectLst/>
+                <a:latin typeface="Arial Unicode MS"/>
+                <a:ea typeface="JetBrains Mono"/>
+              </a:rPr>
+              <a:t>.'</a:t>
+            </a:r>
+            <a:r>
+              <a:rPr kumimoji="0" lang="ko-KR" altLang="ko-KR" sz="1500" b="0" i="0" u="none" strike="noStrike" cap="none" normalizeH="0" baseline="0" smtClean="0">
+                <a:ln>
+                  <a:noFill/>
+                </a:ln>
+                <a:solidFill>
+                  <a:srgbClr val="A9B7C6"/>
+                </a:solidFill>
+                <a:effectLst/>
+                <a:latin typeface="Arial Unicode MS"/>
+                <a:ea typeface="JetBrains Mono"/>
+              </a:rPr>
+              <a:t>)</a:t>
+            </a:r>
+            <a:br>
+              <a:rPr kumimoji="0" lang="ko-KR" altLang="ko-KR" sz="1500" b="0" i="0" u="none" strike="noStrike" cap="none" normalizeH="0" baseline="0" smtClean="0">
+                <a:ln>
+                  <a:noFill/>
+                </a:ln>
+                <a:solidFill>
+                  <a:srgbClr val="A9B7C6"/>
+                </a:solidFill>
+                <a:effectLst/>
+                <a:latin typeface="Arial Unicode MS"/>
+                <a:ea typeface="JetBrains Mono"/>
+              </a:rPr>
+            </a:br>
+            <a:r>
+              <a:rPr kumimoji="0" lang="ko-KR" altLang="ko-KR" sz="1500" b="0" i="0" u="none" strike="noStrike" cap="none" normalizeH="0" baseline="0" smtClean="0">
+                <a:ln>
+                  <a:noFill/>
+                </a:ln>
+                <a:solidFill>
+                  <a:srgbClr val="A9B7C6"/>
+                </a:solidFill>
+                <a:effectLst/>
+                <a:latin typeface="Arial Unicode MS"/>
+                <a:ea typeface="JetBrains Mono"/>
+              </a:rPr>
+              <a:t>    time.sleep(</a:t>
+            </a:r>
+            <a:r>
+              <a:rPr kumimoji="0" lang="ko-KR" altLang="ko-KR" sz="1500" b="0" i="0" u="none" strike="noStrike" cap="none" normalizeH="0" baseline="0" smtClean="0">
+                <a:ln>
+                  <a:noFill/>
+                </a:ln>
+                <a:solidFill>
+                  <a:srgbClr val="6897BB"/>
+                </a:solidFill>
+                <a:effectLst/>
+                <a:latin typeface="Arial Unicode MS"/>
+                <a:ea typeface="JetBrains Mono"/>
+              </a:rPr>
+              <a:t>1</a:t>
+            </a:r>
+            <a:r>
+              <a:rPr kumimoji="0" lang="ko-KR" altLang="ko-KR" sz="1500" b="0" i="0" u="none" strike="noStrike" cap="none" normalizeH="0" baseline="0" smtClean="0">
+                <a:ln>
+                  <a:noFill/>
+                </a:ln>
+                <a:solidFill>
+                  <a:srgbClr val="A9B7C6"/>
+                </a:solidFill>
+                <a:effectLst/>
+                <a:latin typeface="Arial Unicode MS"/>
+                <a:ea typeface="JetBrains Mono"/>
+              </a:rPr>
+              <a:t>)</a:t>
+            </a:r>
+            <a:br>
+              <a:rPr kumimoji="0" lang="ko-KR" altLang="ko-KR" sz="1500" b="0" i="0" u="none" strike="noStrike" cap="none" normalizeH="0" baseline="0" smtClean="0">
+                <a:ln>
+                  <a:noFill/>
+                </a:ln>
+                <a:solidFill>
+                  <a:srgbClr val="A9B7C6"/>
+                </a:solidFill>
+                <a:effectLst/>
+                <a:latin typeface="Arial Unicode MS"/>
+                <a:ea typeface="JetBrains Mono"/>
+              </a:rPr>
+            </a:br>
+            <a:r>
+              <a:rPr kumimoji="0" lang="ko-KR" altLang="ko-KR" sz="1500" b="0" i="0" u="none" strike="noStrike" cap="none" normalizeH="0" baseline="0" smtClean="0">
+                <a:ln>
+                  <a:noFill/>
+                </a:ln>
+                <a:solidFill>
+                  <a:srgbClr val="A9B7C6"/>
+                </a:solidFill>
+                <a:effectLst/>
+                <a:latin typeface="Arial Unicode MS"/>
+                <a:ea typeface="JetBrains Mono"/>
+              </a:rPr>
+              <a:t>    a = </a:t>
+            </a:r>
+            <a:r>
+              <a:rPr kumimoji="0" lang="ko-KR" altLang="ko-KR" sz="1500" b="0" i="0" u="none" strike="noStrike" cap="none" normalizeH="0" baseline="0" smtClean="0">
+                <a:ln>
+                  <a:noFill/>
+                </a:ln>
+                <a:solidFill>
+                  <a:srgbClr val="8888C6"/>
+                </a:solidFill>
+                <a:effectLst/>
+                <a:latin typeface="Arial Unicode MS"/>
+                <a:ea typeface="JetBrains Mono"/>
+              </a:rPr>
+              <a:t>input</a:t>
+            </a:r>
+            <a:r>
+              <a:rPr kumimoji="0" lang="ko-KR" altLang="ko-KR" sz="1500" b="0" i="0" u="none" strike="noStrike" cap="none" normalizeH="0" baseline="0" smtClean="0">
+                <a:ln>
+                  <a:noFill/>
+                </a:ln>
+                <a:solidFill>
+                  <a:srgbClr val="A9B7C6"/>
+                </a:solidFill>
+                <a:effectLst/>
+                <a:latin typeface="Arial Unicode MS"/>
+                <a:ea typeface="JetBrains Mono"/>
+              </a:rPr>
+              <a:t>(</a:t>
+            </a:r>
+            <a:r>
+              <a:rPr kumimoji="0" lang="ko-KR" altLang="ko-KR" sz="1500" b="0" i="0" u="none" strike="noStrike" cap="none" normalizeH="0" baseline="0" smtClean="0">
+                <a:ln>
+                  <a:noFill/>
+                </a:ln>
+                <a:solidFill>
+                  <a:srgbClr val="6A8759"/>
+                </a:solidFill>
+                <a:effectLst/>
+                <a:latin typeface="Arial Unicode MS"/>
+                <a:ea typeface="JetBrains Mono"/>
+              </a:rPr>
+              <a:t>'</a:t>
+            </a:r>
+            <a:r>
+              <a:rPr kumimoji="0" lang="ko-KR" altLang="ko-KR" sz="1500" b="0" i="0" u="none" strike="noStrike" cap="none" normalizeH="0" baseline="0" smtClean="0">
+                <a:ln>
+                  <a:noFill/>
+                </a:ln>
+                <a:solidFill>
+                  <a:srgbClr val="6A8759"/>
+                </a:solidFill>
+                <a:effectLst/>
+                <a:latin typeface="맑은 고딕" panose="020B0503020000020004" pitchFamily="50" charset="-127"/>
+                <a:ea typeface="맑은 고딕" panose="020B0503020000020004" pitchFamily="50" charset="-127"/>
+              </a:rPr>
+              <a:t>프로그램을 종료할까요</a:t>
+            </a:r>
+            <a:r>
+              <a:rPr kumimoji="0" lang="ko-KR" altLang="ko-KR" sz="1500" b="0" i="0" u="none" strike="noStrike" cap="none" normalizeH="0" baseline="0" smtClean="0">
+                <a:ln>
+                  <a:noFill/>
+                </a:ln>
+                <a:solidFill>
+                  <a:srgbClr val="6A8759"/>
+                </a:solidFill>
+                <a:effectLst/>
+                <a:latin typeface="Arial Unicode MS"/>
+                <a:ea typeface="JetBrains Mono"/>
+              </a:rPr>
+              <a:t>?[y/n]'</a:t>
+            </a:r>
+            <a:r>
+              <a:rPr kumimoji="0" lang="ko-KR" altLang="ko-KR" sz="1500" b="0" i="0" u="none" strike="noStrike" cap="none" normalizeH="0" baseline="0" smtClean="0">
+                <a:ln>
+                  <a:noFill/>
+                </a:ln>
+                <a:solidFill>
+                  <a:srgbClr val="A9B7C6"/>
+                </a:solidFill>
+                <a:effectLst/>
+                <a:latin typeface="Arial Unicode MS"/>
+                <a:ea typeface="JetBrains Mono"/>
+              </a:rPr>
+              <a:t>)</a:t>
+            </a:r>
+            <a:br>
+              <a:rPr kumimoji="0" lang="ko-KR" altLang="ko-KR" sz="1500" b="0" i="0" u="none" strike="noStrike" cap="none" normalizeH="0" baseline="0" smtClean="0">
+                <a:ln>
+                  <a:noFill/>
+                </a:ln>
+                <a:solidFill>
+                  <a:srgbClr val="A9B7C6"/>
+                </a:solidFill>
+                <a:effectLst/>
+                <a:latin typeface="Arial Unicode MS"/>
+                <a:ea typeface="JetBrains Mono"/>
+              </a:rPr>
+            </a:br>
+            <a:r>
+              <a:rPr kumimoji="0" lang="ko-KR" altLang="ko-KR" sz="1500" b="0" i="0" u="none" strike="noStrike" cap="none" normalizeH="0" baseline="0" smtClean="0">
+                <a:ln>
+                  <a:noFill/>
+                </a:ln>
+                <a:solidFill>
+                  <a:srgbClr val="A9B7C6"/>
+                </a:solidFill>
+                <a:effectLst/>
+                <a:latin typeface="Arial Unicode MS"/>
+                <a:ea typeface="JetBrains Mono"/>
+              </a:rPr>
+              <a:t>    </a:t>
+            </a:r>
+            <a:r>
+              <a:rPr kumimoji="0" lang="ko-KR" altLang="ko-KR" sz="1500" b="0" i="0" u="none" strike="noStrike" cap="none" normalizeH="0" baseline="0" smtClean="0">
+                <a:ln>
+                  <a:noFill/>
+                </a:ln>
+                <a:solidFill>
+                  <a:srgbClr val="CC7832"/>
+                </a:solidFill>
+                <a:effectLst/>
+                <a:latin typeface="Arial Unicode MS"/>
+                <a:ea typeface="JetBrains Mono"/>
+              </a:rPr>
+              <a:t>if </a:t>
+            </a:r>
+            <a:r>
+              <a:rPr kumimoji="0" lang="ko-KR" altLang="ko-KR" sz="1500" b="0" i="0" u="none" strike="noStrike" cap="none" normalizeH="0" baseline="0" smtClean="0">
+                <a:ln>
+                  <a:noFill/>
+                </a:ln>
+                <a:solidFill>
+                  <a:srgbClr val="A9B7C6"/>
+                </a:solidFill>
+                <a:effectLst/>
+                <a:latin typeface="Arial Unicode MS"/>
+                <a:ea typeface="JetBrains Mono"/>
+              </a:rPr>
+              <a:t>a == </a:t>
+            </a:r>
+            <a:r>
+              <a:rPr kumimoji="0" lang="ko-KR" altLang="ko-KR" sz="1500" b="0" i="0" u="none" strike="noStrike" cap="none" normalizeH="0" baseline="0" smtClean="0">
+                <a:ln>
+                  <a:noFill/>
+                </a:ln>
+                <a:solidFill>
+                  <a:srgbClr val="6A8759"/>
+                </a:solidFill>
+                <a:effectLst/>
+                <a:latin typeface="Arial Unicode MS"/>
+                <a:ea typeface="JetBrains Mono"/>
+              </a:rPr>
+              <a:t>'y'</a:t>
+            </a:r>
+            <a:r>
+              <a:rPr kumimoji="0" lang="ko-KR" altLang="ko-KR" sz="1500" b="0" i="0" u="none" strike="noStrike" cap="none" normalizeH="0" baseline="0" smtClean="0">
+                <a:ln>
+                  <a:noFill/>
+                </a:ln>
+                <a:solidFill>
+                  <a:srgbClr val="A9B7C6"/>
+                </a:solidFill>
+                <a:effectLst/>
+                <a:latin typeface="Arial Unicode MS"/>
+                <a:ea typeface="JetBrains Mono"/>
+              </a:rPr>
+              <a:t>:</a:t>
+            </a:r>
+            <a:br>
+              <a:rPr kumimoji="0" lang="ko-KR" altLang="ko-KR" sz="1500" b="0" i="0" u="none" strike="noStrike" cap="none" normalizeH="0" baseline="0" smtClean="0">
+                <a:ln>
+                  <a:noFill/>
+                </a:ln>
+                <a:solidFill>
+                  <a:srgbClr val="A9B7C6"/>
+                </a:solidFill>
+                <a:effectLst/>
+                <a:latin typeface="Arial Unicode MS"/>
+                <a:ea typeface="JetBrains Mono"/>
+              </a:rPr>
+            </a:br>
+            <a:r>
+              <a:rPr kumimoji="0" lang="ko-KR" altLang="ko-KR" sz="1500" b="0" i="0" u="none" strike="noStrike" cap="none" normalizeH="0" baseline="0" smtClean="0">
+                <a:ln>
+                  <a:noFill/>
+                </a:ln>
+                <a:solidFill>
+                  <a:srgbClr val="A9B7C6"/>
+                </a:solidFill>
+                <a:effectLst/>
+                <a:latin typeface="Arial Unicode MS"/>
+                <a:ea typeface="JetBrains Mono"/>
+              </a:rPr>
+              <a:t>        playing = </a:t>
+            </a:r>
+            <a:r>
+              <a:rPr kumimoji="0" lang="ko-KR" altLang="ko-KR" sz="1500" b="0" i="0" u="none" strike="noStrike" cap="none" normalizeH="0" baseline="0" smtClean="0">
+                <a:ln>
+                  <a:noFill/>
+                </a:ln>
+                <a:solidFill>
+                  <a:srgbClr val="CC7832"/>
+                </a:solidFill>
+                <a:effectLst/>
+                <a:latin typeface="Arial Unicode MS"/>
+                <a:ea typeface="JetBrains Mono"/>
+              </a:rPr>
+              <a:t>False</a:t>
+            </a:r>
+            <a:br>
+              <a:rPr kumimoji="0" lang="ko-KR" altLang="ko-KR" sz="1500" b="0" i="0" u="none" strike="noStrike" cap="none" normalizeH="0" baseline="0" smtClean="0">
+                <a:ln>
+                  <a:noFill/>
+                </a:ln>
+                <a:solidFill>
+                  <a:srgbClr val="CC7832"/>
+                </a:solidFill>
+                <a:effectLst/>
+                <a:latin typeface="Arial Unicode MS"/>
+                <a:ea typeface="JetBrains Mono"/>
+              </a:rPr>
+            </a:br>
+            <a:r>
+              <a:rPr kumimoji="0" lang="ko-KR" altLang="ko-KR" sz="1500" b="0" i="0" u="none" strike="noStrike" cap="none" normalizeH="0" baseline="0" smtClean="0">
+                <a:ln>
+                  <a:noFill/>
+                </a:ln>
+                <a:solidFill>
+                  <a:srgbClr val="CC7832"/>
+                </a:solidFill>
+                <a:effectLst/>
+                <a:latin typeface="Arial Unicode MS"/>
+                <a:ea typeface="JetBrains Mono"/>
+              </a:rPr>
+              <a:t>    else</a:t>
+            </a:r>
+            <a:r>
+              <a:rPr kumimoji="0" lang="ko-KR" altLang="ko-KR" sz="1500" b="0" i="0" u="none" strike="noStrike" cap="none" normalizeH="0" baseline="0" smtClean="0">
+                <a:ln>
+                  <a:noFill/>
+                </a:ln>
+                <a:solidFill>
+                  <a:srgbClr val="A9B7C6"/>
+                </a:solidFill>
+                <a:effectLst/>
+                <a:latin typeface="Arial Unicode MS"/>
+                <a:ea typeface="JetBrains Mono"/>
+              </a:rPr>
+              <a:t>:</a:t>
+            </a:r>
+            <a:br>
+              <a:rPr kumimoji="0" lang="ko-KR" altLang="ko-KR" sz="1500" b="0" i="0" u="none" strike="noStrike" cap="none" normalizeH="0" baseline="0" smtClean="0">
+                <a:ln>
+                  <a:noFill/>
+                </a:ln>
+                <a:solidFill>
+                  <a:srgbClr val="A9B7C6"/>
+                </a:solidFill>
+                <a:effectLst/>
+                <a:latin typeface="Arial Unicode MS"/>
+                <a:ea typeface="JetBrains Mono"/>
+              </a:rPr>
+            </a:br>
+            <a:r>
+              <a:rPr kumimoji="0" lang="ko-KR" altLang="ko-KR" sz="1500" b="0" i="0" u="none" strike="noStrike" cap="none" normalizeH="0" baseline="0" smtClean="0">
+                <a:ln>
+                  <a:noFill/>
+                </a:ln>
+                <a:solidFill>
+                  <a:srgbClr val="A9B7C6"/>
+                </a:solidFill>
+                <a:effectLst/>
+                <a:latin typeface="Arial Unicode MS"/>
+                <a:ea typeface="JetBrains Mono"/>
+              </a:rPr>
+              <a:t>        playgin = </a:t>
+            </a:r>
+            <a:r>
+              <a:rPr kumimoji="0" lang="ko-KR" altLang="ko-KR" sz="1500" b="0" i="0" u="none" strike="noStrike" cap="none" normalizeH="0" baseline="0" smtClean="0">
+                <a:ln>
+                  <a:noFill/>
+                </a:ln>
+                <a:solidFill>
+                  <a:srgbClr val="CC7832"/>
+                </a:solidFill>
+                <a:effectLst/>
+                <a:latin typeface="Arial Unicode MS"/>
+                <a:ea typeface="JetBrains Mono"/>
+              </a:rPr>
+              <a:t>True</a:t>
+            </a:r>
+            <a:br>
+              <a:rPr kumimoji="0" lang="ko-KR" altLang="ko-KR" sz="1500" b="0" i="0" u="none" strike="noStrike" cap="none" normalizeH="0" baseline="0" smtClean="0">
+                <a:ln>
+                  <a:noFill/>
+                </a:ln>
+                <a:solidFill>
+                  <a:srgbClr val="CC7832"/>
+                </a:solidFill>
+                <a:effectLst/>
+                <a:latin typeface="Arial Unicode MS"/>
+                <a:ea typeface="JetBrains Mono"/>
+              </a:rPr>
+            </a:br>
+            <a:r>
+              <a:rPr kumimoji="0" lang="ko-KR" altLang="ko-KR" sz="1500" b="0" i="0" u="none" strike="noStrike" cap="none" normalizeH="0" baseline="0" smtClean="0">
+                <a:ln>
+                  <a:noFill/>
+                </a:ln>
+                <a:solidFill>
+                  <a:srgbClr val="8888C6"/>
+                </a:solidFill>
+                <a:effectLst/>
+                <a:latin typeface="Arial Unicode MS"/>
+                <a:ea typeface="JetBrains Mono"/>
+              </a:rPr>
+              <a:t>print</a:t>
+            </a:r>
+            <a:r>
+              <a:rPr kumimoji="0" lang="ko-KR" altLang="ko-KR" sz="1500" b="0" i="0" u="none" strike="noStrike" cap="none" normalizeH="0" baseline="0" smtClean="0">
+                <a:ln>
+                  <a:noFill/>
+                </a:ln>
+                <a:solidFill>
+                  <a:srgbClr val="A9B7C6"/>
+                </a:solidFill>
+                <a:effectLst/>
+                <a:latin typeface="Arial Unicode MS"/>
+                <a:ea typeface="JetBrains Mono"/>
+              </a:rPr>
+              <a:t>(</a:t>
+            </a:r>
+            <a:r>
+              <a:rPr kumimoji="0" lang="ko-KR" altLang="ko-KR" sz="1500" b="0" i="0" u="none" strike="noStrike" cap="none" normalizeH="0" baseline="0" smtClean="0">
+                <a:ln>
+                  <a:noFill/>
+                </a:ln>
+                <a:solidFill>
+                  <a:srgbClr val="6A8759"/>
+                </a:solidFill>
+                <a:effectLst/>
+                <a:latin typeface="Arial Unicode MS"/>
+                <a:ea typeface="JetBrains Mono"/>
+              </a:rPr>
+              <a:t>'</a:t>
+            </a:r>
+            <a:r>
+              <a:rPr kumimoji="0" lang="ko-KR" altLang="ko-KR" sz="1500" b="0" i="0" u="none" strike="noStrike" cap="none" normalizeH="0" baseline="0" smtClean="0">
+                <a:ln>
+                  <a:noFill/>
+                </a:ln>
+                <a:solidFill>
+                  <a:srgbClr val="6A8759"/>
+                </a:solidFill>
+                <a:effectLst/>
+                <a:latin typeface="맑은 고딕" panose="020B0503020000020004" pitchFamily="50" charset="-127"/>
+                <a:ea typeface="맑은 고딕" panose="020B0503020000020004" pitchFamily="50" charset="-127"/>
+              </a:rPr>
+              <a:t>프로그램을 종료합니다</a:t>
+            </a:r>
+            <a:r>
+              <a:rPr kumimoji="0" lang="ko-KR" altLang="ko-KR" sz="1500" b="0" i="0" u="none" strike="noStrike" cap="none" normalizeH="0" baseline="0" smtClean="0">
+                <a:ln>
+                  <a:noFill/>
+                </a:ln>
+                <a:solidFill>
+                  <a:srgbClr val="6A8759"/>
+                </a:solidFill>
+                <a:effectLst/>
+                <a:latin typeface="Arial Unicode MS"/>
+                <a:ea typeface="JetBrains Mono"/>
+              </a:rPr>
+              <a:t>.'</a:t>
+            </a:r>
+            <a:r>
+              <a:rPr kumimoji="0" lang="ko-KR" altLang="ko-KR" sz="1500" b="0" i="0" u="none" strike="noStrike" cap="none" normalizeH="0" baseline="0" smtClean="0">
+                <a:ln>
+                  <a:noFill/>
+                </a:ln>
+                <a:solidFill>
+                  <a:srgbClr val="A9B7C6"/>
+                </a:solidFill>
+                <a:effectLst/>
+                <a:latin typeface="Arial Unicode MS"/>
+                <a:ea typeface="JetBrains Mono"/>
+              </a:rPr>
+              <a:t>)</a:t>
+            </a:r>
+            <a:endParaRPr kumimoji="0" lang="ko-KR" altLang="ko-KR" sz="1800" b="0" i="0" u="none" strike="noStrike" cap="none" normalizeH="0" baseline="0" smtClean="0">
+              <a:ln>
+                <a:noFill/>
+              </a:ln>
+              <a:solidFill>
+                <a:schemeClr val="tx1"/>
+              </a:solidFill>
+              <a:effectLst/>
+              <a:latin typeface="Arial" panose="020B0604020202020204" pitchFamily="34" charset="0"/>
+            </a:endParaRPr>
+          </a:p>
+        </p:txBody>
+      </p:sp>
+    </p:spTree>
+    <p:extLst>
+      <p:ext uri="{BB962C8B-B14F-4D97-AF65-F5344CB8AC3E}">
+        <p14:creationId xmlns:p14="http://schemas.microsoft.com/office/powerpoint/2010/main" val="2049081211"/>
+      </p:ext>
+    </p:extLst>
+  </p:cSld>
+  <p:clrMapOvr>
+    <a:masterClrMapping/>
+  </p:clrMapOvr>
+</p:sld>
+</file>
+
+<file path=ppt/slides/slide8.xml><?xml version="1.0" encoding="utf-8"?>
+<p:sld xmlns:a="http://schemas.openxmlformats.org/drawingml/2006/main" xmlns:r="http://schemas.openxmlformats.org/officeDocument/2006/relationships" xmlns:p="http://schemas.openxmlformats.org/presentationml/2006/main">
+  <p:cSld>
+    <p:spTree>
+      <p:nvGrpSpPr>
+        <p:cNvPr id="1" name=""/>
+        <p:cNvGrpSpPr/>
+        <p:nvPr/>
+      </p:nvGrpSpPr>
+      <p:grpSpPr>
+        <a:xfrm>
+          <a:off x="0" y="0"/>
+          <a:ext cx="0" cy="0"/>
+          <a:chOff x="0" y="0"/>
+          <a:chExt cx="0" cy="0"/>
+        </a:xfrm>
+      </p:grpSpPr>
+      <p:sp>
+        <p:nvSpPr>
+          <p:cNvPr id="2" name="제목 1"/>
+          <p:cNvSpPr>
+            <a:spLocks noGrp="1"/>
+          </p:cNvSpPr>
+          <p:nvPr>
+            <p:ph type="title"/>
+          </p:nvPr>
+        </p:nvSpPr>
+        <p:spPr/>
+        <p:txBody>
+          <a:bodyPr/>
+          <a:lstStyle/>
+          <a:p>
             <a:pPr lvl="0">
               <a:defRPr/>
             </a:pPr>
@@ -5921,7 +9405,11 @@
             </a:r>
             <a:r>
               <a:rPr lang="ko-KR" altLang="en-US" dirty="0" smtClean="0"/>
-              <a:t> 사용해서 구구단을 출력해 보세요</a:t>
+              <a:t> </a:t>
+            </a:r>
+            <a:r>
+              <a:rPr lang="ko-KR" altLang="en-US" dirty="0" smtClean="0"/>
+              <a:t>사용해서 구구단을 출력해 보세요</a:t>
             </a:r>
             <a:r>
               <a:rPr lang="en-US" altLang="ko-KR" dirty="0" smtClean="0"/>
@@ -5936,34 +9424,80 @@
             <a:endParaRPr lang="en-US" altLang="ko-KR" dirty="0"/>
           </a:p>
           <a:p>
-            <a:pPr marL="0" indent="0">
-              <a:buNone/>
+            <a:pPr marL="457200" indent="-457200">
+              <a:buAutoNum type="arabicPeriod" startAt="2"/>
               <a:defRPr/>
             </a:pPr>
             <a:r>
-              <a:rPr lang="en-US" altLang="ko-KR" dirty="0" smtClean="0"/>
-              <a:t>2.  </a:t>
-            </a:r>
-            <a:r>
               <a:rPr lang="ko-KR" altLang="en-US" dirty="0" err="1" smtClean="0"/>
               <a:t>반복문을</a:t>
             </a:r>
             <a:r>
               <a:rPr lang="ko-KR" altLang="en-US" dirty="0" smtClean="0"/>
-              <a:t> 사용해서 숫자를 여러 개 입력 받으면 </a:t>
+              <a:t> </a:t>
+            </a:r>
+            <a:r>
+              <a:rPr lang="ko-KR" altLang="en-US" dirty="0" smtClean="0"/>
+              <a:t>사용해서 숫자를 여러 개 입력 받으면 </a:t>
             </a:r>
             <a:r>
               <a:rPr lang="ko-KR" altLang="en-US" dirty="0" err="1" smtClean="0"/>
-              <a:t>숫자갯수만큼</a:t>
+              <a:t>숫자갯수</a:t>
             </a:r>
             <a:r>
               <a:rPr lang="ko-KR" altLang="en-US" dirty="0" smtClean="0"/>
-              <a:t> 하트를 출력해 보세요</a:t>
+              <a:t> 만큼 </a:t>
+            </a:r>
+            <a:r>
+              <a:rPr lang="ko-KR" altLang="en-US" dirty="0" smtClean="0"/>
+              <a:t>하트를 출력해 보세요</a:t>
             </a:r>
             <a:r>
               <a:rPr lang="en-US" altLang="ko-KR" dirty="0" smtClean="0"/>
               <a:t>.</a:t>
             </a:r>
+          </a:p>
+          <a:p>
+            <a:pPr marL="457200" indent="-457200">
+              <a:buAutoNum type="arabicPeriod" startAt="2"/>
+              <a:defRPr/>
+            </a:pPr>
+            <a:endParaRPr lang="en-US" altLang="ko-KR" dirty="0"/>
+          </a:p>
+          <a:p>
+            <a:pPr marL="457200" indent="-457200">
+              <a:buAutoNum type="arabicPeriod" startAt="2"/>
+              <a:defRPr/>
+            </a:pPr>
+            <a:r>
+              <a:rPr lang="en-US" altLang="ko-KR" dirty="0" smtClean="0"/>
+              <a:t>While </a:t>
+            </a:r>
+            <a:r>
+              <a:rPr lang="ko-KR" altLang="en-US" dirty="0" smtClean="0"/>
+              <a:t>문에서 </a:t>
+            </a:r>
+            <a:r>
+              <a:rPr lang="en-US" altLang="ko-KR" dirty="0" smtClean="0"/>
+              <a:t>break </a:t>
+            </a:r>
+            <a:r>
+              <a:rPr lang="ko-KR" altLang="en-US" dirty="0" smtClean="0"/>
+              <a:t>와 </a:t>
+            </a:r>
+            <a:r>
+              <a:rPr lang="en-US" altLang="ko-KR" dirty="0" smtClean="0"/>
+              <a:t>continue </a:t>
+            </a:r>
+            <a:r>
+              <a:rPr lang="ko-KR" altLang="en-US" dirty="0" smtClean="0"/>
+              <a:t>를 사용해서 프로그램을 만들어 보세요</a:t>
+            </a:r>
+            <a:r>
+              <a:rPr lang="en-US" altLang="ko-KR" dirty="0" smtClean="0"/>
+              <a:t>.</a:t>
+            </a:r>
+            <a:endParaRPr lang="en-US" altLang="ko-KR" dirty="0" smtClean="0"/>
           </a:p>
           <a:p>
             <a:pPr marL="0" indent="0">
@@ -5971,25 +9505,6 @@
               <a:defRPr/>
             </a:pPr>
             <a:endParaRPr lang="en-US" altLang="ko-KR" dirty="0"/>
-          </a:p>
-          <a:p>
-            <a:pPr marL="0" indent="0">
-              <a:buNone/>
-              <a:defRPr/>
-            </a:pPr>
-            <a:r>
-              <a:rPr lang="en-US" altLang="ko-KR" dirty="0" smtClean="0"/>
-              <a:t>3.  </a:t>
-            </a:r>
-            <a:r>
-              <a:rPr lang="ko-KR" altLang="en-US" dirty="0" err="1" smtClean="0"/>
-              <a:t>반복문을</a:t>
-            </a:r>
-            <a:r>
-              <a:rPr lang="ko-KR" altLang="en-US" dirty="0" smtClean="0"/>
-              <a:t> 사용해서 </a:t>
-            </a:r>
-            <a:endParaRPr lang="en-US" altLang="ko-KR" dirty="0" smtClean="0"/>
           </a:p>
         </p:txBody>
       </p:sp>
@@ -6002,7 +9517,7 @@
     <mc:Choice Requires="p14">
       <p:transition/>
     </mc:Choice>
-    <mc:Fallback xmlns:dsp="http://schemas.microsoft.com/office/drawing/2008/diagram" xmlns:dgm="http://schemas.openxmlformats.org/drawingml/2006/diagram" xmlns:c="http://schemas.openxmlformats.org/drawingml/2006/chart" xmlns="">
+    <mc:Fallback xmlns="" xmlns:c="http://schemas.openxmlformats.org/drawingml/2006/chart" xmlns:dgm="http://schemas.openxmlformats.org/drawingml/2006/diagram" xmlns:dsp="http://schemas.microsoft.com/office/drawing/2008/diagram">
       <p:transition/>
     </mc:Fallback>
   </mc:AlternateContent>

--- a/textbook/파이썬3-2교시.pptx
+++ b/textbook/파이썬3-2교시.pptx
@@ -269,7 +269,7 @@
           <a:p>
             <a:fld id="{3575F28B-E03B-4F00-AA56-A8AF97DAF43F}" type="datetimeFigureOut">
               <a:rPr lang="ko-KR" altLang="en-US" smtClean="0"/>
-              <a:t>2021-05-12</a:t>
+              <a:t>2021-05-15</a:t>
             </a:fld>
             <a:endParaRPr lang="ko-KR" altLang="en-US"/>
           </a:p>
@@ -511,7 +511,7 @@
           <a:p>
             <a:fld id="{3575F28B-E03B-4F00-AA56-A8AF97DAF43F}" type="datetimeFigureOut">
               <a:rPr lang="ko-KR" altLang="en-US" smtClean="0"/>
-              <a:t>2021-05-12</a:t>
+              <a:t>2021-05-15</a:t>
             </a:fld>
             <a:endParaRPr lang="ko-KR" altLang="en-US"/>
           </a:p>
@@ -695,7 +695,7 @@
           <a:p>
             <a:fld id="{3575F28B-E03B-4F00-AA56-A8AF97DAF43F}" type="datetimeFigureOut">
               <a:rPr lang="ko-KR" altLang="en-US" smtClean="0"/>
-              <a:t>2021-05-12</a:t>
+              <a:t>2021-05-15</a:t>
             </a:fld>
             <a:endParaRPr lang="ko-KR" altLang="en-US"/>
           </a:p>
@@ -896,7 +896,7 @@
           <a:p>
             <a:fld id="{3575F28B-E03B-4F00-AA56-A8AF97DAF43F}" type="datetimeFigureOut">
               <a:rPr lang="ko-KR" altLang="en-US" smtClean="0"/>
-              <a:t>2021-05-12</a:t>
+              <a:t>2021-05-15</a:t>
             </a:fld>
             <a:endParaRPr lang="ko-KR" altLang="en-US"/>
           </a:p>
@@ -1175,7 +1175,7 @@
           <a:p>
             <a:fld id="{3575F28B-E03B-4F00-AA56-A8AF97DAF43F}" type="datetimeFigureOut">
               <a:rPr lang="ko-KR" altLang="en-US" smtClean="0"/>
-              <a:t>2021-05-12</a:t>
+              <a:t>2021-05-15</a:t>
             </a:fld>
             <a:endParaRPr lang="ko-KR" altLang="en-US"/>
           </a:p>
@@ -1443,7 +1443,7 @@
           <a:p>
             <a:fld id="{3575F28B-E03B-4F00-AA56-A8AF97DAF43F}" type="datetimeFigureOut">
               <a:rPr lang="ko-KR" altLang="en-US" smtClean="0"/>
-              <a:t>2021-05-12</a:t>
+              <a:t>2021-05-15</a:t>
             </a:fld>
             <a:endParaRPr lang="ko-KR" altLang="en-US"/>
           </a:p>
@@ -1890,7 +1890,7 @@
           <a:p>
             <a:fld id="{3575F28B-E03B-4F00-AA56-A8AF97DAF43F}" type="datetimeFigureOut">
               <a:rPr lang="ko-KR" altLang="en-US" smtClean="0"/>
-              <a:t>2021-05-12</a:t>
+              <a:t>2021-05-15</a:t>
             </a:fld>
             <a:endParaRPr lang="ko-KR" altLang="en-US"/>
           </a:p>
@@ -2039,7 +2039,7 @@
           <a:p>
             <a:fld id="{3575F28B-E03B-4F00-AA56-A8AF97DAF43F}" type="datetimeFigureOut">
               <a:rPr lang="ko-KR" altLang="en-US" smtClean="0"/>
-              <a:t>2021-05-12</a:t>
+              <a:t>2021-05-15</a:t>
             </a:fld>
             <a:endParaRPr lang="ko-KR" altLang="en-US"/>
           </a:p>
@@ -2134,7 +2134,7 @@
           <a:p>
             <a:fld id="{3575F28B-E03B-4F00-AA56-A8AF97DAF43F}" type="datetimeFigureOut">
               <a:rPr lang="ko-KR" altLang="en-US" smtClean="0"/>
-              <a:t>2021-05-12</a:t>
+              <a:t>2021-05-15</a:t>
             </a:fld>
             <a:endParaRPr lang="ko-KR" altLang="en-US"/>
           </a:p>
@@ -2387,7 +2387,7 @@
           <a:p>
             <a:fld id="{3575F28B-E03B-4F00-AA56-A8AF97DAF43F}" type="datetimeFigureOut">
               <a:rPr lang="ko-KR" altLang="en-US" smtClean="0"/>
-              <a:t>2021-05-12</a:t>
+              <a:t>2021-05-15</a:t>
             </a:fld>
             <a:endParaRPr lang="ko-KR" altLang="en-US"/>
           </a:p>
@@ -2832,7 +2832,7 @@
           <a:p>
             <a:fld id="{3575F28B-E03B-4F00-AA56-A8AF97DAF43F}" type="datetimeFigureOut">
               <a:rPr lang="ko-KR" altLang="en-US" smtClean="0"/>
-              <a:t>2021-05-12</a:t>
+              <a:t>2021-05-15</a:t>
             </a:fld>
             <a:endParaRPr lang="ko-KR" altLang="en-US"/>
           </a:p>
@@ -3196,7 +3196,7 @@
           <a:p>
             <a:fld id="{3575F28B-E03B-4F00-AA56-A8AF97DAF43F}" type="datetimeFigureOut">
               <a:rPr lang="ko-KR" altLang="en-US" smtClean="0"/>
-              <a:t>2021-05-12</a:t>
+              <a:t>2021-05-15</a:t>
             </a:fld>
             <a:endParaRPr lang="ko-KR" altLang="en-US"/>
           </a:p>
@@ -3733,10 +3733,17 @@
     <mc:Choice Requires="p14">
       <p:transition/>
     </mc:Choice>
-    <mc:Fallback xmlns:dsp="http://schemas.microsoft.com/office/drawing/2008/diagram" xmlns:dgm="http://schemas.openxmlformats.org/drawingml/2006/diagram" xmlns:c="http://schemas.openxmlformats.org/drawingml/2006/chart" xmlns="">
+    <mc:Fallback xmlns="" xmlns:c="http://schemas.openxmlformats.org/drawingml/2006/chart" xmlns:dgm="http://schemas.openxmlformats.org/drawingml/2006/diagram" xmlns:dsp="http://schemas.microsoft.com/office/drawing/2008/diagram">
       <p:transition/>
     </mc:Fallback>
   </mc:AlternateContent>
+  <p:timing>
+    <p:tnLst>
+      <p:par>
+        <p:cTn id="1" dur="indefinite" restart="never" nodeType="tmRoot"/>
+      </p:par>
+    </p:tnLst>
+  </p:timing>
 </p:sld>
 </file>
 
@@ -3848,10 +3855,17 @@
     <mc:Choice Requires="p14">
       <p:transition/>
     </mc:Choice>
-    <mc:Fallback xmlns:dsp="http://schemas.microsoft.com/office/drawing/2008/diagram" xmlns:dgm="http://schemas.openxmlformats.org/drawingml/2006/diagram" xmlns:c="http://schemas.openxmlformats.org/drawingml/2006/chart" xmlns="">
+    <mc:Fallback xmlns="" xmlns:c="http://schemas.openxmlformats.org/drawingml/2006/chart" xmlns:dgm="http://schemas.openxmlformats.org/drawingml/2006/diagram" xmlns:dsp="http://schemas.microsoft.com/office/drawing/2008/diagram">
       <p:transition/>
     </mc:Fallback>
   </mc:AlternateContent>
+  <p:timing>
+    <p:tnLst>
+      <p:par>
+        <p:cTn id="1" dur="indefinite" restart="never" nodeType="tmRoot"/>
+      </p:par>
+    </p:tnLst>
+  </p:timing>
 </p:sld>
 </file>
 
@@ -5838,6 +5852,13 @@
   <p:clrMapOvr>
     <a:masterClrMapping/>
   </p:clrMapOvr>
+  <p:timing>
+    <p:tnLst>
+      <p:par>
+        <p:cTn id="1" dur="indefinite" restart="never" nodeType="tmRoot"/>
+      </p:par>
+    </p:tnLst>
+  </p:timing>
 </p:sld>
 </file>
 
@@ -7063,6 +7084,13 @@
   <p:clrMapOvr>
     <a:masterClrMapping/>
   </p:clrMapOvr>
+  <p:timing>
+    <p:tnLst>
+      <p:par>
+        <p:cTn id="1" dur="indefinite" restart="never" nodeType="tmRoot"/>
+      </p:par>
+    </p:tnLst>
+  </p:timing>
 </p:sld>
 </file>
 
@@ -8378,6 +8406,13 @@
   <p:clrMapOvr>
     <a:masterClrMapping/>
   </p:clrMapOvr>
+  <p:timing>
+    <p:tnLst>
+      <p:par>
+        <p:cTn id="1" dur="indefinite" restart="never" nodeType="tmRoot"/>
+      </p:par>
+    </p:tnLst>
+  </p:timing>
 </p:sld>
 </file>
 
@@ -8580,7 +8615,7 @@
               <a:tabLst/>
             </a:pPr>
             <a:r>
-              <a:rPr kumimoji="0" lang="ko-KR" altLang="ko-KR" sz="1500" b="0" i="0" u="none" strike="noStrike" cap="none" normalizeH="0" baseline="0" smtClean="0">
+              <a:rPr kumimoji="0" lang="ko-KR" altLang="ko-KR" sz="1500" b="0" i="0" u="none" strike="noStrike" cap="none" normalizeH="0" baseline="0" dirty="0" err="1" smtClean="0">
                 <a:ln>
                   <a:noFill/>
                 </a:ln>
@@ -8591,10 +8626,24 @@
                 <a:latin typeface="Arial Unicode MS"/>
                 <a:ea typeface="JetBrains Mono"/>
               </a:rPr>
-              <a:t>import </a:t>
-            </a:r>
-            <a:r>
-              <a:rPr kumimoji="0" lang="ko-KR" altLang="ko-KR" sz="1500" b="0" i="0" u="none" strike="noStrike" cap="none" normalizeH="0" baseline="0" smtClean="0">
+              <a:t>import</a:t>
+            </a:r>
+            <a:r>
+              <a:rPr kumimoji="0" lang="ko-KR" altLang="ko-KR" sz="1500" b="0" i="0" u="none" strike="noStrike" cap="none" normalizeH="0" baseline="0" dirty="0" smtClean="0">
+                <a:ln>
+                  <a:noFill/>
+                </a:ln>
+                <a:solidFill>
+                  <a:srgbClr val="CC7832"/>
+                </a:solidFill>
+                <a:effectLst/>
+                <a:latin typeface="Arial Unicode MS"/>
+                <a:ea typeface="JetBrains Mono"/>
+              </a:rPr>
+              <a:t> </a:t>
+            </a:r>
+            <a:r>
+              <a:rPr kumimoji="0" lang="ko-KR" altLang="ko-KR" sz="1500" b="0" i="0" u="none" strike="noStrike" cap="none" normalizeH="0" baseline="0" dirty="0" err="1" smtClean="0">
                 <a:ln>
                   <a:noFill/>
                 </a:ln>
@@ -8607,8 +8656,22 @@
               </a:rPr>
               <a:t>time</a:t>
             </a:r>
+            <a:r>
+              <a:rPr kumimoji="0" lang="ko-KR" altLang="ko-KR" sz="1500" b="0" i="0" u="none" strike="noStrike" cap="none" normalizeH="0" baseline="0" dirty="0" smtClean="0">
+                <a:ln>
+                  <a:noFill/>
+                </a:ln>
+                <a:solidFill>
+                  <a:srgbClr val="A9B7C6"/>
+                </a:solidFill>
+                <a:effectLst/>
+                <a:latin typeface="Arial Unicode MS"/>
+                <a:ea typeface="JetBrains Mono"/>
+              </a:rPr>
+              <a:t/>
+            </a:r>
             <a:br>
-              <a:rPr kumimoji="0" lang="ko-KR" altLang="ko-KR" sz="1500" b="0" i="0" u="none" strike="noStrike" cap="none" normalizeH="0" baseline="0" smtClean="0">
+              <a:rPr kumimoji="0" lang="ko-KR" altLang="ko-KR" sz="1500" b="0" i="0" u="none" strike="noStrike" cap="none" normalizeH="0" baseline="0" dirty="0" smtClean="0">
                 <a:ln>
                   <a:noFill/>
                 </a:ln>
@@ -8621,7 +8684,7 @@
               </a:rPr>
             </a:br>
             <a:r>
-              <a:rPr kumimoji="0" lang="ko-KR" altLang="ko-KR" sz="1500" b="0" i="0" u="none" strike="noStrike" cap="none" normalizeH="0" baseline="0" smtClean="0">
+              <a:rPr kumimoji="0" lang="ko-KR" altLang="ko-KR" sz="1500" b="0" i="0" u="none" strike="noStrike" cap="none" normalizeH="0" baseline="0" dirty="0" smtClean="0">
                 <a:ln>
                   <a:noFill/>
                 </a:ln>
@@ -8635,7 +8698,7 @@
               <a:t/>
             </a:r>
             <a:br>
-              <a:rPr kumimoji="0" lang="ko-KR" altLang="ko-KR" sz="1500" b="0" i="0" u="none" strike="noStrike" cap="none" normalizeH="0" baseline="0" smtClean="0">
+              <a:rPr kumimoji="0" lang="ko-KR" altLang="ko-KR" sz="1500" b="0" i="0" u="none" strike="noStrike" cap="none" normalizeH="0" baseline="0" dirty="0" smtClean="0">
                 <a:ln>
                   <a:noFill/>
                 </a:ln>
@@ -8648,21 +8711,35 @@
               </a:rPr>
             </a:br>
             <a:r>
-              <a:rPr kumimoji="0" lang="ko-KR" altLang="ko-KR" sz="1500" b="0" i="0" u="none" strike="noStrike" cap="none" normalizeH="0" baseline="0" smtClean="0">
-                <a:ln>
-                  <a:noFill/>
-                </a:ln>
-                <a:solidFill>
-                  <a:srgbClr val="A9B7C6"/>
-                </a:solidFill>
-                <a:effectLst/>
-                <a:latin typeface="Arial Unicode MS"/>
-                <a:ea typeface="JetBrains Mono"/>
-              </a:rPr>
-              <a:t>playing = </a:t>
-            </a:r>
-            <a:r>
-              <a:rPr kumimoji="0" lang="ko-KR" altLang="ko-KR" sz="1500" b="0" i="0" u="none" strike="noStrike" cap="none" normalizeH="0" baseline="0" smtClean="0">
+              <a:rPr kumimoji="0" lang="ko-KR" altLang="ko-KR" sz="1500" b="0" i="0" u="none" strike="noStrike" cap="none" normalizeH="0" baseline="0" dirty="0" err="1" smtClean="0">
+                <a:ln>
+                  <a:noFill/>
+                </a:ln>
+                <a:solidFill>
+                  <a:srgbClr val="A9B7C6"/>
+                </a:solidFill>
+                <a:effectLst/>
+                <a:latin typeface="Arial Unicode MS"/>
+                <a:ea typeface="JetBrains Mono"/>
+              </a:rPr>
+              <a:t>playing</a:t>
+            </a:r>
+            <a:r>
+              <a:rPr kumimoji="0" lang="ko-KR" altLang="ko-KR" sz="1500" b="0" i="0" u="none" strike="noStrike" cap="none" normalizeH="0" baseline="0" dirty="0" smtClean="0">
+                <a:ln>
+                  <a:noFill/>
+                </a:ln>
+                <a:solidFill>
+                  <a:srgbClr val="A9B7C6"/>
+                </a:solidFill>
+                <a:effectLst/>
+                <a:latin typeface="Arial Unicode MS"/>
+                <a:ea typeface="JetBrains Mono"/>
+              </a:rPr>
+              <a:t> = </a:t>
+            </a:r>
+            <a:r>
+              <a:rPr kumimoji="0" lang="ko-KR" altLang="ko-KR" sz="1500" b="0" i="0" u="none" strike="noStrike" cap="none" normalizeH="0" baseline="0" dirty="0" err="1" smtClean="0">
                 <a:ln>
                   <a:noFill/>
                 </a:ln>
@@ -8675,8 +8752,22 @@
               </a:rPr>
               <a:t>True</a:t>
             </a:r>
+            <a:r>
+              <a:rPr kumimoji="0" lang="ko-KR" altLang="ko-KR" sz="1500" b="0" i="0" u="none" strike="noStrike" cap="none" normalizeH="0" baseline="0" dirty="0" smtClean="0">
+                <a:ln>
+                  <a:noFill/>
+                </a:ln>
+                <a:solidFill>
+                  <a:srgbClr val="CC7832"/>
+                </a:solidFill>
+                <a:effectLst/>
+                <a:latin typeface="Arial Unicode MS"/>
+                <a:ea typeface="JetBrains Mono"/>
+              </a:rPr>
+              <a:t/>
+            </a:r>
             <a:br>
-              <a:rPr kumimoji="0" lang="ko-KR" altLang="ko-KR" sz="1500" b="0" i="0" u="none" strike="noStrike" cap="none" normalizeH="0" baseline="0" smtClean="0">
+              <a:rPr kumimoji="0" lang="ko-KR" altLang="ko-KR" sz="1500" b="0" i="0" u="none" strike="noStrike" cap="none" normalizeH="0" baseline="0" dirty="0" smtClean="0">
                 <a:ln>
                   <a:noFill/>
                 </a:ln>
@@ -8689,7 +8780,7 @@
               </a:rPr>
             </a:br>
             <a:r>
-              <a:rPr kumimoji="0" lang="ko-KR" altLang="ko-KR" sz="1500" b="0" i="0" u="none" strike="noStrike" cap="none" normalizeH="0" baseline="0" smtClean="0">
+              <a:rPr kumimoji="0" lang="ko-KR" altLang="ko-KR" sz="1500" b="0" i="0" u="none" strike="noStrike" cap="none" normalizeH="0" baseline="0" dirty="0" err="1" smtClean="0">
                 <a:ln>
                   <a:noFill/>
                 </a:ln>
@@ -8700,24 +8791,52 @@
                 <a:latin typeface="Arial Unicode MS"/>
                 <a:ea typeface="JetBrains Mono"/>
               </a:rPr>
-              <a:t>while </a:t>
-            </a:r>
-            <a:r>
-              <a:rPr kumimoji="0" lang="ko-KR" altLang="ko-KR" sz="1500" b="0" i="0" u="none" strike="noStrike" cap="none" normalizeH="0" baseline="0" smtClean="0">
-                <a:ln>
-                  <a:noFill/>
-                </a:ln>
-                <a:solidFill>
-                  <a:srgbClr val="A9B7C6"/>
-                </a:solidFill>
-                <a:effectLst/>
-                <a:latin typeface="Arial Unicode MS"/>
-                <a:ea typeface="JetBrains Mono"/>
-              </a:rPr>
-              <a:t>playing:</a:t>
+              <a:t>while</a:t>
+            </a:r>
+            <a:r>
+              <a:rPr kumimoji="0" lang="ko-KR" altLang="ko-KR" sz="1500" b="0" i="0" u="none" strike="noStrike" cap="none" normalizeH="0" baseline="0" dirty="0" smtClean="0">
+                <a:ln>
+                  <a:noFill/>
+                </a:ln>
+                <a:solidFill>
+                  <a:srgbClr val="CC7832"/>
+                </a:solidFill>
+                <a:effectLst/>
+                <a:latin typeface="Arial Unicode MS"/>
+                <a:ea typeface="JetBrains Mono"/>
+              </a:rPr>
+              <a:t> </a:t>
+            </a:r>
+            <a:r>
+              <a:rPr kumimoji="0" lang="ko-KR" altLang="ko-KR" sz="1500" b="0" i="0" u="none" strike="noStrike" cap="none" normalizeH="0" baseline="0" dirty="0" err="1" smtClean="0">
+                <a:ln>
+                  <a:noFill/>
+                </a:ln>
+                <a:solidFill>
+                  <a:srgbClr val="A9B7C6"/>
+                </a:solidFill>
+                <a:effectLst/>
+                <a:latin typeface="Arial Unicode MS"/>
+                <a:ea typeface="JetBrains Mono"/>
+              </a:rPr>
+              <a:t>playing</a:t>
+            </a:r>
+            <a:r>
+              <a:rPr kumimoji="0" lang="ko-KR" altLang="ko-KR" sz="1500" b="0" i="0" u="none" strike="noStrike" cap="none" normalizeH="0" baseline="0" dirty="0" smtClean="0">
+                <a:ln>
+                  <a:noFill/>
+                </a:ln>
+                <a:solidFill>
+                  <a:srgbClr val="A9B7C6"/>
+                </a:solidFill>
+                <a:effectLst/>
+                <a:latin typeface="Arial Unicode MS"/>
+                <a:ea typeface="JetBrains Mono"/>
+              </a:rPr>
+              <a:t>:</a:t>
             </a:r>
             <a:br>
-              <a:rPr kumimoji="0" lang="ko-KR" altLang="ko-KR" sz="1500" b="0" i="0" u="none" strike="noStrike" cap="none" normalizeH="0" baseline="0" smtClean="0">
+              <a:rPr kumimoji="0" lang="ko-KR" altLang="ko-KR" sz="1500" b="0" i="0" u="none" strike="noStrike" cap="none" normalizeH="0" baseline="0" dirty="0" smtClean="0">
                 <a:ln>
                   <a:noFill/>
                 </a:ln>
@@ -8730,7 +8849,7 @@
               </a:rPr>
             </a:br>
             <a:r>
-              <a:rPr kumimoji="0" lang="ko-KR" altLang="ko-KR" sz="1500" b="0" i="0" u="none" strike="noStrike" cap="none" normalizeH="0" baseline="0" smtClean="0">
+              <a:rPr kumimoji="0" lang="ko-KR" altLang="ko-KR" sz="1500" b="0" i="0" u="none" strike="noStrike" cap="none" normalizeH="0" baseline="0" dirty="0" smtClean="0">
                 <a:ln>
                   <a:noFill/>
                 </a:ln>
@@ -8744,7 +8863,7 @@
               <a:t>    </a:t>
             </a:r>
             <a:r>
-              <a:rPr kumimoji="0" lang="ko-KR" altLang="ko-KR" sz="1500" b="0" i="0" u="none" strike="noStrike" cap="none" normalizeH="0" baseline="0" smtClean="0">
+              <a:rPr kumimoji="0" lang="ko-KR" altLang="ko-KR" sz="1500" b="0" i="0" u="none" strike="noStrike" cap="none" normalizeH="0" baseline="0" dirty="0" err="1" smtClean="0">
                 <a:ln>
                   <a:noFill/>
                 </a:ln>
@@ -8758,7 +8877,7 @@
               <a:t>print</a:t>
             </a:r>
             <a:r>
-              <a:rPr kumimoji="0" lang="ko-KR" altLang="ko-KR" sz="1500" b="0" i="0" u="none" strike="noStrike" cap="none" normalizeH="0" baseline="0" smtClean="0">
+              <a:rPr kumimoji="0" lang="ko-KR" altLang="ko-KR" sz="1500" b="0" i="0" u="none" strike="noStrike" cap="none" normalizeH="0" baseline="0" dirty="0" smtClean="0">
                 <a:ln>
                   <a:noFill/>
                 </a:ln>
@@ -8772,7 +8891,7 @@
               <a:t>(</a:t>
             </a:r>
             <a:r>
-              <a:rPr kumimoji="0" lang="ko-KR" altLang="ko-KR" sz="1500" b="0" i="0" u="none" strike="noStrike" cap="none" normalizeH="0" baseline="0" smtClean="0">
+              <a:rPr kumimoji="0" lang="ko-KR" altLang="ko-KR" sz="1500" b="0" i="0" u="none" strike="noStrike" cap="none" normalizeH="0" baseline="0" dirty="0" smtClean="0">
                 <a:ln>
                   <a:noFill/>
                 </a:ln>
@@ -8786,7 +8905,7 @@
               <a:t>'</a:t>
             </a:r>
             <a:r>
-              <a:rPr kumimoji="0" lang="ko-KR" altLang="ko-KR" sz="1500" b="0" i="0" u="none" strike="noStrike" cap="none" normalizeH="0" baseline="0" smtClean="0">
+              <a:rPr kumimoji="0" lang="ko-KR" altLang="ko-KR" sz="1500" b="0" i="0" u="none" strike="noStrike" cap="none" normalizeH="0" baseline="0" dirty="0" smtClean="0">
                 <a:ln>
                   <a:noFill/>
                 </a:ln>
@@ -8797,162 +8916,10 @@
                 <a:latin typeface="맑은 고딕" panose="020B0503020000020004" pitchFamily="50" charset="-127"/>
                 <a:ea typeface="맑은 고딕" panose="020B0503020000020004" pitchFamily="50" charset="-127"/>
               </a:rPr>
-              <a:t>프로그램이 실행중이다</a:t>
-            </a:r>
-            <a:r>
-              <a:rPr kumimoji="0" lang="ko-KR" altLang="ko-KR" sz="1500" b="0" i="0" u="none" strike="noStrike" cap="none" normalizeH="0" baseline="0" smtClean="0">
-                <a:ln>
-                  <a:noFill/>
-                </a:ln>
-                <a:solidFill>
-                  <a:srgbClr val="6A8759"/>
-                </a:solidFill>
-                <a:effectLst/>
-                <a:latin typeface="Arial Unicode MS"/>
-                <a:ea typeface="JetBrains Mono"/>
-              </a:rPr>
-              <a:t>.'</a:t>
-            </a:r>
-            <a:r>
-              <a:rPr kumimoji="0" lang="ko-KR" altLang="ko-KR" sz="1500" b="0" i="0" u="none" strike="noStrike" cap="none" normalizeH="0" baseline="0" smtClean="0">
-                <a:ln>
-                  <a:noFill/>
-                </a:ln>
-                <a:solidFill>
-                  <a:srgbClr val="A9B7C6"/>
-                </a:solidFill>
-                <a:effectLst/>
-                <a:latin typeface="Arial Unicode MS"/>
-                <a:ea typeface="JetBrains Mono"/>
-              </a:rPr>
-              <a:t>)</a:t>
-            </a:r>
-            <a:br>
-              <a:rPr kumimoji="0" lang="ko-KR" altLang="ko-KR" sz="1500" b="0" i="0" u="none" strike="noStrike" cap="none" normalizeH="0" baseline="0" smtClean="0">
-                <a:ln>
-                  <a:noFill/>
-                </a:ln>
-                <a:solidFill>
-                  <a:srgbClr val="A9B7C6"/>
-                </a:solidFill>
-                <a:effectLst/>
-                <a:latin typeface="Arial Unicode MS"/>
-                <a:ea typeface="JetBrains Mono"/>
-              </a:rPr>
-            </a:br>
-            <a:r>
-              <a:rPr kumimoji="0" lang="ko-KR" altLang="ko-KR" sz="1500" b="0" i="0" u="none" strike="noStrike" cap="none" normalizeH="0" baseline="0" smtClean="0">
-                <a:ln>
-                  <a:noFill/>
-                </a:ln>
-                <a:solidFill>
-                  <a:srgbClr val="A9B7C6"/>
-                </a:solidFill>
-                <a:effectLst/>
-                <a:latin typeface="Arial Unicode MS"/>
-                <a:ea typeface="JetBrains Mono"/>
-              </a:rPr>
-              <a:t>    time.sleep(</a:t>
-            </a:r>
-            <a:r>
-              <a:rPr kumimoji="0" lang="ko-KR" altLang="ko-KR" sz="1500" b="0" i="0" u="none" strike="noStrike" cap="none" normalizeH="0" baseline="0" smtClean="0">
-                <a:ln>
-                  <a:noFill/>
-                </a:ln>
-                <a:solidFill>
-                  <a:srgbClr val="6897BB"/>
-                </a:solidFill>
-                <a:effectLst/>
-                <a:latin typeface="Arial Unicode MS"/>
-                <a:ea typeface="JetBrains Mono"/>
-              </a:rPr>
-              <a:t>1</a:t>
-            </a:r>
-            <a:r>
-              <a:rPr kumimoji="0" lang="ko-KR" altLang="ko-KR" sz="1500" b="0" i="0" u="none" strike="noStrike" cap="none" normalizeH="0" baseline="0" smtClean="0">
-                <a:ln>
-                  <a:noFill/>
-                </a:ln>
-                <a:solidFill>
-                  <a:srgbClr val="A9B7C6"/>
-                </a:solidFill>
-                <a:effectLst/>
-                <a:latin typeface="Arial Unicode MS"/>
-                <a:ea typeface="JetBrains Mono"/>
-              </a:rPr>
-              <a:t>)</a:t>
-            </a:r>
-            <a:br>
-              <a:rPr kumimoji="0" lang="ko-KR" altLang="ko-KR" sz="1500" b="0" i="0" u="none" strike="noStrike" cap="none" normalizeH="0" baseline="0" smtClean="0">
-                <a:ln>
-                  <a:noFill/>
-                </a:ln>
-                <a:solidFill>
-                  <a:srgbClr val="A9B7C6"/>
-                </a:solidFill>
-                <a:effectLst/>
-                <a:latin typeface="Arial Unicode MS"/>
-                <a:ea typeface="JetBrains Mono"/>
-              </a:rPr>
-            </a:br>
-            <a:r>
-              <a:rPr kumimoji="0" lang="ko-KR" altLang="ko-KR" sz="1500" b="0" i="0" u="none" strike="noStrike" cap="none" normalizeH="0" baseline="0" smtClean="0">
-                <a:ln>
-                  <a:noFill/>
-                </a:ln>
-                <a:solidFill>
-                  <a:srgbClr val="A9B7C6"/>
-                </a:solidFill>
-                <a:effectLst/>
-                <a:latin typeface="Arial Unicode MS"/>
-                <a:ea typeface="JetBrains Mono"/>
-              </a:rPr>
-              <a:t>    a = </a:t>
-            </a:r>
-            <a:r>
-              <a:rPr kumimoji="0" lang="ko-KR" altLang="ko-KR" sz="1500" b="0" i="0" u="none" strike="noStrike" cap="none" normalizeH="0" baseline="0" smtClean="0">
-                <a:ln>
-                  <a:noFill/>
-                </a:ln>
-                <a:solidFill>
-                  <a:srgbClr val="8888C6"/>
-                </a:solidFill>
-                <a:effectLst/>
-                <a:latin typeface="Arial Unicode MS"/>
-                <a:ea typeface="JetBrains Mono"/>
-              </a:rPr>
-              <a:t>input</a:t>
-            </a:r>
-            <a:r>
-              <a:rPr kumimoji="0" lang="ko-KR" altLang="ko-KR" sz="1500" b="0" i="0" u="none" strike="noStrike" cap="none" normalizeH="0" baseline="0" smtClean="0">
-                <a:ln>
-                  <a:noFill/>
-                </a:ln>
-                <a:solidFill>
-                  <a:srgbClr val="A9B7C6"/>
-                </a:solidFill>
-                <a:effectLst/>
-                <a:latin typeface="Arial Unicode MS"/>
-                <a:ea typeface="JetBrains Mono"/>
-              </a:rPr>
-              <a:t>(</a:t>
-            </a:r>
-            <a:r>
-              <a:rPr kumimoji="0" lang="ko-KR" altLang="ko-KR" sz="1500" b="0" i="0" u="none" strike="noStrike" cap="none" normalizeH="0" baseline="0" smtClean="0">
-                <a:ln>
-                  <a:noFill/>
-                </a:ln>
-                <a:solidFill>
-                  <a:srgbClr val="6A8759"/>
-                </a:solidFill>
-                <a:effectLst/>
-                <a:latin typeface="Arial Unicode MS"/>
-                <a:ea typeface="JetBrains Mono"/>
-              </a:rPr>
-              <a:t>'</a:t>
-            </a:r>
-            <a:r>
-              <a:rPr kumimoji="0" lang="ko-KR" altLang="ko-KR" sz="1500" b="0" i="0" u="none" strike="noStrike" cap="none" normalizeH="0" baseline="0" smtClean="0">
+              <a:t>프로그램이 </a:t>
+            </a:r>
+            <a:r>
+              <a:rPr kumimoji="0" lang="ko-KR" altLang="ko-KR" sz="1500" b="0" i="0" u="none" strike="noStrike" cap="none" normalizeH="0" baseline="0" dirty="0" err="1" smtClean="0">
                 <a:ln>
                   <a:noFill/>
                 </a:ln>
@@ -8963,10 +8930,10 @@
                 <a:latin typeface="맑은 고딕" panose="020B0503020000020004" pitchFamily="50" charset="-127"/>
                 <a:ea typeface="맑은 고딕" panose="020B0503020000020004" pitchFamily="50" charset="-127"/>
               </a:rPr>
-              <a:t>프로그램을 종료할까요</a:t>
-            </a:r>
-            <a:r>
-              <a:rPr kumimoji="0" lang="ko-KR" altLang="ko-KR" sz="1500" b="0" i="0" u="none" strike="noStrike" cap="none" normalizeH="0" baseline="0" smtClean="0">
+              <a:t>실행중이다</a:t>
+            </a:r>
+            <a:r>
+              <a:rPr kumimoji="0" lang="ko-KR" altLang="ko-KR" sz="1500" b="0" i="0" u="none" strike="noStrike" cap="none" normalizeH="0" baseline="0" dirty="0" smtClean="0">
                 <a:ln>
                   <a:noFill/>
                 </a:ln>
@@ -8977,10 +8944,10 @@
                 <a:latin typeface="Arial Unicode MS"/>
                 <a:ea typeface="JetBrains Mono"/>
               </a:rPr>
-              <a:t>?[y/n]'</a:t>
-            </a:r>
-            <a:r>
-              <a:rPr kumimoji="0" lang="ko-KR" altLang="ko-KR" sz="1500" b="0" i="0" u="none" strike="noStrike" cap="none" normalizeH="0" baseline="0" smtClean="0">
+              <a:t>.'</a:t>
+            </a:r>
+            <a:r>
+              <a:rPr kumimoji="0" lang="ko-KR" altLang="ko-KR" sz="1500" b="0" i="0" u="none" strike="noStrike" cap="none" normalizeH="0" baseline="0" dirty="0" smtClean="0">
                 <a:ln>
                   <a:noFill/>
                 </a:ln>
@@ -8994,7 +8961,7 @@
               <a:t>)</a:t>
             </a:r>
             <a:br>
-              <a:rPr kumimoji="0" lang="ko-KR" altLang="ko-KR" sz="1500" b="0" i="0" u="none" strike="noStrike" cap="none" normalizeH="0" baseline="0" smtClean="0">
+              <a:rPr kumimoji="0" lang="ko-KR" altLang="ko-KR" sz="1500" b="0" i="0" u="none" strike="noStrike" cap="none" normalizeH="0" baseline="0" dirty="0" smtClean="0">
                 <a:ln>
                   <a:noFill/>
                 </a:ln>
@@ -9007,7 +8974,7 @@
               </a:rPr>
             </a:br>
             <a:r>
-              <a:rPr kumimoji="0" lang="ko-KR" altLang="ko-KR" sz="1500" b="0" i="0" u="none" strike="noStrike" cap="none" normalizeH="0" baseline="0" smtClean="0">
+              <a:rPr kumimoji="0" lang="ko-KR" altLang="ko-KR" sz="1500" b="0" i="0" u="none" strike="noStrike" cap="none" normalizeH="0" baseline="0" dirty="0" smtClean="0">
                 <a:ln>
                   <a:noFill/>
                 </a:ln>
@@ -9021,35 +8988,146 @@
               <a:t>    </a:t>
             </a:r>
             <a:r>
-              <a:rPr kumimoji="0" lang="ko-KR" altLang="ko-KR" sz="1500" b="0" i="0" u="none" strike="noStrike" cap="none" normalizeH="0" baseline="0" smtClean="0">
-                <a:ln>
-                  <a:noFill/>
-                </a:ln>
-                <a:solidFill>
-                  <a:srgbClr val="CC7832"/>
-                </a:solidFill>
-                <a:effectLst/>
-                <a:latin typeface="Arial Unicode MS"/>
-                <a:ea typeface="JetBrains Mono"/>
-              </a:rPr>
-              <a:t>if </a:t>
-            </a:r>
-            <a:r>
-              <a:rPr kumimoji="0" lang="ko-KR" altLang="ko-KR" sz="1500" b="0" i="0" u="none" strike="noStrike" cap="none" normalizeH="0" baseline="0" smtClean="0">
-                <a:ln>
-                  <a:noFill/>
-                </a:ln>
-                <a:solidFill>
-                  <a:srgbClr val="A9B7C6"/>
-                </a:solidFill>
-                <a:effectLst/>
-                <a:latin typeface="Arial Unicode MS"/>
-                <a:ea typeface="JetBrains Mono"/>
-              </a:rPr>
-              <a:t>a == </a:t>
-            </a:r>
-            <a:r>
-              <a:rPr kumimoji="0" lang="ko-KR" altLang="ko-KR" sz="1500" b="0" i="0" u="none" strike="noStrike" cap="none" normalizeH="0" baseline="0" smtClean="0">
+              <a:rPr kumimoji="0" lang="ko-KR" altLang="ko-KR" sz="1500" b="0" i="0" u="none" strike="noStrike" cap="none" normalizeH="0" baseline="0" dirty="0" err="1" smtClean="0">
+                <a:ln>
+                  <a:noFill/>
+                </a:ln>
+                <a:solidFill>
+                  <a:srgbClr val="A9B7C6"/>
+                </a:solidFill>
+                <a:effectLst/>
+                <a:latin typeface="Arial Unicode MS"/>
+                <a:ea typeface="JetBrains Mono"/>
+              </a:rPr>
+              <a:t>time.sleep</a:t>
+            </a:r>
+            <a:r>
+              <a:rPr kumimoji="0" lang="ko-KR" altLang="ko-KR" sz="1500" b="0" i="0" u="none" strike="noStrike" cap="none" normalizeH="0" baseline="0" dirty="0" smtClean="0">
+                <a:ln>
+                  <a:noFill/>
+                </a:ln>
+                <a:solidFill>
+                  <a:srgbClr val="A9B7C6"/>
+                </a:solidFill>
+                <a:effectLst/>
+                <a:latin typeface="Arial Unicode MS"/>
+                <a:ea typeface="JetBrains Mono"/>
+              </a:rPr>
+              <a:t>(</a:t>
+            </a:r>
+            <a:r>
+              <a:rPr kumimoji="0" lang="ko-KR" altLang="ko-KR" sz="1500" b="0" i="0" u="none" strike="noStrike" cap="none" normalizeH="0" baseline="0" dirty="0" smtClean="0">
+                <a:ln>
+                  <a:noFill/>
+                </a:ln>
+                <a:solidFill>
+                  <a:srgbClr val="6897BB"/>
+                </a:solidFill>
+                <a:effectLst/>
+                <a:latin typeface="Arial Unicode MS"/>
+                <a:ea typeface="JetBrains Mono"/>
+              </a:rPr>
+              <a:t>1</a:t>
+            </a:r>
+            <a:r>
+              <a:rPr kumimoji="0" lang="ko-KR" altLang="ko-KR" sz="1500" b="0" i="0" u="none" strike="noStrike" cap="none" normalizeH="0" baseline="0" dirty="0" smtClean="0">
+                <a:ln>
+                  <a:noFill/>
+                </a:ln>
+                <a:solidFill>
+                  <a:srgbClr val="A9B7C6"/>
+                </a:solidFill>
+                <a:effectLst/>
+                <a:latin typeface="Arial Unicode MS"/>
+                <a:ea typeface="JetBrains Mono"/>
+              </a:rPr>
+              <a:t>)</a:t>
+            </a:r>
+            <a:br>
+              <a:rPr kumimoji="0" lang="ko-KR" altLang="ko-KR" sz="1500" b="0" i="0" u="none" strike="noStrike" cap="none" normalizeH="0" baseline="0" dirty="0" smtClean="0">
+                <a:ln>
+                  <a:noFill/>
+                </a:ln>
+                <a:solidFill>
+                  <a:srgbClr val="A9B7C6"/>
+                </a:solidFill>
+                <a:effectLst/>
+                <a:latin typeface="Arial Unicode MS"/>
+                <a:ea typeface="JetBrains Mono"/>
+              </a:rPr>
+            </a:br>
+            <a:r>
+              <a:rPr kumimoji="0" lang="ko-KR" altLang="ko-KR" sz="1500" b="0" i="0" u="none" strike="noStrike" cap="none" normalizeH="0" baseline="0" dirty="0" smtClean="0">
+                <a:ln>
+                  <a:noFill/>
+                </a:ln>
+                <a:solidFill>
+                  <a:srgbClr val="A9B7C6"/>
+                </a:solidFill>
+                <a:effectLst/>
+                <a:latin typeface="Arial Unicode MS"/>
+                <a:ea typeface="JetBrains Mono"/>
+              </a:rPr>
+              <a:t>    </a:t>
+            </a:r>
+            <a:r>
+              <a:rPr kumimoji="0" lang="ko-KR" altLang="ko-KR" sz="1500" b="0" i="0" u="none" strike="noStrike" cap="none" normalizeH="0" baseline="0" dirty="0" err="1" smtClean="0">
+                <a:ln>
+                  <a:noFill/>
+                </a:ln>
+                <a:solidFill>
+                  <a:srgbClr val="A9B7C6"/>
+                </a:solidFill>
+                <a:effectLst/>
+                <a:latin typeface="Arial Unicode MS"/>
+                <a:ea typeface="JetBrains Mono"/>
+              </a:rPr>
+              <a:t>a</a:t>
+            </a:r>
+            <a:r>
+              <a:rPr kumimoji="0" lang="ko-KR" altLang="ko-KR" sz="1500" b="0" i="0" u="none" strike="noStrike" cap="none" normalizeH="0" baseline="0" dirty="0" smtClean="0">
+                <a:ln>
+                  <a:noFill/>
+                </a:ln>
+                <a:solidFill>
+                  <a:srgbClr val="A9B7C6"/>
+                </a:solidFill>
+                <a:effectLst/>
+                <a:latin typeface="Arial Unicode MS"/>
+                <a:ea typeface="JetBrains Mono"/>
+              </a:rPr>
+              <a:t> = </a:t>
+            </a:r>
+            <a:r>
+              <a:rPr kumimoji="0" lang="ko-KR" altLang="ko-KR" sz="1500" b="0" i="0" u="none" strike="noStrike" cap="none" normalizeH="0" baseline="0" dirty="0" err="1" smtClean="0">
+                <a:ln>
+                  <a:noFill/>
+                </a:ln>
+                <a:solidFill>
+                  <a:srgbClr val="8888C6"/>
+                </a:solidFill>
+                <a:effectLst/>
+                <a:latin typeface="Arial Unicode MS"/>
+                <a:ea typeface="JetBrains Mono"/>
+              </a:rPr>
+              <a:t>input</a:t>
+            </a:r>
+            <a:r>
+              <a:rPr kumimoji="0" lang="ko-KR" altLang="ko-KR" sz="1500" b="0" i="0" u="none" strike="noStrike" cap="none" normalizeH="0" baseline="0" dirty="0" smtClean="0">
+                <a:ln>
+                  <a:noFill/>
+                </a:ln>
+                <a:solidFill>
+                  <a:srgbClr val="A9B7C6"/>
+                </a:solidFill>
+                <a:effectLst/>
+                <a:latin typeface="Arial Unicode MS"/>
+                <a:ea typeface="JetBrains Mono"/>
+              </a:rPr>
+              <a:t>(</a:t>
+            </a:r>
+            <a:r>
+              <a:rPr kumimoji="0" lang="ko-KR" altLang="ko-KR" sz="1500" b="0" i="0" u="none" strike="noStrike" cap="none" normalizeH="0" baseline="0" dirty="0" smtClean="0">
                 <a:ln>
                   <a:noFill/>
                 </a:ln>
@@ -9060,202 +9138,10 @@
                 <a:latin typeface="Arial Unicode MS"/>
                 <a:ea typeface="JetBrains Mono"/>
               </a:rPr>
-              <a:t>'y'</a:t>
-            </a:r>
-            <a:r>
-              <a:rPr kumimoji="0" lang="ko-KR" altLang="ko-KR" sz="1500" b="0" i="0" u="none" strike="noStrike" cap="none" normalizeH="0" baseline="0" smtClean="0">
-                <a:ln>
-                  <a:noFill/>
-                </a:ln>
-                <a:solidFill>
-                  <a:srgbClr val="A9B7C6"/>
-                </a:solidFill>
-                <a:effectLst/>
-                <a:latin typeface="Arial Unicode MS"/>
-                <a:ea typeface="JetBrains Mono"/>
-              </a:rPr>
-              <a:t>:</a:t>
-            </a:r>
-            <a:br>
-              <a:rPr kumimoji="0" lang="ko-KR" altLang="ko-KR" sz="1500" b="0" i="0" u="none" strike="noStrike" cap="none" normalizeH="0" baseline="0" smtClean="0">
-                <a:ln>
-                  <a:noFill/>
-                </a:ln>
-                <a:solidFill>
-                  <a:srgbClr val="A9B7C6"/>
-                </a:solidFill>
-                <a:effectLst/>
-                <a:latin typeface="Arial Unicode MS"/>
-                <a:ea typeface="JetBrains Mono"/>
-              </a:rPr>
-            </a:br>
-            <a:r>
-              <a:rPr kumimoji="0" lang="ko-KR" altLang="ko-KR" sz="1500" b="0" i="0" u="none" strike="noStrike" cap="none" normalizeH="0" baseline="0" smtClean="0">
-                <a:ln>
-                  <a:noFill/>
-                </a:ln>
-                <a:solidFill>
-                  <a:srgbClr val="A9B7C6"/>
-                </a:solidFill>
-                <a:effectLst/>
-                <a:latin typeface="Arial Unicode MS"/>
-                <a:ea typeface="JetBrains Mono"/>
-              </a:rPr>
-              <a:t>        playing = </a:t>
-            </a:r>
-            <a:r>
-              <a:rPr kumimoji="0" lang="ko-KR" altLang="ko-KR" sz="1500" b="0" i="0" u="none" strike="noStrike" cap="none" normalizeH="0" baseline="0" smtClean="0">
-                <a:ln>
-                  <a:noFill/>
-                </a:ln>
-                <a:solidFill>
-                  <a:srgbClr val="CC7832"/>
-                </a:solidFill>
-                <a:effectLst/>
-                <a:latin typeface="Arial Unicode MS"/>
-                <a:ea typeface="JetBrains Mono"/>
-              </a:rPr>
-              <a:t>False</a:t>
-            </a:r>
-            <a:br>
-              <a:rPr kumimoji="0" lang="ko-KR" altLang="ko-KR" sz="1500" b="0" i="0" u="none" strike="noStrike" cap="none" normalizeH="0" baseline="0" smtClean="0">
-                <a:ln>
-                  <a:noFill/>
-                </a:ln>
-                <a:solidFill>
-                  <a:srgbClr val="CC7832"/>
-                </a:solidFill>
-                <a:effectLst/>
-                <a:latin typeface="Arial Unicode MS"/>
-                <a:ea typeface="JetBrains Mono"/>
-              </a:rPr>
-            </a:br>
-            <a:r>
-              <a:rPr kumimoji="0" lang="ko-KR" altLang="ko-KR" sz="1500" b="0" i="0" u="none" strike="noStrike" cap="none" normalizeH="0" baseline="0" smtClean="0">
-                <a:ln>
-                  <a:noFill/>
-                </a:ln>
-                <a:solidFill>
-                  <a:srgbClr val="CC7832"/>
-                </a:solidFill>
-                <a:effectLst/>
-                <a:latin typeface="Arial Unicode MS"/>
-                <a:ea typeface="JetBrains Mono"/>
-              </a:rPr>
-              <a:t>    else</a:t>
-            </a:r>
-            <a:r>
-              <a:rPr kumimoji="0" lang="ko-KR" altLang="ko-KR" sz="1500" b="0" i="0" u="none" strike="noStrike" cap="none" normalizeH="0" baseline="0" smtClean="0">
-                <a:ln>
-                  <a:noFill/>
-                </a:ln>
-                <a:solidFill>
-                  <a:srgbClr val="A9B7C6"/>
-                </a:solidFill>
-                <a:effectLst/>
-                <a:latin typeface="Arial Unicode MS"/>
-                <a:ea typeface="JetBrains Mono"/>
-              </a:rPr>
-              <a:t>:</a:t>
-            </a:r>
-            <a:br>
-              <a:rPr kumimoji="0" lang="ko-KR" altLang="ko-KR" sz="1500" b="0" i="0" u="none" strike="noStrike" cap="none" normalizeH="0" baseline="0" smtClean="0">
-                <a:ln>
-                  <a:noFill/>
-                </a:ln>
-                <a:solidFill>
-                  <a:srgbClr val="A9B7C6"/>
-                </a:solidFill>
-                <a:effectLst/>
-                <a:latin typeface="Arial Unicode MS"/>
-                <a:ea typeface="JetBrains Mono"/>
-              </a:rPr>
-            </a:br>
-            <a:r>
-              <a:rPr kumimoji="0" lang="ko-KR" altLang="ko-KR" sz="1500" b="0" i="0" u="none" strike="noStrike" cap="none" normalizeH="0" baseline="0" smtClean="0">
-                <a:ln>
-                  <a:noFill/>
-                </a:ln>
-                <a:solidFill>
-                  <a:srgbClr val="A9B7C6"/>
-                </a:solidFill>
-                <a:effectLst/>
-                <a:latin typeface="Arial Unicode MS"/>
-                <a:ea typeface="JetBrains Mono"/>
-              </a:rPr>
-              <a:t>        playgin = </a:t>
-            </a:r>
-            <a:r>
-              <a:rPr kumimoji="0" lang="ko-KR" altLang="ko-KR" sz="1500" b="0" i="0" u="none" strike="noStrike" cap="none" normalizeH="0" baseline="0" smtClean="0">
-                <a:ln>
-                  <a:noFill/>
-                </a:ln>
-                <a:solidFill>
-                  <a:srgbClr val="CC7832"/>
-                </a:solidFill>
-                <a:effectLst/>
-                <a:latin typeface="Arial Unicode MS"/>
-                <a:ea typeface="JetBrains Mono"/>
-              </a:rPr>
-              <a:t>True</a:t>
-            </a:r>
-            <a:br>
-              <a:rPr kumimoji="0" lang="ko-KR" altLang="ko-KR" sz="1500" b="0" i="0" u="none" strike="noStrike" cap="none" normalizeH="0" baseline="0" smtClean="0">
-                <a:ln>
-                  <a:noFill/>
-                </a:ln>
-                <a:solidFill>
-                  <a:srgbClr val="CC7832"/>
-                </a:solidFill>
-                <a:effectLst/>
-                <a:latin typeface="Arial Unicode MS"/>
-                <a:ea typeface="JetBrains Mono"/>
-              </a:rPr>
-            </a:br>
-            <a:r>
-              <a:rPr kumimoji="0" lang="ko-KR" altLang="ko-KR" sz="1500" b="0" i="0" u="none" strike="noStrike" cap="none" normalizeH="0" baseline="0" smtClean="0">
-                <a:ln>
-                  <a:noFill/>
-                </a:ln>
-                <a:solidFill>
-                  <a:srgbClr val="8888C6"/>
-                </a:solidFill>
-                <a:effectLst/>
-                <a:latin typeface="Arial Unicode MS"/>
-                <a:ea typeface="JetBrains Mono"/>
-              </a:rPr>
-              <a:t>print</a:t>
-            </a:r>
-            <a:r>
-              <a:rPr kumimoji="0" lang="ko-KR" altLang="ko-KR" sz="1500" b="0" i="0" u="none" strike="noStrike" cap="none" normalizeH="0" baseline="0" smtClean="0">
-                <a:ln>
-                  <a:noFill/>
-                </a:ln>
-                <a:solidFill>
-                  <a:srgbClr val="A9B7C6"/>
-                </a:solidFill>
-                <a:effectLst/>
-                <a:latin typeface="Arial Unicode MS"/>
-                <a:ea typeface="JetBrains Mono"/>
-              </a:rPr>
-              <a:t>(</a:t>
-            </a:r>
-            <a:r>
-              <a:rPr kumimoji="0" lang="ko-KR" altLang="ko-KR" sz="1500" b="0" i="0" u="none" strike="noStrike" cap="none" normalizeH="0" baseline="0" smtClean="0">
-                <a:ln>
-                  <a:noFill/>
-                </a:ln>
-                <a:solidFill>
-                  <a:srgbClr val="6A8759"/>
-                </a:solidFill>
-                <a:effectLst/>
-                <a:latin typeface="Arial Unicode MS"/>
-                <a:ea typeface="JetBrains Mono"/>
-              </a:rPr>
               <a:t>'</a:t>
             </a:r>
             <a:r>
-              <a:rPr kumimoji="0" lang="ko-KR" altLang="ko-KR" sz="1500" b="0" i="0" u="none" strike="noStrike" cap="none" normalizeH="0" baseline="0" smtClean="0">
+              <a:rPr kumimoji="0" lang="ko-KR" altLang="ko-KR" sz="1500" b="0" i="0" u="none" strike="noStrike" cap="none" normalizeH="0" baseline="0" dirty="0" smtClean="0">
                 <a:ln>
                   <a:noFill/>
                 </a:ln>
@@ -9266,10 +9152,551 @@
                 <a:latin typeface="맑은 고딕" panose="020B0503020000020004" pitchFamily="50" charset="-127"/>
                 <a:ea typeface="맑은 고딕" panose="020B0503020000020004" pitchFamily="50" charset="-127"/>
               </a:rPr>
+              <a:t>프로그램을 종료할까요</a:t>
+            </a:r>
+            <a:r>
+              <a:rPr kumimoji="0" lang="ko-KR" altLang="ko-KR" sz="1500" b="0" i="0" u="none" strike="noStrike" cap="none" normalizeH="0" baseline="0" dirty="0" smtClean="0">
+                <a:ln>
+                  <a:noFill/>
+                </a:ln>
+                <a:solidFill>
+                  <a:srgbClr val="6A8759"/>
+                </a:solidFill>
+                <a:effectLst/>
+                <a:latin typeface="Arial Unicode MS"/>
+                <a:ea typeface="JetBrains Mono"/>
+              </a:rPr>
+              <a:t>?[</a:t>
+            </a:r>
+            <a:r>
+              <a:rPr kumimoji="0" lang="ko-KR" altLang="ko-KR" sz="1500" b="0" i="0" u="none" strike="noStrike" cap="none" normalizeH="0" baseline="0" dirty="0" err="1" smtClean="0">
+                <a:ln>
+                  <a:noFill/>
+                </a:ln>
+                <a:solidFill>
+                  <a:srgbClr val="6A8759"/>
+                </a:solidFill>
+                <a:effectLst/>
+                <a:latin typeface="Arial Unicode MS"/>
+                <a:ea typeface="JetBrains Mono"/>
+              </a:rPr>
+              <a:t>y</a:t>
+            </a:r>
+            <a:r>
+              <a:rPr kumimoji="0" lang="ko-KR" altLang="ko-KR" sz="1500" b="0" i="0" u="none" strike="noStrike" cap="none" normalizeH="0" baseline="0" dirty="0" smtClean="0">
+                <a:ln>
+                  <a:noFill/>
+                </a:ln>
+                <a:solidFill>
+                  <a:srgbClr val="6A8759"/>
+                </a:solidFill>
+                <a:effectLst/>
+                <a:latin typeface="Arial Unicode MS"/>
+                <a:ea typeface="JetBrains Mono"/>
+              </a:rPr>
+              <a:t>/</a:t>
+            </a:r>
+            <a:r>
+              <a:rPr kumimoji="0" lang="ko-KR" altLang="ko-KR" sz="1500" b="0" i="0" u="none" strike="noStrike" cap="none" normalizeH="0" baseline="0" dirty="0" err="1" smtClean="0">
+                <a:ln>
+                  <a:noFill/>
+                </a:ln>
+                <a:solidFill>
+                  <a:srgbClr val="6A8759"/>
+                </a:solidFill>
+                <a:effectLst/>
+                <a:latin typeface="Arial Unicode MS"/>
+                <a:ea typeface="JetBrains Mono"/>
+              </a:rPr>
+              <a:t>n</a:t>
+            </a:r>
+            <a:r>
+              <a:rPr kumimoji="0" lang="ko-KR" altLang="ko-KR" sz="1500" b="0" i="0" u="none" strike="noStrike" cap="none" normalizeH="0" baseline="0" dirty="0" smtClean="0">
+                <a:ln>
+                  <a:noFill/>
+                </a:ln>
+                <a:solidFill>
+                  <a:srgbClr val="6A8759"/>
+                </a:solidFill>
+                <a:effectLst/>
+                <a:latin typeface="Arial Unicode MS"/>
+                <a:ea typeface="JetBrains Mono"/>
+              </a:rPr>
+              <a:t>]'</a:t>
+            </a:r>
+            <a:r>
+              <a:rPr kumimoji="0" lang="ko-KR" altLang="ko-KR" sz="1500" b="0" i="0" u="none" strike="noStrike" cap="none" normalizeH="0" baseline="0" dirty="0" smtClean="0">
+                <a:ln>
+                  <a:noFill/>
+                </a:ln>
+                <a:solidFill>
+                  <a:srgbClr val="A9B7C6"/>
+                </a:solidFill>
+                <a:effectLst/>
+                <a:latin typeface="Arial Unicode MS"/>
+                <a:ea typeface="JetBrains Mono"/>
+              </a:rPr>
+              <a:t>)</a:t>
+            </a:r>
+            <a:br>
+              <a:rPr kumimoji="0" lang="ko-KR" altLang="ko-KR" sz="1500" b="0" i="0" u="none" strike="noStrike" cap="none" normalizeH="0" baseline="0" dirty="0" smtClean="0">
+                <a:ln>
+                  <a:noFill/>
+                </a:ln>
+                <a:solidFill>
+                  <a:srgbClr val="A9B7C6"/>
+                </a:solidFill>
+                <a:effectLst/>
+                <a:latin typeface="Arial Unicode MS"/>
+                <a:ea typeface="JetBrains Mono"/>
+              </a:rPr>
+            </a:br>
+            <a:r>
+              <a:rPr kumimoji="0" lang="ko-KR" altLang="ko-KR" sz="1500" b="0" i="0" u="none" strike="noStrike" cap="none" normalizeH="0" baseline="0" dirty="0" smtClean="0">
+                <a:ln>
+                  <a:noFill/>
+                </a:ln>
+                <a:solidFill>
+                  <a:srgbClr val="A9B7C6"/>
+                </a:solidFill>
+                <a:effectLst/>
+                <a:latin typeface="Arial Unicode MS"/>
+                <a:ea typeface="JetBrains Mono"/>
+              </a:rPr>
+              <a:t>    </a:t>
+            </a:r>
+            <a:r>
+              <a:rPr kumimoji="0" lang="ko-KR" altLang="ko-KR" sz="1500" b="0" i="0" u="none" strike="noStrike" cap="none" normalizeH="0" baseline="0" dirty="0" err="1" smtClean="0">
+                <a:ln>
+                  <a:noFill/>
+                </a:ln>
+                <a:solidFill>
+                  <a:srgbClr val="CC7832"/>
+                </a:solidFill>
+                <a:effectLst/>
+                <a:latin typeface="Arial Unicode MS"/>
+                <a:ea typeface="JetBrains Mono"/>
+              </a:rPr>
+              <a:t>if</a:t>
+            </a:r>
+            <a:r>
+              <a:rPr kumimoji="0" lang="ko-KR" altLang="ko-KR" sz="1500" b="0" i="0" u="none" strike="noStrike" cap="none" normalizeH="0" baseline="0" dirty="0" smtClean="0">
+                <a:ln>
+                  <a:noFill/>
+                </a:ln>
+                <a:solidFill>
+                  <a:srgbClr val="CC7832"/>
+                </a:solidFill>
+                <a:effectLst/>
+                <a:latin typeface="Arial Unicode MS"/>
+                <a:ea typeface="JetBrains Mono"/>
+              </a:rPr>
+              <a:t> </a:t>
+            </a:r>
+            <a:r>
+              <a:rPr kumimoji="0" lang="ko-KR" altLang="ko-KR" sz="1500" b="0" i="0" u="none" strike="noStrike" cap="none" normalizeH="0" baseline="0" dirty="0" err="1" smtClean="0">
+                <a:ln>
+                  <a:noFill/>
+                </a:ln>
+                <a:solidFill>
+                  <a:srgbClr val="A9B7C6"/>
+                </a:solidFill>
+                <a:effectLst/>
+                <a:latin typeface="Arial Unicode MS"/>
+                <a:ea typeface="JetBrains Mono"/>
+              </a:rPr>
+              <a:t>a</a:t>
+            </a:r>
+            <a:r>
+              <a:rPr kumimoji="0" lang="ko-KR" altLang="ko-KR" sz="1500" b="0" i="0" u="none" strike="noStrike" cap="none" normalizeH="0" baseline="0" dirty="0" smtClean="0">
+                <a:ln>
+                  <a:noFill/>
+                </a:ln>
+                <a:solidFill>
+                  <a:srgbClr val="A9B7C6"/>
+                </a:solidFill>
+                <a:effectLst/>
+                <a:latin typeface="Arial Unicode MS"/>
+                <a:ea typeface="JetBrains Mono"/>
+              </a:rPr>
+              <a:t> == </a:t>
+            </a:r>
+            <a:r>
+              <a:rPr kumimoji="0" lang="ko-KR" altLang="ko-KR" sz="1500" b="0" i="0" u="none" strike="noStrike" cap="none" normalizeH="0" baseline="0" dirty="0" smtClean="0">
+                <a:ln>
+                  <a:noFill/>
+                </a:ln>
+                <a:solidFill>
+                  <a:srgbClr val="6A8759"/>
+                </a:solidFill>
+                <a:effectLst/>
+                <a:latin typeface="Arial Unicode MS"/>
+                <a:ea typeface="JetBrains Mono"/>
+              </a:rPr>
+              <a:t>'</a:t>
+            </a:r>
+            <a:r>
+              <a:rPr kumimoji="0" lang="ko-KR" altLang="ko-KR" sz="1500" b="0" i="0" u="none" strike="noStrike" cap="none" normalizeH="0" baseline="0" dirty="0" err="1" smtClean="0">
+                <a:ln>
+                  <a:noFill/>
+                </a:ln>
+                <a:solidFill>
+                  <a:srgbClr val="6A8759"/>
+                </a:solidFill>
+                <a:effectLst/>
+                <a:latin typeface="Arial Unicode MS"/>
+                <a:ea typeface="JetBrains Mono"/>
+              </a:rPr>
+              <a:t>y</a:t>
+            </a:r>
+            <a:r>
+              <a:rPr kumimoji="0" lang="ko-KR" altLang="ko-KR" sz="1500" b="0" i="0" u="none" strike="noStrike" cap="none" normalizeH="0" baseline="0" dirty="0" smtClean="0">
+                <a:ln>
+                  <a:noFill/>
+                </a:ln>
+                <a:solidFill>
+                  <a:srgbClr val="6A8759"/>
+                </a:solidFill>
+                <a:effectLst/>
+                <a:latin typeface="Arial Unicode MS"/>
+                <a:ea typeface="JetBrains Mono"/>
+              </a:rPr>
+              <a:t>'</a:t>
+            </a:r>
+            <a:r>
+              <a:rPr kumimoji="0" lang="ko-KR" altLang="ko-KR" sz="1500" b="0" i="0" u="none" strike="noStrike" cap="none" normalizeH="0" baseline="0" dirty="0" smtClean="0">
+                <a:ln>
+                  <a:noFill/>
+                </a:ln>
+                <a:solidFill>
+                  <a:srgbClr val="A9B7C6"/>
+                </a:solidFill>
+                <a:effectLst/>
+                <a:latin typeface="Arial Unicode MS"/>
+                <a:ea typeface="JetBrains Mono"/>
+              </a:rPr>
+              <a:t>:</a:t>
+            </a:r>
+            <a:br>
+              <a:rPr kumimoji="0" lang="ko-KR" altLang="ko-KR" sz="1500" b="0" i="0" u="none" strike="noStrike" cap="none" normalizeH="0" baseline="0" dirty="0" smtClean="0">
+                <a:ln>
+                  <a:noFill/>
+                </a:ln>
+                <a:solidFill>
+                  <a:srgbClr val="A9B7C6"/>
+                </a:solidFill>
+                <a:effectLst/>
+                <a:latin typeface="Arial Unicode MS"/>
+                <a:ea typeface="JetBrains Mono"/>
+              </a:rPr>
+            </a:br>
+            <a:r>
+              <a:rPr kumimoji="0" lang="ko-KR" altLang="ko-KR" sz="1500" b="0" i="0" u="none" strike="noStrike" cap="none" normalizeH="0" baseline="0" dirty="0" smtClean="0">
+                <a:ln>
+                  <a:noFill/>
+                </a:ln>
+                <a:solidFill>
+                  <a:srgbClr val="A9B7C6"/>
+                </a:solidFill>
+                <a:effectLst/>
+                <a:latin typeface="Arial Unicode MS"/>
+                <a:ea typeface="JetBrains Mono"/>
+              </a:rPr>
+              <a:t>        </a:t>
+            </a:r>
+            <a:r>
+              <a:rPr kumimoji="0" lang="ko-KR" altLang="ko-KR" sz="1500" b="0" i="0" u="none" strike="noStrike" cap="none" normalizeH="0" baseline="0" dirty="0" err="1" smtClean="0">
+                <a:ln>
+                  <a:noFill/>
+                </a:ln>
+                <a:solidFill>
+                  <a:srgbClr val="A9B7C6"/>
+                </a:solidFill>
+                <a:effectLst/>
+                <a:latin typeface="Arial Unicode MS"/>
+                <a:ea typeface="JetBrains Mono"/>
+              </a:rPr>
+              <a:t>playing</a:t>
+            </a:r>
+            <a:r>
+              <a:rPr kumimoji="0" lang="ko-KR" altLang="ko-KR" sz="1500" b="0" i="0" u="none" strike="noStrike" cap="none" normalizeH="0" baseline="0" dirty="0" smtClean="0">
+                <a:ln>
+                  <a:noFill/>
+                </a:ln>
+                <a:solidFill>
+                  <a:srgbClr val="A9B7C6"/>
+                </a:solidFill>
+                <a:effectLst/>
+                <a:latin typeface="Arial Unicode MS"/>
+                <a:ea typeface="JetBrains Mono"/>
+              </a:rPr>
+              <a:t> = </a:t>
+            </a:r>
+            <a:r>
+              <a:rPr kumimoji="0" lang="ko-KR" altLang="ko-KR" sz="1500" b="0" i="0" u="none" strike="noStrike" cap="none" normalizeH="0" baseline="0" dirty="0" err="1" smtClean="0">
+                <a:ln>
+                  <a:noFill/>
+                </a:ln>
+                <a:solidFill>
+                  <a:srgbClr val="CC7832"/>
+                </a:solidFill>
+                <a:effectLst/>
+                <a:latin typeface="Arial Unicode MS"/>
+                <a:ea typeface="JetBrains Mono"/>
+              </a:rPr>
+              <a:t>False</a:t>
+            </a:r>
+            <a:r>
+              <a:rPr kumimoji="0" lang="ko-KR" altLang="ko-KR" sz="1500" b="0" i="0" u="none" strike="noStrike" cap="none" normalizeH="0" baseline="0" dirty="0" smtClean="0">
+                <a:ln>
+                  <a:noFill/>
+                </a:ln>
+                <a:solidFill>
+                  <a:srgbClr val="CC7832"/>
+                </a:solidFill>
+                <a:effectLst/>
+                <a:latin typeface="Arial Unicode MS"/>
+                <a:ea typeface="JetBrains Mono"/>
+              </a:rPr>
+              <a:t/>
+            </a:r>
+            <a:br>
+              <a:rPr kumimoji="0" lang="ko-KR" altLang="ko-KR" sz="1500" b="0" i="0" u="none" strike="noStrike" cap="none" normalizeH="0" baseline="0" dirty="0" smtClean="0">
+                <a:ln>
+                  <a:noFill/>
+                </a:ln>
+                <a:solidFill>
+                  <a:srgbClr val="CC7832"/>
+                </a:solidFill>
+                <a:effectLst/>
+                <a:latin typeface="Arial Unicode MS"/>
+                <a:ea typeface="JetBrains Mono"/>
+              </a:rPr>
+            </a:br>
+            <a:r>
+              <a:rPr kumimoji="0" lang="ko-KR" altLang="ko-KR" sz="1500" b="0" i="0" u="none" strike="noStrike" cap="none" normalizeH="0" baseline="0" dirty="0" smtClean="0">
+                <a:ln>
+                  <a:noFill/>
+                </a:ln>
+                <a:solidFill>
+                  <a:srgbClr val="CC7832"/>
+                </a:solidFill>
+                <a:effectLst/>
+                <a:latin typeface="Arial Unicode MS"/>
+                <a:ea typeface="JetBrains Mono"/>
+              </a:rPr>
+              <a:t>    </a:t>
+            </a:r>
+            <a:r>
+              <a:rPr kumimoji="0" lang="ko-KR" altLang="ko-KR" sz="1500" b="0" i="0" u="none" strike="noStrike" cap="none" normalizeH="0" baseline="0" dirty="0" err="1" smtClean="0">
+                <a:ln>
+                  <a:noFill/>
+                </a:ln>
+                <a:solidFill>
+                  <a:srgbClr val="CC7832"/>
+                </a:solidFill>
+                <a:effectLst/>
+                <a:latin typeface="Arial Unicode MS"/>
+                <a:ea typeface="JetBrains Mono"/>
+              </a:rPr>
+              <a:t>else</a:t>
+            </a:r>
+            <a:r>
+              <a:rPr kumimoji="0" lang="ko-KR" altLang="ko-KR" sz="1500" b="0" i="0" u="none" strike="noStrike" cap="none" normalizeH="0" baseline="0" dirty="0" smtClean="0">
+                <a:ln>
+                  <a:noFill/>
+                </a:ln>
+                <a:solidFill>
+                  <a:srgbClr val="A9B7C6"/>
+                </a:solidFill>
+                <a:effectLst/>
+                <a:latin typeface="Arial Unicode MS"/>
+                <a:ea typeface="JetBrains Mono"/>
+              </a:rPr>
+              <a:t>:</a:t>
+            </a:r>
+            <a:br>
+              <a:rPr kumimoji="0" lang="ko-KR" altLang="ko-KR" sz="1500" b="0" i="0" u="none" strike="noStrike" cap="none" normalizeH="0" baseline="0" dirty="0" smtClean="0">
+                <a:ln>
+                  <a:noFill/>
+                </a:ln>
+                <a:solidFill>
+                  <a:srgbClr val="A9B7C6"/>
+                </a:solidFill>
+                <a:effectLst/>
+                <a:latin typeface="Arial Unicode MS"/>
+                <a:ea typeface="JetBrains Mono"/>
+              </a:rPr>
+            </a:br>
+            <a:r>
+              <a:rPr kumimoji="0" lang="ko-KR" altLang="ko-KR" sz="1500" b="0" i="0" u="none" strike="noStrike" cap="none" normalizeH="0" baseline="0" dirty="0" smtClean="0">
+                <a:ln>
+                  <a:noFill/>
+                </a:ln>
+                <a:solidFill>
+                  <a:srgbClr val="A9B7C6"/>
+                </a:solidFill>
+                <a:effectLst/>
+                <a:latin typeface="Arial Unicode MS"/>
+                <a:ea typeface="JetBrains Mono"/>
+              </a:rPr>
+              <a:t>        </a:t>
+            </a:r>
+            <a:r>
+              <a:rPr kumimoji="0" lang="ko-KR" altLang="ko-KR" sz="1500" b="0" i="0" u="none" strike="noStrike" cap="none" normalizeH="0" baseline="0" dirty="0" err="1" smtClean="0">
+                <a:ln>
+                  <a:noFill/>
+                </a:ln>
+                <a:solidFill>
+                  <a:srgbClr val="A9B7C6"/>
+                </a:solidFill>
+                <a:effectLst/>
+                <a:latin typeface="Arial Unicode MS"/>
+                <a:ea typeface="JetBrains Mono"/>
+              </a:rPr>
+              <a:t>playin</a:t>
+            </a:r>
+            <a:r>
+              <a:rPr kumimoji="0" lang="en-US" altLang="ko-KR" sz="1500" b="0" i="0" u="none" strike="noStrike" cap="none" normalizeH="0" baseline="0" dirty="0" smtClean="0">
+                <a:ln>
+                  <a:noFill/>
+                </a:ln>
+                <a:solidFill>
+                  <a:srgbClr val="A9B7C6"/>
+                </a:solidFill>
+                <a:effectLst/>
+                <a:latin typeface="Arial Unicode MS"/>
+                <a:ea typeface="JetBrains Mono"/>
+              </a:rPr>
+              <a:t>g</a:t>
+            </a:r>
+            <a:r>
+              <a:rPr kumimoji="0" lang="ko-KR" altLang="ko-KR" sz="1500" b="0" i="0" u="none" strike="noStrike" cap="none" normalizeH="0" baseline="0" dirty="0" smtClean="0">
+                <a:ln>
+                  <a:noFill/>
+                </a:ln>
+                <a:solidFill>
+                  <a:srgbClr val="A9B7C6"/>
+                </a:solidFill>
+                <a:effectLst/>
+                <a:latin typeface="Arial Unicode MS"/>
+                <a:ea typeface="JetBrains Mono"/>
+              </a:rPr>
+              <a:t> </a:t>
+            </a:r>
+            <a:r>
+              <a:rPr kumimoji="0" lang="ko-KR" altLang="ko-KR" sz="1500" b="0" i="0" u="none" strike="noStrike" cap="none" normalizeH="0" baseline="0" dirty="0" smtClean="0">
+                <a:ln>
+                  <a:noFill/>
+                </a:ln>
+                <a:solidFill>
+                  <a:srgbClr val="A9B7C6"/>
+                </a:solidFill>
+                <a:effectLst/>
+                <a:latin typeface="Arial Unicode MS"/>
+                <a:ea typeface="JetBrains Mono"/>
+              </a:rPr>
+              <a:t>= </a:t>
+            </a:r>
+            <a:r>
+              <a:rPr kumimoji="0" lang="ko-KR" altLang="ko-KR" sz="1500" b="0" i="0" u="none" strike="noStrike" cap="none" normalizeH="0" baseline="0" dirty="0" err="1" smtClean="0">
+                <a:ln>
+                  <a:noFill/>
+                </a:ln>
+                <a:solidFill>
+                  <a:srgbClr val="CC7832"/>
+                </a:solidFill>
+                <a:effectLst/>
+                <a:latin typeface="Arial Unicode MS"/>
+                <a:ea typeface="JetBrains Mono"/>
+              </a:rPr>
+              <a:t>True</a:t>
+            </a:r>
+            <a:r>
+              <a:rPr kumimoji="0" lang="ko-KR" altLang="ko-KR" sz="1500" b="0" i="0" u="none" strike="noStrike" cap="none" normalizeH="0" baseline="0" dirty="0" smtClean="0">
+                <a:ln>
+                  <a:noFill/>
+                </a:ln>
+                <a:solidFill>
+                  <a:srgbClr val="CC7832"/>
+                </a:solidFill>
+                <a:effectLst/>
+                <a:latin typeface="Arial Unicode MS"/>
+                <a:ea typeface="JetBrains Mono"/>
+              </a:rPr>
+              <a:t/>
+            </a:r>
+            <a:br>
+              <a:rPr kumimoji="0" lang="ko-KR" altLang="ko-KR" sz="1500" b="0" i="0" u="none" strike="noStrike" cap="none" normalizeH="0" baseline="0" dirty="0" smtClean="0">
+                <a:ln>
+                  <a:noFill/>
+                </a:ln>
+                <a:solidFill>
+                  <a:srgbClr val="CC7832"/>
+                </a:solidFill>
+                <a:effectLst/>
+                <a:latin typeface="Arial Unicode MS"/>
+                <a:ea typeface="JetBrains Mono"/>
+              </a:rPr>
+            </a:br>
+            <a:r>
+              <a:rPr kumimoji="0" lang="ko-KR" altLang="ko-KR" sz="1500" b="0" i="0" u="none" strike="noStrike" cap="none" normalizeH="0" baseline="0" dirty="0" err="1" smtClean="0">
+                <a:ln>
+                  <a:noFill/>
+                </a:ln>
+                <a:solidFill>
+                  <a:srgbClr val="8888C6"/>
+                </a:solidFill>
+                <a:effectLst/>
+                <a:latin typeface="Arial Unicode MS"/>
+                <a:ea typeface="JetBrains Mono"/>
+              </a:rPr>
+              <a:t>print</a:t>
+            </a:r>
+            <a:r>
+              <a:rPr kumimoji="0" lang="ko-KR" altLang="ko-KR" sz="1500" b="0" i="0" u="none" strike="noStrike" cap="none" normalizeH="0" baseline="0" dirty="0" smtClean="0">
+                <a:ln>
+                  <a:noFill/>
+                </a:ln>
+                <a:solidFill>
+                  <a:srgbClr val="A9B7C6"/>
+                </a:solidFill>
+                <a:effectLst/>
+                <a:latin typeface="Arial Unicode MS"/>
+                <a:ea typeface="JetBrains Mono"/>
+              </a:rPr>
+              <a:t>(</a:t>
+            </a:r>
+            <a:r>
+              <a:rPr kumimoji="0" lang="ko-KR" altLang="ko-KR" sz="1500" b="0" i="0" u="none" strike="noStrike" cap="none" normalizeH="0" baseline="0" dirty="0" smtClean="0">
+                <a:ln>
+                  <a:noFill/>
+                </a:ln>
+                <a:solidFill>
+                  <a:srgbClr val="6A8759"/>
+                </a:solidFill>
+                <a:effectLst/>
+                <a:latin typeface="Arial Unicode MS"/>
+                <a:ea typeface="JetBrains Mono"/>
+              </a:rPr>
+              <a:t>'</a:t>
+            </a:r>
+            <a:r>
+              <a:rPr kumimoji="0" lang="ko-KR" altLang="ko-KR" sz="1500" b="0" i="0" u="none" strike="noStrike" cap="none" normalizeH="0" baseline="0" dirty="0" smtClean="0">
+                <a:ln>
+                  <a:noFill/>
+                </a:ln>
+                <a:solidFill>
+                  <a:srgbClr val="6A8759"/>
+                </a:solidFill>
+                <a:effectLst/>
+                <a:latin typeface="맑은 고딕" panose="020B0503020000020004" pitchFamily="50" charset="-127"/>
+                <a:ea typeface="맑은 고딕" panose="020B0503020000020004" pitchFamily="50" charset="-127"/>
+              </a:rPr>
               <a:t>프로그램을 종료합니다</a:t>
             </a:r>
             <a:r>
-              <a:rPr kumimoji="0" lang="ko-KR" altLang="ko-KR" sz="1500" b="0" i="0" u="none" strike="noStrike" cap="none" normalizeH="0" baseline="0" smtClean="0">
+              <a:rPr kumimoji="0" lang="ko-KR" altLang="ko-KR" sz="1500" b="0" i="0" u="none" strike="noStrike" cap="none" normalizeH="0" baseline="0" dirty="0" smtClean="0">
                 <a:ln>
                   <a:noFill/>
                 </a:ln>
@@ -9283,7 +9710,7 @@
               <a:t>.'</a:t>
             </a:r>
             <a:r>
-              <a:rPr kumimoji="0" lang="ko-KR" altLang="ko-KR" sz="1500" b="0" i="0" u="none" strike="noStrike" cap="none" normalizeH="0" baseline="0" smtClean="0">
+              <a:rPr kumimoji="0" lang="ko-KR" altLang="ko-KR" sz="1500" b="0" i="0" u="none" strike="noStrike" cap="none" normalizeH="0" baseline="0" dirty="0" smtClean="0">
                 <a:ln>
                   <a:noFill/>
                 </a:ln>
@@ -9296,7 +9723,7 @@
               </a:rPr>
               <a:t>)</a:t>
             </a:r>
-            <a:endParaRPr kumimoji="0" lang="ko-KR" altLang="ko-KR" sz="1800" b="0" i="0" u="none" strike="noStrike" cap="none" normalizeH="0" baseline="0" smtClean="0">
+            <a:endParaRPr kumimoji="0" lang="ko-KR" altLang="ko-KR" sz="1800" b="0" i="0" u="none" strike="noStrike" cap="none" normalizeH="0" baseline="0" dirty="0" smtClean="0">
               <a:ln>
                 <a:noFill/>
               </a:ln>
@@ -9319,6 +9746,13 @@
   <p:clrMapOvr>
     <a:masterClrMapping/>
   </p:clrMapOvr>
+  <p:timing>
+    <p:tnLst>
+      <p:par>
+        <p:cTn id="1" dur="indefinite" restart="never" nodeType="tmRoot"/>
+      </p:par>
+    </p:tnLst>
+  </p:timing>
 </p:sld>
 </file>
 
@@ -9358,14 +9792,14 @@
               <a:defRPr/>
             </a:pPr>
             <a:r>
-              <a:rPr lang="ko-KR" altLang="en-US"/>
+              <a:rPr lang="ko-KR" altLang="en-US" dirty="0"/>
               <a:t>미션</a:t>
             </a:r>
             <a:r>
-              <a:rPr lang="en-US" altLang="ko-KR"/>
+              <a:rPr lang="en-US" altLang="ko-KR" dirty="0"/>
               <a:t>!</a:t>
             </a:r>
-            <a:endParaRPr lang="ko-KR" altLang="en-US"/>
+            <a:endParaRPr lang="ko-KR" altLang="en-US" dirty="0"/>
           </a:p>
         </p:txBody>
       </p:sp>
@@ -9405,11 +9839,7 @@
             </a:r>
             <a:r>
               <a:rPr lang="ko-KR" altLang="en-US" dirty="0" smtClean="0"/>
-              <a:t> </a:t>
-            </a:r>
-            <a:r>
-              <a:rPr lang="ko-KR" altLang="en-US" dirty="0" smtClean="0"/>
-              <a:t>사용해서 구구단을 출력해 보세요</a:t>
+              <a:t> 사용해서 구구단을 출력해 보세요</a:t>
             </a:r>
             <a:r>
               <a:rPr lang="en-US" altLang="ko-KR" dirty="0" smtClean="0"/>
@@ -9434,11 +9864,7 @@
             </a:r>
             <a:r>
               <a:rPr lang="ko-KR" altLang="en-US" dirty="0" smtClean="0"/>
-              <a:t> </a:t>
-            </a:r>
-            <a:r>
-              <a:rPr lang="ko-KR" altLang="en-US" dirty="0" smtClean="0"/>
-              <a:t>사용해서 숫자를 여러 개 입력 받으면 </a:t>
+              <a:t> 사용해서 숫자를 여러 개 입력 받으면 </a:t>
             </a:r>
             <a:r>
               <a:rPr lang="ko-KR" altLang="en-US" dirty="0" err="1" smtClean="0"/>
@@ -9446,11 +9872,7 @@
             </a:r>
             <a:r>
               <a:rPr lang="ko-KR" altLang="en-US" dirty="0" smtClean="0"/>
-              <a:t> 만큼 </a:t>
-            </a:r>
-            <a:r>
-              <a:rPr lang="ko-KR" altLang="en-US" dirty="0" smtClean="0"/>
-              <a:t>하트를 출력해 보세요</a:t>
+              <a:t> 만큼 하트를 출력해 보세요</a:t>
             </a:r>
             <a:r>
               <a:rPr lang="en-US" altLang="ko-KR" dirty="0" smtClean="0"/>
@@ -9497,7 +9919,6 @@
               <a:rPr lang="en-US" altLang="ko-KR" dirty="0" smtClean="0"/>
               <a:t>.</a:t>
             </a:r>
-            <a:endParaRPr lang="en-US" altLang="ko-KR" dirty="0" smtClean="0"/>
           </a:p>
           <a:p>
             <a:pPr marL="0" indent="0">
@@ -9505,6 +9926,386 @@
               <a:defRPr/>
             </a:pPr>
             <a:endParaRPr lang="en-US" altLang="ko-KR" dirty="0"/>
+          </a:p>
+        </p:txBody>
+      </p:sp>
+      <p:sp>
+        <p:nvSpPr>
+          <p:cNvPr id="4" name="Rectangle 1"/>
+          <p:cNvSpPr>
+            <a:spLocks noChangeArrowheads="1"/>
+          </p:cNvSpPr>
+          <p:nvPr/>
+        </p:nvSpPr>
+        <p:spPr bwMode="auto">
+          <a:xfrm>
+            <a:off x="7506607" y="0"/>
+            <a:ext cx="1619672" cy="2996952"/>
+          </a:xfrm>
+          <a:prstGeom prst="rect">
+            <a:avLst/>
+          </a:prstGeom>
+          <a:solidFill>
+            <a:srgbClr val="2B2B2B"/>
+          </a:solidFill>
+          <a:ln>
+            <a:noFill/>
+          </a:ln>
+          <a:effectLst/>
+          <a:extLst>
+            <a:ext uri="{91240B29-F687-4F45-9708-019B960494DF}">
+              <a14:hiddenLine xmlns:a14="http://schemas.microsoft.com/office/drawing/2010/main" w="9525">
+                <a:solidFill>
+                  <a:schemeClr val="tx1"/>
+                </a:solidFill>
+                <a:miter lim="800000"/>
+                <a:headEnd/>
+                <a:tailEnd/>
+              </a14:hiddenLine>
+            </a:ext>
+            <a:ext uri="{AF507438-7753-43E0-B8FC-AC1667EBCBE1}">
+              <a14:hiddenEffects xmlns:a14="http://schemas.microsoft.com/office/drawing/2010/main">
+                <a:effectLst>
+                  <a:outerShdw dist="35921" dir="2700000" algn="ctr" rotWithShape="0">
+                    <a:schemeClr val="bg2"/>
+                  </a:outerShdw>
+                </a:effectLst>
+              </a14:hiddenEffects>
+            </a:ext>
+          </a:extLst>
+        </p:spPr>
+        <p:txBody>
+          <a:bodyPr vert="horz" wrap="square" lIns="91440" tIns="45720" rIns="91440" bIns="45720" numCol="1" anchor="ctr" anchorCtr="0" compatLnSpc="1">
+            <a:prstTxWarp prst="textNoShape">
+              <a:avLst/>
+            </a:prstTxWarp>
+            <a:spAutoFit/>
+          </a:bodyPr>
+          <a:lstStyle/>
+          <a:p>
+            <a:pPr marL="0" marR="0" lvl="0" indent="0" algn="l" defTabSz="914400" rtl="0" eaLnBrk="0" fontAlgn="base" latinLnBrk="0" hangingPunct="0">
+              <a:lnSpc>
+                <a:spcPct val="100000"/>
+              </a:lnSpc>
+              <a:spcBef>
+                <a:spcPct val="0"/>
+              </a:spcBef>
+              <a:spcAft>
+                <a:spcPct val="0"/>
+              </a:spcAft>
+              <a:buClrTx/>
+              <a:buSzTx/>
+              <a:buFontTx/>
+              <a:buNone/>
+              <a:tabLst/>
+            </a:pPr>
+            <a:r>
+              <a:rPr kumimoji="0" lang="ko-KR" altLang="ko-KR" sz="1500" b="0" i="0" u="none" strike="noStrike" cap="none" normalizeH="0" baseline="0" smtClean="0">
+                <a:ln>
+                  <a:noFill/>
+                </a:ln>
+                <a:solidFill>
+                  <a:srgbClr val="6897BB"/>
+                </a:solidFill>
+                <a:effectLst/>
+                <a:latin typeface="Arial Unicode MS"/>
+                <a:ea typeface="JetBrains Mono"/>
+              </a:rPr>
+              <a:t>5354</a:t>
+            </a:r>
+            <a:br>
+              <a:rPr kumimoji="0" lang="ko-KR" altLang="ko-KR" sz="1500" b="0" i="0" u="none" strike="noStrike" cap="none" normalizeH="0" baseline="0" smtClean="0">
+                <a:ln>
+                  <a:noFill/>
+                </a:ln>
+                <a:solidFill>
+                  <a:srgbClr val="6897BB"/>
+                </a:solidFill>
+                <a:effectLst/>
+                <a:latin typeface="Arial Unicode MS"/>
+                <a:ea typeface="JetBrains Mono"/>
+              </a:rPr>
+            </a:br>
+            <a:r>
+              <a:rPr kumimoji="0" lang="ko-KR" altLang="ko-KR" sz="1500" b="0" i="0" u="none" strike="noStrike" cap="none" normalizeH="0" baseline="0" smtClean="0">
+                <a:ln>
+                  <a:noFill/>
+                </a:ln>
+                <a:solidFill>
+                  <a:srgbClr val="A9B7C6"/>
+                </a:solidFill>
+                <a:effectLst/>
+                <a:latin typeface="Arial Unicode MS"/>
+                <a:ea typeface="JetBrains Mono"/>
+              </a:rPr>
+              <a:t>---&gt;</a:t>
+            </a:r>
+            <a:br>
+              <a:rPr kumimoji="0" lang="ko-KR" altLang="ko-KR" sz="1500" b="0" i="0" u="none" strike="noStrike" cap="none" normalizeH="0" baseline="0" smtClean="0">
+                <a:ln>
+                  <a:noFill/>
+                </a:ln>
+                <a:solidFill>
+                  <a:srgbClr val="A9B7C6"/>
+                </a:solidFill>
+                <a:effectLst/>
+                <a:latin typeface="Arial Unicode MS"/>
+                <a:ea typeface="JetBrains Mono"/>
+              </a:rPr>
+            </a:br>
+            <a:r>
+              <a:rPr kumimoji="0" lang="ko-KR" altLang="ko-KR" sz="1500" b="0" i="0" u="none" strike="noStrike" cap="none" normalizeH="0" baseline="0" smtClean="0">
+                <a:ln>
+                  <a:noFill/>
+                </a:ln>
+                <a:solidFill>
+                  <a:srgbClr val="A9B7C6"/>
+                </a:solidFill>
+                <a:effectLst/>
+                <a:latin typeface="맑은 고딕" panose="020B0503020000020004" pitchFamily="50" charset="-127"/>
+                <a:ea typeface="맑은 고딕" panose="020B0503020000020004" pitchFamily="50" charset="-127"/>
+              </a:rPr>
+              <a:t>♥♥♥♥♥</a:t>
+            </a:r>
+            <a:br>
+              <a:rPr kumimoji="0" lang="ko-KR" altLang="ko-KR" sz="1500" b="0" i="0" u="none" strike="noStrike" cap="none" normalizeH="0" baseline="0" smtClean="0">
+                <a:ln>
+                  <a:noFill/>
+                </a:ln>
+                <a:solidFill>
+                  <a:srgbClr val="A9B7C6"/>
+                </a:solidFill>
+                <a:effectLst/>
+                <a:latin typeface="맑은 고딕" panose="020B0503020000020004" pitchFamily="50" charset="-127"/>
+                <a:ea typeface="맑은 고딕" panose="020B0503020000020004" pitchFamily="50" charset="-127"/>
+              </a:rPr>
+            </a:br>
+            <a:r>
+              <a:rPr kumimoji="0" lang="ko-KR" altLang="ko-KR" sz="1500" b="0" i="0" u="none" strike="noStrike" cap="none" normalizeH="0" baseline="0" smtClean="0">
+                <a:ln>
+                  <a:noFill/>
+                </a:ln>
+                <a:solidFill>
+                  <a:srgbClr val="A9B7C6"/>
+                </a:solidFill>
+                <a:effectLst/>
+                <a:latin typeface="맑은 고딕" panose="020B0503020000020004" pitchFamily="50" charset="-127"/>
+                <a:ea typeface="맑은 고딕" panose="020B0503020000020004" pitchFamily="50" charset="-127"/>
+              </a:rPr>
+              <a:t>♥♥♥</a:t>
+            </a:r>
+            <a:br>
+              <a:rPr kumimoji="0" lang="ko-KR" altLang="ko-KR" sz="1500" b="0" i="0" u="none" strike="noStrike" cap="none" normalizeH="0" baseline="0" smtClean="0">
+                <a:ln>
+                  <a:noFill/>
+                </a:ln>
+                <a:solidFill>
+                  <a:srgbClr val="A9B7C6"/>
+                </a:solidFill>
+                <a:effectLst/>
+                <a:latin typeface="맑은 고딕" panose="020B0503020000020004" pitchFamily="50" charset="-127"/>
+                <a:ea typeface="맑은 고딕" panose="020B0503020000020004" pitchFamily="50" charset="-127"/>
+              </a:rPr>
+            </a:br>
+            <a:r>
+              <a:rPr kumimoji="0" lang="ko-KR" altLang="ko-KR" sz="1500" b="0" i="0" u="none" strike="noStrike" cap="none" normalizeH="0" baseline="0" smtClean="0">
+                <a:ln>
+                  <a:noFill/>
+                </a:ln>
+                <a:solidFill>
+                  <a:srgbClr val="A9B7C6"/>
+                </a:solidFill>
+                <a:effectLst/>
+                <a:latin typeface="맑은 고딕" panose="020B0503020000020004" pitchFamily="50" charset="-127"/>
+                <a:ea typeface="맑은 고딕" panose="020B0503020000020004" pitchFamily="50" charset="-127"/>
+              </a:rPr>
+              <a:t>♥♥♥♥♥</a:t>
+            </a:r>
+            <a:br>
+              <a:rPr kumimoji="0" lang="ko-KR" altLang="ko-KR" sz="1500" b="0" i="0" u="none" strike="noStrike" cap="none" normalizeH="0" baseline="0" smtClean="0">
+                <a:ln>
+                  <a:noFill/>
+                </a:ln>
+                <a:solidFill>
+                  <a:srgbClr val="A9B7C6"/>
+                </a:solidFill>
+                <a:effectLst/>
+                <a:latin typeface="맑은 고딕" panose="020B0503020000020004" pitchFamily="50" charset="-127"/>
+                <a:ea typeface="맑은 고딕" panose="020B0503020000020004" pitchFamily="50" charset="-127"/>
+              </a:rPr>
+            </a:br>
+            <a:r>
+              <a:rPr kumimoji="0" lang="ko-KR" altLang="ko-KR" sz="1500" b="0" i="0" u="none" strike="noStrike" cap="none" normalizeH="0" baseline="0" smtClean="0">
+                <a:ln>
+                  <a:noFill/>
+                </a:ln>
+                <a:solidFill>
+                  <a:srgbClr val="A9B7C6"/>
+                </a:solidFill>
+                <a:effectLst/>
+                <a:latin typeface="맑은 고딕" panose="020B0503020000020004" pitchFamily="50" charset="-127"/>
+                <a:ea typeface="맑은 고딕" panose="020B0503020000020004" pitchFamily="50" charset="-127"/>
+              </a:rPr>
+              <a:t>♥♥♥♥</a:t>
+            </a:r>
+            <a:br>
+              <a:rPr kumimoji="0" lang="ko-KR" altLang="ko-KR" sz="1500" b="0" i="0" u="none" strike="noStrike" cap="none" normalizeH="0" baseline="0" smtClean="0">
+                <a:ln>
+                  <a:noFill/>
+                </a:ln>
+                <a:solidFill>
+                  <a:srgbClr val="A9B7C6"/>
+                </a:solidFill>
+                <a:effectLst/>
+                <a:latin typeface="맑은 고딕" panose="020B0503020000020004" pitchFamily="50" charset="-127"/>
+                <a:ea typeface="맑은 고딕" panose="020B0503020000020004" pitchFamily="50" charset="-127"/>
+              </a:rPr>
+            </a:br>
+            <a:r>
+              <a:rPr kumimoji="0" lang="ko-KR" altLang="ko-KR" sz="1500" b="0" i="0" u="none" strike="noStrike" cap="none" normalizeH="0" baseline="0" smtClean="0">
+                <a:ln>
+                  <a:noFill/>
+                </a:ln>
+                <a:solidFill>
+                  <a:srgbClr val="6897BB"/>
+                </a:solidFill>
+                <a:effectLst/>
+                <a:latin typeface="Arial Unicode MS"/>
+                <a:ea typeface="JetBrains Mono"/>
+              </a:rPr>
+              <a:t>432</a:t>
+            </a:r>
+            <a:br>
+              <a:rPr kumimoji="0" lang="ko-KR" altLang="ko-KR" sz="1500" b="0" i="0" u="none" strike="noStrike" cap="none" normalizeH="0" baseline="0" smtClean="0">
+                <a:ln>
+                  <a:noFill/>
+                </a:ln>
+                <a:solidFill>
+                  <a:srgbClr val="6897BB"/>
+                </a:solidFill>
+                <a:effectLst/>
+                <a:latin typeface="Arial Unicode MS"/>
+                <a:ea typeface="JetBrains Mono"/>
+              </a:rPr>
+            </a:br>
+            <a:r>
+              <a:rPr kumimoji="0" lang="ko-KR" altLang="ko-KR" sz="1500" b="0" i="0" u="none" strike="noStrike" cap="none" normalizeH="0" baseline="0" smtClean="0">
+                <a:ln>
+                  <a:noFill/>
+                </a:ln>
+                <a:solidFill>
+                  <a:srgbClr val="A9B7C6"/>
+                </a:solidFill>
+                <a:effectLst/>
+                <a:latin typeface="Arial Unicode MS"/>
+                <a:ea typeface="JetBrains Mono"/>
+              </a:rPr>
+              <a:t>----&gt;</a:t>
+            </a:r>
+            <a:br>
+              <a:rPr kumimoji="0" lang="ko-KR" altLang="ko-KR" sz="1500" b="0" i="0" u="none" strike="noStrike" cap="none" normalizeH="0" baseline="0" smtClean="0">
+                <a:ln>
+                  <a:noFill/>
+                </a:ln>
+                <a:solidFill>
+                  <a:srgbClr val="A9B7C6"/>
+                </a:solidFill>
+                <a:effectLst/>
+                <a:latin typeface="Arial Unicode MS"/>
+                <a:ea typeface="JetBrains Mono"/>
+              </a:rPr>
+            </a:br>
+            <a:r>
+              <a:rPr kumimoji="0" lang="ko-KR" altLang="ko-KR" sz="1500" b="0" i="0" u="none" strike="noStrike" cap="none" normalizeH="0" baseline="0" smtClean="0">
+                <a:ln>
+                  <a:noFill/>
+                </a:ln>
+                <a:solidFill>
+                  <a:srgbClr val="A9B7C6"/>
+                </a:solidFill>
+                <a:effectLst/>
+                <a:latin typeface="맑은 고딕" panose="020B0503020000020004" pitchFamily="50" charset="-127"/>
+                <a:ea typeface="맑은 고딕" panose="020B0503020000020004" pitchFamily="50" charset="-127"/>
+              </a:rPr>
+              <a:t>♥♥♥♥</a:t>
+            </a:r>
+            <a:br>
+              <a:rPr kumimoji="0" lang="ko-KR" altLang="ko-KR" sz="1500" b="0" i="0" u="none" strike="noStrike" cap="none" normalizeH="0" baseline="0" smtClean="0">
+                <a:ln>
+                  <a:noFill/>
+                </a:ln>
+                <a:solidFill>
+                  <a:srgbClr val="A9B7C6"/>
+                </a:solidFill>
+                <a:effectLst/>
+                <a:latin typeface="맑은 고딕" panose="020B0503020000020004" pitchFamily="50" charset="-127"/>
+                <a:ea typeface="맑은 고딕" panose="020B0503020000020004" pitchFamily="50" charset="-127"/>
+              </a:rPr>
+            </a:br>
+            <a:r>
+              <a:rPr kumimoji="0" lang="ko-KR" altLang="ko-KR" sz="1500" b="0" i="0" u="none" strike="noStrike" cap="none" normalizeH="0" baseline="0" smtClean="0">
+                <a:ln>
+                  <a:noFill/>
+                </a:ln>
+                <a:solidFill>
+                  <a:srgbClr val="A9B7C6"/>
+                </a:solidFill>
+                <a:effectLst/>
+                <a:latin typeface="맑은 고딕" panose="020B0503020000020004" pitchFamily="50" charset="-127"/>
+                <a:ea typeface="맑은 고딕" panose="020B0503020000020004" pitchFamily="50" charset="-127"/>
+              </a:rPr>
+              <a:t>♥♥♥</a:t>
+            </a:r>
+            <a:br>
+              <a:rPr kumimoji="0" lang="ko-KR" altLang="ko-KR" sz="1500" b="0" i="0" u="none" strike="noStrike" cap="none" normalizeH="0" baseline="0" smtClean="0">
+                <a:ln>
+                  <a:noFill/>
+                </a:ln>
+                <a:solidFill>
+                  <a:srgbClr val="A9B7C6"/>
+                </a:solidFill>
+                <a:effectLst/>
+                <a:latin typeface="맑은 고딕" panose="020B0503020000020004" pitchFamily="50" charset="-127"/>
+                <a:ea typeface="맑은 고딕" panose="020B0503020000020004" pitchFamily="50" charset="-127"/>
+              </a:rPr>
+            </a:br>
+            <a:r>
+              <a:rPr kumimoji="0" lang="ko-KR" altLang="ko-KR" sz="1500" b="0" i="0" u="none" strike="noStrike" cap="none" normalizeH="0" baseline="0" smtClean="0">
+                <a:ln>
+                  <a:noFill/>
+                </a:ln>
+                <a:solidFill>
+                  <a:srgbClr val="A9B7C6"/>
+                </a:solidFill>
+                <a:effectLst/>
+                <a:latin typeface="맑은 고딕" panose="020B0503020000020004" pitchFamily="50" charset="-127"/>
+                <a:ea typeface="맑은 고딕" panose="020B0503020000020004" pitchFamily="50" charset="-127"/>
+              </a:rPr>
+              <a:t>♥♥</a:t>
+            </a:r>
+            <a:br>
+              <a:rPr kumimoji="0" lang="ko-KR" altLang="ko-KR" sz="1500" b="0" i="0" u="none" strike="noStrike" cap="none" normalizeH="0" baseline="0" smtClean="0">
+                <a:ln>
+                  <a:noFill/>
+                </a:ln>
+                <a:solidFill>
+                  <a:srgbClr val="A9B7C6"/>
+                </a:solidFill>
+                <a:effectLst/>
+                <a:latin typeface="맑은 고딕" panose="020B0503020000020004" pitchFamily="50" charset="-127"/>
+                <a:ea typeface="맑은 고딕" panose="020B0503020000020004" pitchFamily="50" charset="-127"/>
+              </a:rPr>
+            </a:br>
+            <a:endParaRPr kumimoji="0" lang="ko-KR" altLang="ko-KR" sz="1800" b="0" i="0" u="none" strike="noStrike" cap="none" normalizeH="0" baseline="0" smtClean="0">
+              <a:ln>
+                <a:noFill/>
+              </a:ln>
+              <a:solidFill>
+                <a:schemeClr val="tx1"/>
+              </a:solidFill>
+              <a:effectLst/>
+              <a:latin typeface="Arial" panose="020B0604020202020204" pitchFamily="34" charset="0"/>
+            </a:endParaRPr>
           </a:p>
         </p:txBody>
       </p:sp>
@@ -9517,7 +10318,7 @@
     <mc:Choice Requires="p14">
       <p:transition/>
     </mc:Choice>
-    <mc:Fallback xmlns="" xmlns:c="http://schemas.openxmlformats.org/drawingml/2006/chart" xmlns:dgm="http://schemas.openxmlformats.org/drawingml/2006/diagram" xmlns:dsp="http://schemas.microsoft.com/office/drawing/2008/diagram">
+    <mc:Fallback xmlns:dsp="http://schemas.microsoft.com/office/drawing/2008/diagram" xmlns:dgm="http://schemas.openxmlformats.org/drawingml/2006/diagram" xmlns:c="http://schemas.openxmlformats.org/drawingml/2006/chart" xmlns="">
       <p:transition/>
     </mc:Fallback>
   </mc:AlternateContent>
